--- a/documents/afw_lecture.pptx
+++ b/documents/afw_lecture.pptx
@@ -5,7 +5,7 @@
     <p:sldMasterId id="2147483661" r:id="rId1"/>
   </p:sldMasterIdLst>
   <p:handoutMasterIdLst>
-    <p:handoutMasterId r:id="rId23"/>
+    <p:handoutMasterId r:id="rId29"/>
   </p:handoutMasterIdLst>
   <p:sldIdLst>
     <p:sldId id="257" r:id="rId2"/>
@@ -23,12 +23,18 @@
     <p:sldId id="271" r:id="rId14"/>
     <p:sldId id="272" r:id="rId15"/>
     <p:sldId id="273" r:id="rId16"/>
-    <p:sldId id="274" r:id="rId17"/>
-    <p:sldId id="275" r:id="rId18"/>
+    <p:sldId id="275" r:id="rId17"/>
+    <p:sldId id="279" r:id="rId18"/>
     <p:sldId id="276" r:id="rId19"/>
-    <p:sldId id="277" r:id="rId20"/>
-    <p:sldId id="259" r:id="rId21"/>
-    <p:sldId id="260" r:id="rId22"/>
+    <p:sldId id="280" r:id="rId20"/>
+    <p:sldId id="277" r:id="rId21"/>
+    <p:sldId id="281" r:id="rId22"/>
+    <p:sldId id="282" r:id="rId23"/>
+    <p:sldId id="285" r:id="rId24"/>
+    <p:sldId id="283" r:id="rId25"/>
+    <p:sldId id="286" r:id="rId26"/>
+    <p:sldId id="284" r:id="rId27"/>
+    <p:sldId id="278" r:id="rId28"/>
   </p:sldIdLst>
   <p:sldSz cx="9144000" cy="6858000" type="screen4x3"/>
   <p:notesSz cx="6858000" cy="9144000"/>
@@ -512,202 +518,6 @@
 </file>
 
 <file path=ppt/slideLayouts/slideLayout2.xml><?xml version="1.0" encoding="utf-8"?>
-<p:sldLayout xmlns:a="http://schemas.openxmlformats.org/drawingml/2006/main" xmlns:r="http://schemas.openxmlformats.org/officeDocument/2006/relationships" xmlns:p="http://schemas.openxmlformats.org/presentationml/2006/main" userDrawn="1">
-  <p:cSld name="Title Only Layout">
-    <p:spTree>
-      <p:nvGrpSpPr>
-        <p:cNvPr id="1" name=""/>
-        <p:cNvGrpSpPr/>
-        <p:nvPr/>
-      </p:nvGrpSpPr>
-      <p:grpSpPr>
-        <a:xfrm>
-          <a:off x="0" y="0"/>
-          <a:ext cx="0" cy="0"/>
-          <a:chOff x="0" y="0"/>
-          <a:chExt cx="0" cy="0"/>
-        </a:xfrm>
-      </p:grpSpPr>
-      <p:pic>
-        <p:nvPicPr>
-          <p:cNvPr id="5" name="Picture 4" descr="3-bg.png"/>
-          <p:cNvPicPr>
-            <a:picLocks noChangeAspect="1"/>
-          </p:cNvPicPr>
-          <p:nvPr userDrawn="1"/>
-        </p:nvPicPr>
-        <p:blipFill>
-          <a:blip r:embed="rId2" cstate="print"/>
-          <a:stretch>
-            <a:fillRect/>
-          </a:stretch>
-        </p:blipFill>
-        <p:spPr>
-          <a:xfrm>
-            <a:off x="0" y="0"/>
-            <a:ext cx="9144000" cy="6857999"/>
-          </a:xfrm>
-          <a:prstGeom prst="rect">
-            <a:avLst/>
-          </a:prstGeom>
-        </p:spPr>
-      </p:pic>
-      <p:sp>
-        <p:nvSpPr>
-          <p:cNvPr id="2" name="Title 1"/>
-          <p:cNvSpPr>
-            <a:spLocks noGrp="1"/>
-          </p:cNvSpPr>
-          <p:nvPr>
-            <p:ph type="title"/>
-          </p:nvPr>
-        </p:nvSpPr>
-        <p:spPr/>
-        <p:txBody>
-          <a:bodyPr/>
-          <a:lstStyle/>
-          <a:p>
-            <a:r>
-              <a:rPr lang="en-US" dirty="0" smtClean="0"/>
-              <a:t>Click to edit Master title style</a:t>
-            </a:r>
-            <a:endParaRPr lang="en-US" dirty="0"/>
-          </a:p>
-        </p:txBody>
-      </p:sp>
-      <p:sp>
-        <p:nvSpPr>
-          <p:cNvPr id="4" name="Text Placeholder 2"/>
-          <p:cNvSpPr>
-            <a:spLocks noGrp="1"/>
-          </p:cNvSpPr>
-          <p:nvPr>
-            <p:ph type="body" idx="1"/>
-          </p:nvPr>
-        </p:nvSpPr>
-        <p:spPr bwMode="auto">
-          <a:xfrm>
-            <a:off x="304800" y="914401"/>
-            <a:ext cx="8534400" cy="5181600"/>
-          </a:xfrm>
-          <a:prstGeom prst="rect">
-            <a:avLst/>
-          </a:prstGeom>
-          <a:noFill/>
-          <a:ln w="9525">
-            <a:noFill/>
-            <a:miter lim="800000"/>
-            <a:headEnd/>
-            <a:tailEnd/>
-          </a:ln>
-        </p:spPr>
-        <p:txBody>
-          <a:bodyPr vert="horz" wrap="square" lIns="91440" tIns="45720" rIns="91440" bIns="45720" numCol="1" anchor="t" anchorCtr="0" compatLnSpc="1">
-            <a:prstTxWarp prst="textNoShape">
-              <a:avLst/>
-            </a:prstTxWarp>
-          </a:bodyPr>
-          <a:lstStyle/>
-          <a:p>
-            <a:pPr lvl="0"/>
-            <a:r>
-              <a:rPr lang="en-US" dirty="0" smtClean="0"/>
-              <a:t>Click to edit Master text styles</a:t>
-            </a:r>
-          </a:p>
-          <a:p>
-            <a:pPr lvl="1"/>
-            <a:r>
-              <a:rPr lang="en-US" dirty="0" smtClean="0"/>
-              <a:t>Second level</a:t>
-            </a:r>
-          </a:p>
-          <a:p>
-            <a:pPr lvl="2"/>
-            <a:r>
-              <a:rPr lang="en-US" dirty="0" smtClean="0"/>
-              <a:t>Third level</a:t>
-            </a:r>
-          </a:p>
-          <a:p>
-            <a:pPr lvl="3"/>
-            <a:r>
-              <a:rPr lang="en-US" dirty="0" smtClean="0"/>
-              <a:t>Fourth level</a:t>
-            </a:r>
-          </a:p>
-          <a:p>
-            <a:pPr lvl="4"/>
-            <a:r>
-              <a:rPr lang="en-US" dirty="0" smtClean="0"/>
-              <a:t>Fifth level</a:t>
-            </a:r>
-            <a:endParaRPr lang="en-US" dirty="0"/>
-          </a:p>
-        </p:txBody>
-      </p:sp>
-      <p:sp>
-        <p:nvSpPr>
-          <p:cNvPr id="7" name="TextBox 6"/>
-          <p:cNvSpPr txBox="1"/>
-          <p:nvPr userDrawn="1"/>
-        </p:nvSpPr>
-        <p:spPr>
-          <a:xfrm>
-            <a:off x="1600200" y="6400800"/>
-            <a:ext cx="5943600" cy="246221"/>
-          </a:xfrm>
-          <a:prstGeom prst="rect">
-            <a:avLst/>
-          </a:prstGeom>
-          <a:noFill/>
-        </p:spPr>
-        <p:txBody>
-          <a:bodyPr wrap="square" rtlCol="0">
-            <a:spAutoFit/>
-          </a:bodyPr>
-          <a:lstStyle/>
-          <a:p>
-            <a:pPr algn="ctr"/>
-            <a:r>
-              <a:rPr lang="en-US" sz="1000" dirty="0" smtClean="0">
-                <a:solidFill>
-                  <a:schemeClr val="bg1">
-                    <a:lumMod val="50000"/>
-                  </a:schemeClr>
-                </a:solidFill>
-              </a:rPr>
-              <a:t>Name</a:t>
-            </a:r>
-            <a:r>
-              <a:rPr lang="en-US" sz="1000" baseline="0" dirty="0" smtClean="0">
-                <a:solidFill>
-                  <a:schemeClr val="bg1">
-                    <a:lumMod val="50000"/>
-                  </a:schemeClr>
-                </a:solidFill>
-              </a:rPr>
-              <a:t> of Meeting • Location, Location • Date Date</a:t>
-            </a:r>
-            <a:endParaRPr lang="en-US" sz="1000" dirty="0">
-              <a:solidFill>
-                <a:schemeClr val="bg1">
-                  <a:lumMod val="50000"/>
-                </a:schemeClr>
-              </a:solidFill>
-            </a:endParaRPr>
-          </a:p>
-        </p:txBody>
-      </p:sp>
-    </p:spTree>
-  </p:cSld>
-  <p:clrMapOvr>
-    <a:masterClrMapping/>
-  </p:clrMapOvr>
-</p:sldLayout>
-</file>
-
-<file path=ppt/slideLayouts/slideLayout3.xml><?xml version="1.0" encoding="utf-8"?>
 <p:sldLayout xmlns:a="http://schemas.openxmlformats.org/drawingml/2006/main" xmlns:r="http://schemas.openxmlformats.org/officeDocument/2006/relationships" xmlns:p="http://schemas.openxmlformats.org/presentationml/2006/main" preserve="1" userDrawn="1">
   <p:cSld name="One Column Layout">
     <p:spTree>
@@ -831,7 +641,7 @@
 </p:sldLayout>
 </file>
 
-<file path=ppt/slideLayouts/slideLayout4.xml><?xml version="1.0" encoding="utf-8"?>
+<file path=ppt/slideLayouts/slideLayout3.xml><?xml version="1.0" encoding="utf-8"?>
 <p:sldLayout xmlns:a="http://schemas.openxmlformats.org/drawingml/2006/main" xmlns:r="http://schemas.openxmlformats.org/officeDocument/2006/relationships" xmlns:p="http://schemas.openxmlformats.org/presentationml/2006/main" preserve="1" userDrawn="1">
   <p:cSld name="Two Column Layout">
     <p:spTree>
@@ -1032,7 +842,7 @@
     <p:bg>
       <p:bgPr>
         <a:blipFill rotWithShape="1">
-          <a:blip r:embed="rId6" cstate="print"/>
+          <a:blip r:embed="rId5" cstate="print"/>
           <a:stretch>
             <a:fillRect/>
           </a:stretch>
@@ -1239,12 +1049,20 @@
           <a:p>
             <a:pPr algn="ctr"/>
             <a:r>
-              <a:rPr lang="en-US" sz="1000" dirty="0" smtClean="0">
+              <a:rPr lang="en-US" sz="1000" baseline="0" dirty="0" smtClean="0">
                 <a:solidFill>
                   <a:srgbClr val="FFFFFF"/>
                 </a:solidFill>
               </a:rPr>
-              <a:t>Name</a:t>
+              <a:t>DM </a:t>
+            </a:r>
+            <a:r>
+              <a:rPr lang="en-US" sz="1000" baseline="0" dirty="0" err="1" smtClean="0">
+                <a:solidFill>
+                  <a:srgbClr val="FFFFFF"/>
+                </a:solidFill>
+              </a:rPr>
+              <a:t>Bootcamp</a:t>
             </a:r>
             <a:r>
               <a:rPr lang="en-US" sz="1000" baseline="0" dirty="0" smtClean="0">
@@ -1252,7 +1070,39 @@
                   <a:srgbClr val="FFFFFF"/>
                 </a:solidFill>
               </a:rPr>
-              <a:t> of Meeting • Location, Location • Date Date</a:t>
+              <a:t> 2015 </a:t>
+            </a:r>
+            <a:r>
+              <a:rPr lang="en-US" sz="1000" baseline="0" dirty="0" smtClean="0">
+                <a:solidFill>
+                  <a:srgbClr val="FFFFFF"/>
+                </a:solidFill>
+              </a:rPr>
+              <a:t>• </a:t>
+            </a:r>
+            <a:r>
+              <a:rPr lang="en-US" sz="1000" baseline="0" dirty="0" smtClean="0">
+                <a:solidFill>
+                  <a:srgbClr val="FFFFFF"/>
+                </a:solidFill>
+              </a:rPr>
+              <a:t>The internet </a:t>
+            </a:r>
+            <a:r>
+              <a:rPr lang="en-US" sz="1000" baseline="0" dirty="0" smtClean="0">
+                <a:solidFill>
+                  <a:srgbClr val="FFFFFF"/>
+                </a:solidFill>
+              </a:rPr>
+              <a:t>• </a:t>
+            </a:r>
+            <a:r>
+              <a:rPr lang="en-US" sz="1000" baseline="0" dirty="0" smtClean="0">
+                <a:solidFill>
+                  <a:srgbClr val="FFFFFF"/>
+                </a:solidFill>
+              </a:rPr>
+              <a:t>October 4-6 2015</a:t>
             </a:r>
             <a:endParaRPr lang="en-US" sz="1000" dirty="0">
               <a:solidFill>
@@ -1267,9 +1117,8 @@
   <p:clrMap bg1="lt1" tx1="dk1" bg2="lt2" tx2="dk2" accent1="accent1" accent2="accent2" accent3="accent3" accent4="accent4" accent5="accent5" accent6="accent6" hlink="hlink" folHlink="folHlink"/>
   <p:sldLayoutIdLst>
     <p:sldLayoutId id="2147483660" r:id="rId1"/>
-    <p:sldLayoutId id="2147483662" r:id="rId2"/>
-    <p:sldLayoutId id="2147483664" r:id="rId3"/>
-    <p:sldLayoutId id="2147483663" r:id="rId4"/>
+    <p:sldLayoutId id="2147483664" r:id="rId2"/>
+    <p:sldLayoutId id="2147483663" r:id="rId3"/>
   </p:sldLayoutIdLst>
   <p:timing>
     <p:tnLst>
@@ -1717,12 +1566,12 @@
           <a:p>
             <a:pPr algn="l"/>
             <a:r>
-              <a:rPr lang="en-US" sz="2800" dirty="0" smtClean="0">
+              <a:rPr lang="en-US" sz="2800" dirty="0" err="1" smtClean="0">
                 <a:solidFill>
                   <a:srgbClr val="616161"/>
                 </a:solidFill>
               </a:rPr>
-              <a:t>Title of Presentation</a:t>
+              <a:t>afw</a:t>
             </a:r>
             <a:r>
               <a:rPr lang="en-US" dirty="0" smtClean="0">
@@ -1740,12 +1589,28 @@
               </a:rPr>
             </a:br>
             <a:r>
+              <a:rPr lang="en-US" dirty="0" smtClean="0">
+                <a:solidFill>
+                  <a:srgbClr val="616161"/>
+                </a:solidFill>
+              </a:rPr>
+              <a:t>Simon </a:t>
+            </a:r>
+            <a:r>
+              <a:rPr lang="en-US" dirty="0" err="1" smtClean="0">
+                <a:solidFill>
+                  <a:srgbClr val="616161"/>
+                </a:solidFill>
+              </a:rPr>
+              <a:t>Krughoff</a:t>
+            </a:r>
+            <a:r>
               <a:rPr lang="en-US" sz="2400" b="1" dirty="0" smtClean="0">
                 <a:solidFill>
                   <a:srgbClr val="616161"/>
                 </a:solidFill>
               </a:rPr>
-              <a:t>Name of Presenter</a:t>
+              <a:t/>
             </a:r>
             <a:br>
               <a:rPr lang="en-US" sz="2400" b="1" dirty="0" smtClean="0">
@@ -1755,12 +1620,12 @@
               </a:rPr>
             </a:br>
             <a:r>
-              <a:rPr lang="en-US" sz="2000" b="1" dirty="0" smtClean="0">
+              <a:rPr lang="en-US" dirty="0" smtClean="0">
                 <a:solidFill>
                   <a:srgbClr val="616161"/>
                 </a:solidFill>
               </a:rPr>
-              <a:t>Title of Presenter</a:t>
+              <a:t>UW DM T/CAM</a:t>
             </a:r>
             <a:r>
               <a:rPr lang="en-US" sz="2400" b="1" dirty="0" smtClean="0">
@@ -1793,12 +1658,20 @@
               </a:rPr>
             </a:br>
             <a:r>
+              <a:rPr lang="en-US" sz="1800" dirty="0">
+                <a:solidFill>
+                  <a:srgbClr val="616161"/>
+                </a:solidFill>
+              </a:rPr>
+              <a:t>O</a:t>
+            </a:r>
+            <a:r>
               <a:rPr lang="en-US" sz="1800" b="1" dirty="0" smtClean="0">
                 <a:solidFill>
                   <a:srgbClr val="616161"/>
                 </a:solidFill>
               </a:rPr>
-              <a:t>Date in long format</a:t>
+              <a:t>ctober 6, 2015</a:t>
             </a:r>
             <a:endParaRPr lang="en-US" sz="1800" b="1" dirty="0">
               <a:solidFill>
@@ -1839,12 +1712,10 @@
                   </a:schemeClr>
                 </a:solidFill>
               </a:rPr>
-              <a:t>Name of Meeting</a:t>
-            </a:r>
-          </a:p>
-          <a:p>
-            <a:r>
-              <a:rPr lang="en-US" sz="1200" dirty="0" smtClean="0">
+              <a:t>DM </a:t>
+            </a:r>
+            <a:r>
+              <a:rPr lang="en-US" dirty="0" err="1" smtClean="0">
                 <a:solidFill>
                   <a:schemeClr val="tx1">
                     <a:lumMod val="65000"/>
@@ -1852,7 +1723,72 @@
                   </a:schemeClr>
                 </a:solidFill>
               </a:rPr>
-              <a:t>Dates | Location</a:t>
+              <a:t>Bootcamp</a:t>
+            </a:r>
+            <a:r>
+              <a:rPr lang="en-US" dirty="0" smtClean="0">
+                <a:solidFill>
+                  <a:schemeClr val="tx1">
+                    <a:lumMod val="65000"/>
+                    <a:lumOff val="35000"/>
+                  </a:schemeClr>
+                </a:solidFill>
+              </a:rPr>
+              <a:t> 2015</a:t>
+            </a:r>
+            <a:endParaRPr lang="en-US" dirty="0" smtClean="0">
+              <a:solidFill>
+                <a:schemeClr val="tx1">
+                  <a:lumMod val="65000"/>
+                  <a:lumOff val="35000"/>
+                </a:schemeClr>
+              </a:solidFill>
+            </a:endParaRPr>
+          </a:p>
+          <a:p>
+            <a:r>
+              <a:rPr lang="en-US" sz="1200" dirty="0" smtClean="0">
+                <a:solidFill>
+                  <a:schemeClr val="tx1">
+                    <a:lumMod val="65000"/>
+                    <a:lumOff val="35000"/>
+                  </a:schemeClr>
+                </a:solidFill>
+              </a:rPr>
+              <a:t>October 4-6</a:t>
+            </a:r>
+            <a:r>
+              <a:rPr lang="en-US" sz="1200" dirty="0" smtClean="0">
+                <a:solidFill>
+                  <a:schemeClr val="tx1">
+                    <a:lumMod val="65000"/>
+                    <a:lumOff val="35000"/>
+                  </a:schemeClr>
+                </a:solidFill>
+              </a:rPr>
+              <a:t> </a:t>
+            </a:r>
+            <a:r>
+              <a:rPr lang="en-US" sz="1200" dirty="0" smtClean="0">
+                <a:solidFill>
+                  <a:schemeClr val="tx1">
+                    <a:lumMod val="65000"/>
+                    <a:lumOff val="35000"/>
+                  </a:schemeClr>
+                </a:solidFill>
+              </a:rPr>
+              <a:t>| </a:t>
+            </a:r>
+            <a:r>
+              <a:rPr lang="en-US" sz="1200" dirty="0" smtClean="0">
+                <a:solidFill>
+                  <a:schemeClr val="tx1">
+                    <a:lumMod val="65000"/>
+                    <a:lumOff val="35000"/>
+                  </a:schemeClr>
+                </a:solidFill>
+              </a:rPr>
+              <a:t>The internet</a:t>
             </a:r>
             <a:endParaRPr lang="en-US" sz="1200" dirty="0">
               <a:solidFill>
@@ -1993,6 +1929,21 @@
             <a:r>
               <a:rPr lang="en-US" dirty="0" smtClean="0"/>
               <a:t> classes in a toy scenario.</a:t>
+            </a:r>
+          </a:p>
+          <a:p>
+            <a:pPr marL="0" indent="0">
+              <a:buNone/>
+            </a:pPr>
+            <a:endParaRPr lang="en-US" dirty="0"/>
+          </a:p>
+          <a:p>
+            <a:pPr marL="0" indent="0">
+              <a:buNone/>
+            </a:pPr>
+            <a:r>
+              <a:rPr lang="en-US" dirty="0" smtClean="0"/>
+              <a:t>Make sure you setup the display_ds9 package if you want to display to be output to your local ds9.</a:t>
             </a:r>
             <a:endParaRPr lang="en-US" dirty="0"/>
           </a:p>
@@ -2084,244 +2035,398 @@
             </a:pPr>
             <a:endParaRPr lang="en-US" dirty="0" smtClean="0"/>
           </a:p>
-          <a:p>
-            <a:pPr marL="0" indent="0">
-              <a:buNone/>
-            </a:pPr>
-            <a:r>
-              <a:rPr lang="en-US" sz="1800" b="1" dirty="0">
+        </p:txBody>
+      </p:sp>
+      <p:sp>
+        <p:nvSpPr>
+          <p:cNvPr id="4" name="TextBox 3"/>
+          <p:cNvSpPr txBox="1"/>
+          <p:nvPr/>
+        </p:nvSpPr>
+        <p:spPr>
+          <a:xfrm>
+            <a:off x="228600" y="1981200"/>
+            <a:ext cx="6695199" cy="3416320"/>
+          </a:xfrm>
+          <a:prstGeom prst="rect">
+            <a:avLst/>
+          </a:prstGeom>
+          <a:noFill/>
+        </p:spPr>
+        <p:txBody>
+          <a:bodyPr wrap="none" rtlCol="0">
+            <a:spAutoFit/>
+          </a:bodyPr>
+          <a:lstStyle/>
+          <a:p>
+            <a:r>
+              <a:rPr lang="en-US" b="1" dirty="0">
+                <a:solidFill>
+                  <a:srgbClr val="008000"/>
+                </a:solidFill>
                 <a:latin typeface="Courier New"/>
                 <a:cs typeface="Courier New"/>
               </a:rPr>
               <a:t>import </a:t>
             </a:r>
             <a:r>
-              <a:rPr lang="en-US" sz="1800" b="1" dirty="0" err="1">
+              <a:rPr lang="en-US" b="1" dirty="0" err="1">
+                <a:solidFill>
+                  <a:srgbClr val="0000FF"/>
+                </a:solidFill>
                 <a:latin typeface="Courier New"/>
                 <a:cs typeface="Courier New"/>
               </a:rPr>
               <a:t>lsst.afw.image</a:t>
             </a:r>
             <a:r>
-              <a:rPr lang="en-US" sz="1800" b="1" dirty="0">
-                <a:latin typeface="Courier New"/>
-                <a:cs typeface="Courier New"/>
-              </a:rPr>
-              <a:t> as </a:t>
-            </a:r>
-            <a:r>
-              <a:rPr lang="en-US" sz="1800" b="1" dirty="0" err="1">
+              <a:rPr lang="en-US" b="1" dirty="0">
+                <a:solidFill>
+                  <a:srgbClr val="0000FF"/>
+                </a:solidFill>
+                <a:latin typeface="Courier New"/>
+                <a:cs typeface="Courier New"/>
+              </a:rPr>
+              <a:t> </a:t>
+            </a:r>
+            <a:r>
+              <a:rPr lang="en-US" b="1" dirty="0">
+                <a:solidFill>
+                  <a:srgbClr val="008000"/>
+                </a:solidFill>
+                <a:latin typeface="Courier New"/>
+                <a:cs typeface="Courier New"/>
+              </a:rPr>
+              <a:t>as </a:t>
+            </a:r>
+            <a:r>
+              <a:rPr lang="en-US" b="1" dirty="0" err="1">
+                <a:solidFill>
+                  <a:srgbClr val="0000FF"/>
+                </a:solidFill>
                 <a:latin typeface="Courier New"/>
                 <a:cs typeface="Courier New"/>
               </a:rPr>
               <a:t>afwImage</a:t>
             </a:r>
-            <a:endParaRPr lang="en-US" sz="1800" b="1" dirty="0">
+            <a:endParaRPr lang="en-US" b="1" dirty="0">
+              <a:solidFill>
+                <a:srgbClr val="0000FF"/>
+              </a:solidFill>
               <a:latin typeface="Courier New"/>
               <a:cs typeface="Courier New"/>
             </a:endParaRPr>
           </a:p>
           <a:p>
-            <a:pPr marL="0" indent="0">
-              <a:buNone/>
-            </a:pPr>
-            <a:r>
-              <a:rPr lang="en-US" sz="1800" b="1" dirty="0">
+            <a:r>
+              <a:rPr lang="en-US" b="1" dirty="0">
+                <a:solidFill>
+                  <a:srgbClr val="008000"/>
+                </a:solidFill>
                 <a:latin typeface="Courier New"/>
                 <a:cs typeface="Courier New"/>
               </a:rPr>
               <a:t>import </a:t>
             </a:r>
             <a:r>
-              <a:rPr lang="en-US" sz="1800" b="1" dirty="0" err="1">
+              <a:rPr lang="en-US" b="1" dirty="0" err="1">
+                <a:solidFill>
+                  <a:srgbClr val="0000FF"/>
+                </a:solidFill>
                 <a:latin typeface="Courier New"/>
                 <a:cs typeface="Courier New"/>
               </a:rPr>
               <a:t>lsst.afw.geom</a:t>
             </a:r>
             <a:r>
-              <a:rPr lang="en-US" sz="1800" b="1" dirty="0">
-                <a:latin typeface="Courier New"/>
-                <a:cs typeface="Courier New"/>
-              </a:rPr>
-              <a:t> as </a:t>
-            </a:r>
-            <a:r>
-              <a:rPr lang="en-US" sz="1800" b="1" dirty="0" err="1">
+              <a:rPr lang="en-US" b="1" dirty="0">
+                <a:solidFill>
+                  <a:srgbClr val="0000FF"/>
+                </a:solidFill>
+                <a:latin typeface="Courier New"/>
+                <a:cs typeface="Courier New"/>
+              </a:rPr>
+              <a:t> </a:t>
+            </a:r>
+            <a:r>
+              <a:rPr lang="en-US" b="1" dirty="0">
+                <a:solidFill>
+                  <a:srgbClr val="008000"/>
+                </a:solidFill>
+                <a:latin typeface="Courier New"/>
+                <a:cs typeface="Courier New"/>
+              </a:rPr>
+              <a:t>as </a:t>
+            </a:r>
+            <a:r>
+              <a:rPr lang="en-US" b="1" dirty="0" err="1">
+                <a:solidFill>
+                  <a:srgbClr val="0000FF"/>
+                </a:solidFill>
                 <a:latin typeface="Courier New"/>
                 <a:cs typeface="Courier New"/>
               </a:rPr>
               <a:t>afwGeom</a:t>
             </a:r>
-            <a:endParaRPr lang="en-US" sz="1800" b="1" dirty="0">
+            <a:endParaRPr lang="en-US" b="1" dirty="0">
+              <a:solidFill>
+                <a:srgbClr val="0000FF"/>
+              </a:solidFill>
               <a:latin typeface="Courier New"/>
               <a:cs typeface="Courier New"/>
             </a:endParaRPr>
           </a:p>
           <a:p>
-            <a:pPr marL="0" indent="0">
-              <a:buNone/>
-            </a:pPr>
-            <a:r>
-              <a:rPr lang="en-US" sz="1800" b="1" dirty="0">
+            <a:r>
+              <a:rPr lang="en-US" b="1" dirty="0">
+                <a:solidFill>
+                  <a:srgbClr val="008000"/>
+                </a:solidFill>
                 <a:latin typeface="Courier New"/>
                 <a:cs typeface="Courier New"/>
               </a:rPr>
               <a:t>from </a:t>
             </a:r>
             <a:r>
-              <a:rPr lang="en-US" sz="1800" b="1" dirty="0" err="1">
+              <a:rPr lang="en-US" b="1" dirty="0" err="1">
+                <a:solidFill>
+                  <a:srgbClr val="0000FF"/>
+                </a:solidFill>
                 <a:latin typeface="Courier New"/>
                 <a:cs typeface="Courier New"/>
               </a:rPr>
               <a:t>lsst.pex.exceptions</a:t>
             </a:r>
             <a:r>
-              <a:rPr lang="en-US" sz="1800" b="1" dirty="0">
-                <a:latin typeface="Courier New"/>
-                <a:cs typeface="Courier New"/>
-              </a:rPr>
-              <a:t> import </a:t>
-            </a:r>
-            <a:r>
-              <a:rPr lang="en-US" sz="1800" b="1" dirty="0" err="1">
+              <a:rPr lang="en-US" b="1" dirty="0">
+                <a:solidFill>
+                  <a:srgbClr val="0000FF"/>
+                </a:solidFill>
+                <a:latin typeface="Courier New"/>
+                <a:cs typeface="Courier New"/>
+              </a:rPr>
+              <a:t> </a:t>
+            </a:r>
+            <a:r>
+              <a:rPr lang="en-US" b="1" dirty="0">
+                <a:solidFill>
+                  <a:srgbClr val="008000"/>
+                </a:solidFill>
+                <a:latin typeface="Courier New"/>
+                <a:cs typeface="Courier New"/>
+              </a:rPr>
+              <a:t>import </a:t>
+            </a:r>
+            <a:r>
+              <a:rPr lang="en-US" b="1" dirty="0" err="1">
+                <a:solidFill>
+                  <a:srgbClr val="008000"/>
+                </a:solidFill>
                 <a:latin typeface="Courier New"/>
                 <a:cs typeface="Courier New"/>
               </a:rPr>
               <a:t>LengthError</a:t>
             </a:r>
-            <a:endParaRPr lang="en-US" sz="1800" b="1" dirty="0">
+            <a:endParaRPr lang="en-US" b="1" dirty="0">
+              <a:solidFill>
+                <a:srgbClr val="008000"/>
+              </a:solidFill>
               <a:latin typeface="Courier New"/>
               <a:cs typeface="Courier New"/>
             </a:endParaRPr>
           </a:p>
           <a:p>
-            <a:pPr marL="0" indent="0">
-              <a:buNone/>
-            </a:pPr>
-            <a:endParaRPr lang="en-US" sz="1800" b="1" dirty="0">
+            <a:endParaRPr lang="en-US" b="1" dirty="0">
               <a:latin typeface="Courier New"/>
               <a:cs typeface="Courier New"/>
             </a:endParaRPr>
           </a:p>
           <a:p>
-            <a:pPr marL="0" indent="0">
-              <a:buNone/>
-            </a:pPr>
-            <a:r>
-              <a:rPr lang="en-US" sz="1800" b="1" dirty="0" err="1">
+            <a:r>
+              <a:rPr lang="en-US" b="1" dirty="0" err="1">
                 <a:latin typeface="Courier New"/>
                 <a:cs typeface="Courier New"/>
               </a:rPr>
               <a:t>n_objects</a:t>
             </a:r>
             <a:r>
-              <a:rPr lang="en-US" sz="1800" b="1" dirty="0">
-                <a:latin typeface="Courier New"/>
-                <a:cs typeface="Courier New"/>
-              </a:rPr>
-              <a:t> = 1000</a:t>
-            </a:r>
-          </a:p>
-          <a:p>
-            <a:pPr marL="0" indent="0">
-              <a:buNone/>
-            </a:pPr>
-            <a:endParaRPr lang="en-US" sz="1800" b="1" dirty="0">
+              <a:rPr lang="en-US" b="1" dirty="0">
+                <a:latin typeface="Courier New"/>
+                <a:cs typeface="Courier New"/>
+              </a:rPr>
+              <a:t> </a:t>
+            </a:r>
+            <a:r>
+              <a:rPr lang="en-US" b="1" dirty="0">
+                <a:solidFill>
+                  <a:srgbClr val="666666"/>
+                </a:solidFill>
+                <a:latin typeface="Courier New"/>
+                <a:cs typeface="Courier New"/>
+              </a:rPr>
+              <a:t>= 1000</a:t>
+            </a:r>
+          </a:p>
+          <a:p>
+            <a:endParaRPr lang="en-US" b="1" dirty="0">
               <a:latin typeface="Courier New"/>
               <a:cs typeface="Courier New"/>
             </a:endParaRPr>
           </a:p>
           <a:p>
-            <a:pPr marL="0" indent="0">
-              <a:buNone/>
-            </a:pPr>
-            <a:r>
-              <a:rPr lang="en-US" sz="1800" b="1" dirty="0">
-                <a:latin typeface="Courier New"/>
-                <a:cs typeface="Courier New"/>
-              </a:rPr>
-              <a:t>box = </a:t>
-            </a:r>
-            <a:r>
-              <a:rPr lang="en-US" sz="1800" b="1" dirty="0" err="1">
+            <a:r>
+              <a:rPr lang="en-US" b="1" dirty="0">
+                <a:latin typeface="Courier New"/>
+                <a:cs typeface="Courier New"/>
+              </a:rPr>
+              <a:t>box </a:t>
+            </a:r>
+            <a:r>
+              <a:rPr lang="en-US" b="1" dirty="0">
+                <a:solidFill>
+                  <a:srgbClr val="666666"/>
+                </a:solidFill>
+                <a:latin typeface="Courier New"/>
+                <a:cs typeface="Courier New"/>
+              </a:rPr>
+              <a:t>= </a:t>
+            </a:r>
+            <a:r>
+              <a:rPr lang="en-US" b="1" dirty="0" err="1">
+                <a:solidFill>
+                  <a:srgbClr val="666666"/>
+                </a:solidFill>
                 <a:latin typeface="Courier New"/>
                 <a:cs typeface="Courier New"/>
               </a:rPr>
               <a:t>afwGeom.BoxI</a:t>
             </a:r>
             <a:r>
-              <a:rPr lang="en-US" sz="1800" b="1" dirty="0">
+              <a:rPr lang="en-US" b="1" dirty="0">
+                <a:solidFill>
+                  <a:srgbClr val="666666"/>
+                </a:solidFill>
                 <a:latin typeface="Courier New"/>
                 <a:cs typeface="Courier New"/>
               </a:rPr>
               <a:t>(</a:t>
             </a:r>
             <a:r>
-              <a:rPr lang="en-US" sz="1800" b="1" dirty="0" err="1">
+              <a:rPr lang="en-US" b="1" dirty="0" err="1">
+                <a:solidFill>
+                  <a:srgbClr val="666666"/>
+                </a:solidFill>
                 <a:latin typeface="Courier New"/>
                 <a:cs typeface="Courier New"/>
               </a:rPr>
               <a:t>afwGeom.PointI</a:t>
             </a:r>
             <a:r>
-              <a:rPr lang="en-US" sz="1800" b="1" dirty="0">
+              <a:rPr lang="en-US" b="1" dirty="0">
+                <a:solidFill>
+                  <a:srgbClr val="666666"/>
+                </a:solidFill>
                 <a:latin typeface="Courier New"/>
                 <a:cs typeface="Courier New"/>
               </a:rPr>
               <a:t>(300, 500), </a:t>
             </a:r>
-            <a:r>
-              <a:rPr lang="en-US" sz="1800" b="1" dirty="0" err="1">
-                <a:latin typeface="Courier New"/>
-                <a:cs typeface="Courier New"/>
-              </a:rPr>
-              <a:t>afwGeom.ExtentI</a:t>
-            </a:r>
-            <a:r>
-              <a:rPr lang="en-US" sz="1800" b="1" dirty="0">
-                <a:latin typeface="Courier New"/>
-                <a:cs typeface="Courier New"/>
-              </a:rPr>
-              <a:t>(2000, 2048))</a:t>
-            </a:r>
-          </a:p>
-          <a:p>
-            <a:pPr marL="0" indent="0">
-              <a:buNone/>
-            </a:pPr>
-            <a:endParaRPr lang="en-US" sz="1800" b="1" dirty="0">
+            <a:endParaRPr lang="en-US" b="1" dirty="0" smtClean="0">
+              <a:solidFill>
+                <a:srgbClr val="666666"/>
+              </a:solidFill>
               <a:latin typeface="Courier New"/>
               <a:cs typeface="Courier New"/>
             </a:endParaRPr>
           </a:p>
           <a:p>
-            <a:pPr marL="0" indent="0">
-              <a:buNone/>
-            </a:pPr>
-            <a:r>
-              <a:rPr lang="en-US" sz="1800" b="1" dirty="0" err="1">
+            <a:r>
+              <a:rPr lang="en-US" b="1" dirty="0">
+                <a:solidFill>
+                  <a:srgbClr val="666666"/>
+                </a:solidFill>
+                <a:latin typeface="Courier New"/>
+                <a:cs typeface="Courier New"/>
+              </a:rPr>
+              <a:t> </a:t>
+            </a:r>
+            <a:r>
+              <a:rPr lang="en-US" b="1" dirty="0" smtClean="0">
+                <a:solidFill>
+                  <a:srgbClr val="666666"/>
+                </a:solidFill>
+                <a:latin typeface="Courier New"/>
+                <a:cs typeface="Courier New"/>
+              </a:rPr>
+              <a:t>                  </a:t>
+            </a:r>
+            <a:r>
+              <a:rPr lang="en-US" b="1" dirty="0" err="1" smtClean="0">
+                <a:solidFill>
+                  <a:srgbClr val="666666"/>
+                </a:solidFill>
+                <a:latin typeface="Courier New"/>
+                <a:cs typeface="Courier New"/>
+              </a:rPr>
+              <a:t>afwGeom.ExtentI</a:t>
+            </a:r>
+            <a:r>
+              <a:rPr lang="en-US" b="1" dirty="0">
+                <a:solidFill>
+                  <a:srgbClr val="666666"/>
+                </a:solidFill>
+                <a:latin typeface="Courier New"/>
+                <a:cs typeface="Courier New"/>
+              </a:rPr>
+              <a:t>(2000, 2048))</a:t>
+            </a:r>
+          </a:p>
+          <a:p>
+            <a:endParaRPr lang="en-US" b="1" dirty="0">
+              <a:latin typeface="Courier New"/>
+              <a:cs typeface="Courier New"/>
+            </a:endParaRPr>
+          </a:p>
+          <a:p>
+            <a:r>
+              <a:rPr lang="en-US" b="1" dirty="0" err="1">
                 <a:latin typeface="Courier New"/>
                 <a:cs typeface="Courier New"/>
               </a:rPr>
               <a:t>im</a:t>
             </a:r>
             <a:r>
-              <a:rPr lang="en-US" sz="1800" b="1" dirty="0">
-                <a:latin typeface="Courier New"/>
-                <a:cs typeface="Courier New"/>
-              </a:rPr>
-              <a:t> = </a:t>
-            </a:r>
-            <a:r>
-              <a:rPr lang="en-US" sz="1800" b="1" dirty="0" err="1">
+              <a:rPr lang="en-US" b="1" dirty="0">
+                <a:latin typeface="Courier New"/>
+                <a:cs typeface="Courier New"/>
+              </a:rPr>
+              <a:t> </a:t>
+            </a:r>
+            <a:r>
+              <a:rPr lang="en-US" b="1" dirty="0">
+                <a:solidFill>
+                  <a:srgbClr val="666666"/>
+                </a:solidFill>
+                <a:latin typeface="Courier New"/>
+                <a:cs typeface="Courier New"/>
+              </a:rPr>
+              <a:t>= </a:t>
+            </a:r>
+            <a:r>
+              <a:rPr lang="en-US" b="1" dirty="0" err="1">
+                <a:solidFill>
+                  <a:srgbClr val="666666"/>
+                </a:solidFill>
                 <a:latin typeface="Courier New"/>
                 <a:cs typeface="Courier New"/>
               </a:rPr>
               <a:t>afwImage.ImageF</a:t>
             </a:r>
             <a:r>
-              <a:rPr lang="en-US" sz="1800" b="1" dirty="0">
+              <a:rPr lang="en-US" b="1" dirty="0">
+                <a:solidFill>
+                  <a:srgbClr val="666666"/>
+                </a:solidFill>
                 <a:latin typeface="Courier New"/>
                 <a:cs typeface="Courier New"/>
               </a:rPr>
@@ -2329,36 +2434,36 @@
             </a:r>
           </a:p>
           <a:p>
-            <a:pPr marL="0" indent="0">
-              <a:buNone/>
-            </a:pPr>
-            <a:r>
-              <a:rPr lang="en-US" sz="1800" b="1" dirty="0">
-                <a:latin typeface="Courier New"/>
-                <a:cs typeface="Courier New"/>
-              </a:rPr>
-              <a:t>print im.getXY0(</a:t>
-            </a:r>
-            <a:r>
-              <a:rPr lang="en-US" sz="1800" b="1" dirty="0" smtClean="0">
-                <a:latin typeface="Courier New"/>
-                <a:cs typeface="Courier New"/>
-              </a:rPr>
-              <a:t>)</a:t>
-            </a:r>
-          </a:p>
-          <a:p>
-            <a:pPr marL="0" indent="0">
-              <a:buNone/>
-            </a:pPr>
-            <a:r>
-              <a:rPr lang="en-US" sz="1800" b="1" dirty="0" smtClean="0">
+            <a:r>
+              <a:rPr lang="en-US" b="1" dirty="0">
+                <a:solidFill>
+                  <a:srgbClr val="008000"/>
+                </a:solidFill>
+                <a:latin typeface="Courier New"/>
+                <a:cs typeface="Courier New"/>
+              </a:rPr>
+              <a:t>print im</a:t>
+            </a:r>
+            <a:r>
+              <a:rPr lang="en-US" b="1" dirty="0">
+                <a:solidFill>
+                  <a:srgbClr val="666666"/>
+                </a:solidFill>
+                <a:latin typeface="Courier New"/>
+                <a:cs typeface="Courier New"/>
+              </a:rPr>
+              <a:t>.getXY0()</a:t>
+            </a:r>
+          </a:p>
+          <a:p>
+            <a:r>
+              <a:rPr lang="en-US" b="1" dirty="0" smtClean="0">
                 <a:latin typeface="Courier New"/>
                 <a:cs typeface="Courier New"/>
               </a:rPr>
               <a:t>&gt;&gt;&gt; (300, 500)</a:t>
             </a:r>
-            <a:endParaRPr lang="en-US" sz="1800" b="1" dirty="0">
+            <a:endParaRPr lang="en-US" b="1" dirty="0">
               <a:latin typeface="Courier New"/>
               <a:cs typeface="Courier New"/>
             </a:endParaRPr>
@@ -2466,61 +2571,138 @@
             </a:pPr>
             <a:endParaRPr lang="en-US" dirty="0"/>
           </a:p>
-          <a:p>
-            <a:pPr marL="0" indent="0">
-              <a:buNone/>
-            </a:pPr>
-            <a:r>
-              <a:rPr lang="en-US" sz="1800" b="1" dirty="0" err="1">
+        </p:txBody>
+      </p:sp>
+      <p:sp>
+        <p:nvSpPr>
+          <p:cNvPr id="4" name="TextBox 3"/>
+          <p:cNvSpPr txBox="1"/>
+          <p:nvPr/>
+        </p:nvSpPr>
+        <p:spPr>
+          <a:xfrm>
+            <a:off x="304800" y="3733800"/>
+            <a:ext cx="7526332" cy="2031325"/>
+          </a:xfrm>
+          <a:prstGeom prst="rect">
+            <a:avLst/>
+          </a:prstGeom>
+          <a:noFill/>
+        </p:spPr>
+        <p:txBody>
+          <a:bodyPr wrap="none" rtlCol="0">
+            <a:spAutoFit/>
+          </a:bodyPr>
+          <a:lstStyle/>
+          <a:p>
+            <a:r>
+              <a:rPr lang="en-US" b="1" dirty="0" err="1">
                 <a:latin typeface="Courier New"/>
                 <a:cs typeface="Courier New"/>
               </a:rPr>
               <a:t>subbox</a:t>
             </a:r>
             <a:r>
-              <a:rPr lang="en-US" sz="1800" b="1" dirty="0">
-                <a:latin typeface="Courier New"/>
-                <a:cs typeface="Courier New"/>
-              </a:rPr>
-              <a:t> = </a:t>
-            </a:r>
-            <a:r>
-              <a:rPr lang="en-US" sz="1800" b="1" dirty="0" err="1">
+              <a:rPr lang="en-US" b="1" dirty="0">
+                <a:latin typeface="Courier New"/>
+                <a:cs typeface="Courier New"/>
+              </a:rPr>
+              <a:t> </a:t>
+            </a:r>
+            <a:r>
+              <a:rPr lang="en-US" b="1" dirty="0">
+                <a:solidFill>
+                  <a:srgbClr val="666666"/>
+                </a:solidFill>
+                <a:latin typeface="Courier New"/>
+                <a:cs typeface="Courier New"/>
+              </a:rPr>
+              <a:t>= </a:t>
+            </a:r>
+            <a:r>
+              <a:rPr lang="en-US" b="1" dirty="0" err="1">
+                <a:solidFill>
+                  <a:srgbClr val="666666"/>
+                </a:solidFill>
                 <a:latin typeface="Courier New"/>
                 <a:cs typeface="Courier New"/>
               </a:rPr>
               <a:t>afwGeom.BoxI</a:t>
             </a:r>
             <a:r>
-              <a:rPr lang="en-US" sz="1800" b="1" dirty="0">
+              <a:rPr lang="en-US" b="1" dirty="0">
+                <a:solidFill>
+                  <a:srgbClr val="666666"/>
+                </a:solidFill>
                 <a:latin typeface="Courier New"/>
                 <a:cs typeface="Courier New"/>
               </a:rPr>
               <a:t>(</a:t>
             </a:r>
             <a:r>
-              <a:rPr lang="en-US" sz="1800" b="1" dirty="0" err="1">
+              <a:rPr lang="en-US" b="1" dirty="0" err="1">
+                <a:solidFill>
+                  <a:srgbClr val="666666"/>
+                </a:solidFill>
                 <a:latin typeface="Courier New"/>
                 <a:cs typeface="Courier New"/>
               </a:rPr>
               <a:t>afwGeom.PointI</a:t>
             </a:r>
             <a:r>
-              <a:rPr lang="en-US" sz="1800" b="1" dirty="0">
+              <a:rPr lang="en-US" b="1" dirty="0">
+                <a:solidFill>
+                  <a:srgbClr val="666666"/>
+                </a:solidFill>
                 <a:latin typeface="Courier New"/>
                 <a:cs typeface="Courier New"/>
               </a:rPr>
               <a:t>(10, 10), </a:t>
             </a:r>
-            <a:r>
-              <a:rPr lang="en-US" sz="1800" b="1" dirty="0" err="1">
+            <a:endParaRPr lang="en-US" b="1" dirty="0" smtClean="0">
+              <a:solidFill>
+                <a:srgbClr val="666666"/>
+              </a:solidFill>
+              <a:latin typeface="Courier New"/>
+              <a:cs typeface="Courier New"/>
+            </a:endParaRPr>
+          </a:p>
+          <a:p>
+            <a:r>
+              <a:rPr lang="en-US" b="1" dirty="0">
+                <a:solidFill>
+                  <a:srgbClr val="666666"/>
+                </a:solidFill>
+                <a:latin typeface="Courier New"/>
+                <a:cs typeface="Courier New"/>
+              </a:rPr>
+              <a:t> </a:t>
+            </a:r>
+            <a:r>
+              <a:rPr lang="en-US" b="1" dirty="0" smtClean="0">
+                <a:solidFill>
+                  <a:srgbClr val="666666"/>
+                </a:solidFill>
+                <a:latin typeface="Courier New"/>
+                <a:cs typeface="Courier New"/>
+              </a:rPr>
+              <a:t>                     </a:t>
+            </a:r>
+            <a:r>
+              <a:rPr lang="en-US" b="1" dirty="0" err="1" smtClean="0">
+                <a:solidFill>
+                  <a:srgbClr val="666666"/>
+                </a:solidFill>
                 <a:latin typeface="Courier New"/>
                 <a:cs typeface="Courier New"/>
               </a:rPr>
               <a:t>afwGeom.ExtentI</a:t>
             </a:r>
             <a:r>
-              <a:rPr lang="en-US" sz="1800" b="1" dirty="0">
+              <a:rPr lang="en-US" b="1" dirty="0">
+                <a:solidFill>
+                  <a:srgbClr val="666666"/>
+                </a:solidFill>
                 <a:latin typeface="Courier New"/>
                 <a:cs typeface="Courier New"/>
               </a:rPr>
@@ -2528,11 +2710,11 @@
             </a:r>
           </a:p>
           <a:p>
-            <a:pPr marL="0" indent="0">
-              <a:buNone/>
-            </a:pPr>
-            <a:r>
-              <a:rPr lang="en-US" sz="1800" b="1" dirty="0">
+            <a:r>
+              <a:rPr lang="en-US" b="1" dirty="0">
+                <a:solidFill>
+                  <a:srgbClr val="008000"/>
+                </a:solidFill>
                 <a:latin typeface="Courier New"/>
                 <a:cs typeface="Courier New"/>
               </a:rPr>
@@ -2540,53 +2722,78 @@
             </a:r>
           </a:p>
           <a:p>
-            <a:pPr marL="0" indent="0">
-              <a:buNone/>
-            </a:pPr>
-            <a:r>
-              <a:rPr lang="en-US" sz="1800" b="1" dirty="0">
-                <a:latin typeface="Courier New"/>
-                <a:cs typeface="Courier New"/>
-              </a:rPr>
-              <a:t>    im2 = </a:t>
-            </a:r>
-            <a:r>
-              <a:rPr lang="en-US" sz="1800" b="1" dirty="0" err="1">
+            <a:r>
+              <a:rPr lang="en-US" b="1" dirty="0">
+                <a:latin typeface="Courier New"/>
+                <a:cs typeface="Courier New"/>
+              </a:rPr>
+              <a:t>    im2 </a:t>
+            </a:r>
+            <a:r>
+              <a:rPr lang="en-US" b="1" dirty="0">
+                <a:solidFill>
+                  <a:srgbClr val="666666"/>
+                </a:solidFill>
+                <a:latin typeface="Courier New"/>
+                <a:cs typeface="Courier New"/>
+              </a:rPr>
+              <a:t>= </a:t>
+            </a:r>
+            <a:r>
+              <a:rPr lang="en-US" b="1" dirty="0" err="1">
+                <a:solidFill>
+                  <a:srgbClr val="666666"/>
+                </a:solidFill>
                 <a:latin typeface="Courier New"/>
                 <a:cs typeface="Courier New"/>
               </a:rPr>
               <a:t>afwImage.ImageF</a:t>
             </a:r>
             <a:r>
-              <a:rPr lang="en-US" sz="1800" b="1" dirty="0">
+              <a:rPr lang="en-US" b="1" dirty="0">
+                <a:solidFill>
+                  <a:srgbClr val="666666"/>
+                </a:solidFill>
                 <a:latin typeface="Courier New"/>
                 <a:cs typeface="Courier New"/>
               </a:rPr>
               <a:t>(</a:t>
             </a:r>
             <a:r>
-              <a:rPr lang="en-US" sz="1800" b="1" dirty="0" err="1">
+              <a:rPr lang="en-US" b="1" dirty="0" err="1">
+                <a:solidFill>
+                  <a:srgbClr val="666666"/>
+                </a:solidFill>
                 <a:latin typeface="Courier New"/>
                 <a:cs typeface="Courier New"/>
               </a:rPr>
               <a:t>im</a:t>
             </a:r>
             <a:r>
-              <a:rPr lang="en-US" sz="1800" b="1" dirty="0">
+              <a:rPr lang="en-US" b="1" dirty="0">
+                <a:solidFill>
+                  <a:srgbClr val="666666"/>
+                </a:solidFill>
                 <a:latin typeface="Courier New"/>
                 <a:cs typeface="Courier New"/>
               </a:rPr>
               <a:t>, </a:t>
             </a:r>
             <a:r>
-              <a:rPr lang="en-US" sz="1800" b="1" dirty="0" err="1">
+              <a:rPr lang="en-US" b="1" dirty="0" err="1">
+                <a:solidFill>
+                  <a:srgbClr val="666666"/>
+                </a:solidFill>
                 <a:latin typeface="Courier New"/>
                 <a:cs typeface="Courier New"/>
               </a:rPr>
               <a:t>subbox</a:t>
             </a:r>
             <a:r>
-              <a:rPr lang="en-US" sz="1800" b="1" dirty="0">
+              <a:rPr lang="en-US" b="1" dirty="0">
+                <a:solidFill>
+                  <a:srgbClr val="666666"/>
+                </a:solidFill>
                 <a:latin typeface="Courier New"/>
                 <a:cs typeface="Courier New"/>
               </a:rPr>
@@ -2594,25 +2801,31 @@
             </a:r>
           </a:p>
           <a:p>
-            <a:pPr marL="0" indent="0">
-              <a:buNone/>
-            </a:pPr>
-            <a:r>
-              <a:rPr lang="en-US" sz="1800" b="1" dirty="0">
+            <a:r>
+              <a:rPr lang="en-US" b="1" dirty="0">
+                <a:solidFill>
+                  <a:srgbClr val="008000"/>
+                </a:solidFill>
                 <a:latin typeface="Courier New"/>
                 <a:cs typeface="Courier New"/>
               </a:rPr>
               <a:t>except </a:t>
             </a:r>
             <a:r>
-              <a:rPr lang="en-US" sz="1800" b="1" dirty="0" err="1">
+              <a:rPr lang="en-US" b="1" dirty="0" err="1">
+                <a:solidFill>
+                  <a:srgbClr val="008000"/>
+                </a:solidFill>
                 <a:latin typeface="Courier New"/>
                 <a:cs typeface="Courier New"/>
               </a:rPr>
               <a:t>LengthError</a:t>
             </a:r>
             <a:r>
-              <a:rPr lang="en-US" sz="1800" b="1" dirty="0">
+              <a:rPr lang="en-US" b="1" dirty="0">
+                <a:solidFill>
+                  <a:srgbClr val="008000"/>
+                </a:solidFill>
                 <a:latin typeface="Courier New"/>
                 <a:cs typeface="Courier New"/>
               </a:rPr>
@@ -2620,79 +2833,106 @@
             </a:r>
           </a:p>
           <a:p>
-            <a:pPr marL="0" indent="0">
-              <a:buNone/>
-            </a:pPr>
-            <a:r>
-              <a:rPr lang="en-US" sz="1800" b="1" dirty="0" smtClean="0">
+            <a:r>
+              <a:rPr lang="en-US" b="1" dirty="0">
                 <a:latin typeface="Courier New"/>
                 <a:cs typeface="Courier New"/>
               </a:rPr>
               <a:t>    im2 </a:t>
             </a:r>
             <a:r>
-              <a:rPr lang="en-US" sz="1800" b="1" dirty="0">
+              <a:rPr lang="en-US" b="1" dirty="0">
+                <a:solidFill>
+                  <a:srgbClr val="666666"/>
+                </a:solidFill>
                 <a:latin typeface="Courier New"/>
                 <a:cs typeface="Courier New"/>
               </a:rPr>
               <a:t>= </a:t>
             </a:r>
             <a:r>
-              <a:rPr lang="en-US" sz="1800" b="1" dirty="0" err="1">
+              <a:rPr lang="en-US" b="1" dirty="0" err="1">
+                <a:solidFill>
+                  <a:srgbClr val="666666"/>
+                </a:solidFill>
                 <a:latin typeface="Courier New"/>
                 <a:cs typeface="Courier New"/>
               </a:rPr>
               <a:t>afwImage.ImageF</a:t>
             </a:r>
             <a:r>
-              <a:rPr lang="en-US" sz="1800" b="1" dirty="0">
+              <a:rPr lang="en-US" b="1" dirty="0">
+                <a:solidFill>
+                  <a:srgbClr val="666666"/>
+                </a:solidFill>
                 <a:latin typeface="Courier New"/>
                 <a:cs typeface="Courier New"/>
               </a:rPr>
               <a:t>(</a:t>
             </a:r>
             <a:r>
-              <a:rPr lang="en-US" sz="1800" b="1" dirty="0" err="1">
+              <a:rPr lang="en-US" b="1" dirty="0" err="1">
+                <a:solidFill>
+                  <a:srgbClr val="666666"/>
+                </a:solidFill>
                 <a:latin typeface="Courier New"/>
                 <a:cs typeface="Courier New"/>
               </a:rPr>
               <a:t>im</a:t>
             </a:r>
             <a:r>
-              <a:rPr lang="en-US" sz="1800" b="1" dirty="0">
+              <a:rPr lang="en-US" b="1" dirty="0">
+                <a:solidFill>
+                  <a:srgbClr val="666666"/>
+                </a:solidFill>
                 <a:latin typeface="Courier New"/>
                 <a:cs typeface="Courier New"/>
               </a:rPr>
               <a:t>, </a:t>
             </a:r>
             <a:r>
-              <a:rPr lang="en-US" sz="1800" b="1" dirty="0" err="1">
+              <a:rPr lang="en-US" b="1" dirty="0" err="1">
+                <a:solidFill>
+                  <a:srgbClr val="666666"/>
+                </a:solidFill>
                 <a:latin typeface="Courier New"/>
                 <a:cs typeface="Courier New"/>
               </a:rPr>
               <a:t>subbox</a:t>
             </a:r>
             <a:r>
-              <a:rPr lang="en-US" sz="1800" b="1" dirty="0">
+              <a:rPr lang="en-US" b="1" dirty="0">
+                <a:solidFill>
+                  <a:srgbClr val="666666"/>
+                </a:solidFill>
                 <a:latin typeface="Courier New"/>
                 <a:cs typeface="Courier New"/>
               </a:rPr>
               <a:t>, </a:t>
             </a:r>
             <a:r>
-              <a:rPr lang="en-US" sz="1800" b="1" dirty="0" err="1">
+              <a:rPr lang="en-US" b="1" dirty="0" err="1">
+                <a:solidFill>
+                  <a:srgbClr val="666666"/>
+                </a:solidFill>
                 <a:latin typeface="Courier New"/>
                 <a:cs typeface="Courier New"/>
               </a:rPr>
               <a:t>afwImage.LOCAL</a:t>
             </a:r>
             <a:r>
-              <a:rPr lang="en-US" sz="1800" b="1" dirty="0">
+              <a:rPr lang="en-US" b="1" dirty="0">
+                <a:solidFill>
+                  <a:srgbClr val="666666"/>
+                </a:solidFill>
                 <a:latin typeface="Courier New"/>
                 <a:cs typeface="Courier New"/>
               </a:rPr>
               <a:t>)</a:t>
             </a:r>
+          </a:p>
+          <a:p>
+            <a:endParaRPr lang="en-US" dirty="0"/>
           </a:p>
         </p:txBody>
       </p:sp>
@@ -2785,72 +3025,127 @@
               <a:cs typeface="Courier New"/>
             </a:endParaRPr>
           </a:p>
-          <a:p>
-            <a:pPr marL="0" indent="0">
-              <a:buNone/>
-            </a:pPr>
-            <a:r>
-              <a:rPr lang="en-US" sz="1800" b="1" dirty="0">
+        </p:txBody>
+      </p:sp>
+      <p:sp>
+        <p:nvSpPr>
+          <p:cNvPr id="4" name="TextBox 3"/>
+          <p:cNvSpPr txBox="1"/>
+          <p:nvPr/>
+        </p:nvSpPr>
+        <p:spPr>
+          <a:xfrm>
+            <a:off x="381000" y="2438400"/>
+            <a:ext cx="8773030" cy="2585323"/>
+          </a:xfrm>
+          <a:prstGeom prst="rect">
+            <a:avLst/>
+          </a:prstGeom>
+          <a:noFill/>
+        </p:spPr>
+        <p:txBody>
+          <a:bodyPr wrap="none" rtlCol="0">
+            <a:spAutoFit/>
+          </a:bodyPr>
+          <a:lstStyle/>
+          <a:p>
+            <a:r>
+              <a:rPr lang="en-US" b="1" dirty="0">
+                <a:solidFill>
+                  <a:srgbClr val="008000"/>
+                </a:solidFill>
                 <a:latin typeface="Courier New"/>
                 <a:cs typeface="Courier New"/>
               </a:rPr>
               <a:t>import </a:t>
             </a:r>
             <a:r>
-              <a:rPr lang="en-US" sz="1800" b="1" dirty="0" err="1">
+              <a:rPr lang="en-US" b="1" dirty="0" err="1">
+                <a:solidFill>
+                  <a:srgbClr val="0000FF"/>
+                </a:solidFill>
                 <a:latin typeface="Courier New"/>
                 <a:cs typeface="Courier New"/>
               </a:rPr>
               <a:t>lsst.afw.math</a:t>
             </a:r>
             <a:r>
-              <a:rPr lang="en-US" sz="1800" b="1" dirty="0">
-                <a:latin typeface="Courier New"/>
-                <a:cs typeface="Courier New"/>
-              </a:rPr>
-              <a:t> as </a:t>
-            </a:r>
-            <a:r>
-              <a:rPr lang="en-US" sz="1800" b="1" dirty="0" err="1">
+              <a:rPr lang="en-US" b="1" dirty="0">
+                <a:solidFill>
+                  <a:srgbClr val="0000FF"/>
+                </a:solidFill>
+                <a:latin typeface="Courier New"/>
+                <a:cs typeface="Courier New"/>
+              </a:rPr>
+              <a:t> </a:t>
+            </a:r>
+            <a:r>
+              <a:rPr lang="en-US" b="1" dirty="0">
+                <a:solidFill>
+                  <a:srgbClr val="008000"/>
+                </a:solidFill>
+                <a:latin typeface="Courier New"/>
+                <a:cs typeface="Courier New"/>
+              </a:rPr>
+              <a:t>as </a:t>
+            </a:r>
+            <a:r>
+              <a:rPr lang="en-US" b="1" dirty="0" err="1">
+                <a:solidFill>
+                  <a:srgbClr val="0000FF"/>
+                </a:solidFill>
                 <a:latin typeface="Courier New"/>
                 <a:cs typeface="Courier New"/>
               </a:rPr>
               <a:t>afwMath</a:t>
             </a:r>
-            <a:endParaRPr lang="en-US" sz="1800" b="1" dirty="0">
+            <a:endParaRPr lang="en-US" b="1" dirty="0">
+              <a:solidFill>
+                <a:srgbClr val="0000FF"/>
+              </a:solidFill>
               <a:latin typeface="Courier New"/>
               <a:cs typeface="Courier New"/>
             </a:endParaRPr>
           </a:p>
           <a:p>
-            <a:pPr marL="0" indent="0">
-              <a:buNone/>
-            </a:pPr>
-            <a:endParaRPr lang="en-US" sz="1800" b="1" dirty="0">
+            <a:endParaRPr lang="en-US" b="1" dirty="0">
               <a:latin typeface="Courier New"/>
               <a:cs typeface="Courier New"/>
             </a:endParaRPr>
           </a:p>
           <a:p>
-            <a:pPr marL="0" indent="0">
-              <a:buNone/>
-            </a:pPr>
-            <a:r>
-              <a:rPr lang="en-US" sz="1800" b="1" dirty="0">
-                <a:latin typeface="Courier New"/>
-                <a:cs typeface="Courier New"/>
-              </a:rPr>
-              <a:t>rand = </a:t>
-            </a:r>
-            <a:r>
-              <a:rPr lang="en-US" sz="1800" b="1" dirty="0" err="1">
+            <a:r>
+              <a:rPr lang="en-US" b="1" dirty="0">
+                <a:latin typeface="Courier New"/>
+                <a:cs typeface="Courier New"/>
+              </a:rPr>
+              <a:t>rand </a:t>
+            </a:r>
+            <a:r>
+              <a:rPr lang="en-US" b="1" dirty="0">
+                <a:solidFill>
+                  <a:srgbClr val="666666"/>
+                </a:solidFill>
+                <a:latin typeface="Courier New"/>
+                <a:cs typeface="Courier New"/>
+              </a:rPr>
+              <a:t>= </a:t>
+            </a:r>
+            <a:r>
+              <a:rPr lang="en-US" b="1" dirty="0" err="1">
+                <a:solidFill>
+                  <a:srgbClr val="666666"/>
+                </a:solidFill>
                 <a:latin typeface="Courier New"/>
                 <a:cs typeface="Courier New"/>
               </a:rPr>
               <a:t>afwMath.Random</a:t>
             </a:r>
             <a:r>
-              <a:rPr lang="en-US" sz="1800" b="1" dirty="0">
+              <a:rPr lang="en-US" b="1" dirty="0">
+                <a:solidFill>
+                  <a:srgbClr val="666666"/>
+                </a:solidFill>
                 <a:latin typeface="Courier New"/>
                 <a:cs typeface="Courier New"/>
               </a:rPr>
@@ -2858,161 +3153,459 @@
             </a:r>
           </a:p>
           <a:p>
-            <a:pPr marL="0" indent="0">
-              <a:buNone/>
-            </a:pPr>
-            <a:r>
-              <a:rPr lang="en-US" sz="1800" b="1" dirty="0" err="1">
+            <a:r>
+              <a:rPr lang="en-US" b="1" dirty="0" err="1">
                 <a:latin typeface="Courier New"/>
                 <a:cs typeface="Courier New"/>
               </a:rPr>
               <a:t>buffer_xy</a:t>
             </a:r>
             <a:r>
-              <a:rPr lang="en-US" sz="1800" b="1" dirty="0">
-                <a:latin typeface="Courier New"/>
-                <a:cs typeface="Courier New"/>
-              </a:rPr>
-              <a:t> = 150 # Don't put objects near the edges</a:t>
-            </a:r>
-          </a:p>
-          <a:p>
-            <a:pPr marL="0" indent="0">
-              <a:buNone/>
-            </a:pPr>
-            <a:r>
-              <a:rPr lang="en-US" sz="1800" b="1" dirty="0" err="1">
+              <a:rPr lang="en-US" b="1" dirty="0">
+                <a:latin typeface="Courier New"/>
+                <a:cs typeface="Courier New"/>
+              </a:rPr>
+              <a:t> </a:t>
+            </a:r>
+            <a:r>
+              <a:rPr lang="en-US" b="1" dirty="0">
+                <a:solidFill>
+                  <a:srgbClr val="666666"/>
+                </a:solidFill>
+                <a:latin typeface="Courier New"/>
+                <a:cs typeface="Courier New"/>
+              </a:rPr>
+              <a:t>= 150 </a:t>
+            </a:r>
+            <a:r>
+              <a:rPr lang="en-US" b="1" i="1" dirty="0">
+                <a:solidFill>
+                  <a:srgbClr val="408080"/>
+                </a:solidFill>
+                <a:latin typeface="Courier New"/>
+                <a:cs typeface="Courier New"/>
+              </a:rPr>
+              <a:t># Don't put objects near the edges</a:t>
+            </a:r>
+          </a:p>
+          <a:p>
+            <a:r>
+              <a:rPr lang="en-US" b="1" dirty="0" err="1">
                 <a:latin typeface="Courier New"/>
                 <a:cs typeface="Courier New"/>
               </a:rPr>
               <a:t>x_positions</a:t>
             </a:r>
             <a:r>
-              <a:rPr lang="en-US" sz="1800" b="1" dirty="0">
-                <a:latin typeface="Courier New"/>
-                <a:cs typeface="Courier New"/>
-              </a:rPr>
-              <a:t> = [</a:t>
-            </a:r>
-            <a:r>
-              <a:rPr lang="en-US" sz="1800" b="1" dirty="0" err="1">
+              <a:rPr lang="en-US" b="1" dirty="0">
+                <a:latin typeface="Courier New"/>
+                <a:cs typeface="Courier New"/>
+              </a:rPr>
+              <a:t> </a:t>
+            </a:r>
+            <a:r>
+              <a:rPr lang="en-US" b="1" dirty="0">
+                <a:solidFill>
+                  <a:srgbClr val="666666"/>
+                </a:solidFill>
+                <a:latin typeface="Courier New"/>
+                <a:cs typeface="Courier New"/>
+              </a:rPr>
+              <a:t>= [</a:t>
+            </a:r>
+            <a:r>
+              <a:rPr lang="en-US" b="1" dirty="0" err="1">
+                <a:solidFill>
+                  <a:srgbClr val="666666"/>
+                </a:solidFill>
                 <a:latin typeface="Courier New"/>
                 <a:cs typeface="Courier New"/>
               </a:rPr>
               <a:t>rand.uniformInt</a:t>
             </a:r>
             <a:r>
-              <a:rPr lang="en-US" sz="1800" b="1" dirty="0">
+              <a:rPr lang="en-US" b="1" dirty="0">
+                <a:solidFill>
+                  <a:srgbClr val="666666"/>
+                </a:solidFill>
                 <a:latin typeface="Courier New"/>
                 <a:cs typeface="Courier New"/>
               </a:rPr>
               <a:t>(</a:t>
             </a:r>
             <a:r>
-              <a:rPr lang="en-US" sz="1800" b="1" dirty="0" err="1">
+              <a:rPr lang="en-US" b="1" dirty="0" err="1">
+                <a:solidFill>
+                  <a:srgbClr val="666666"/>
+                </a:solidFill>
                 <a:latin typeface="Courier New"/>
                 <a:cs typeface="Courier New"/>
               </a:rPr>
               <a:t>im.getWidth</a:t>
             </a:r>
             <a:r>
-              <a:rPr lang="en-US" sz="1800" b="1" dirty="0">
+              <a:rPr lang="en-US" b="1" dirty="0">
+                <a:solidFill>
+                  <a:srgbClr val="666666"/>
+                </a:solidFill>
                 <a:latin typeface="Courier New"/>
                 <a:cs typeface="Courier New"/>
               </a:rPr>
               <a:t>() - 2*</a:t>
             </a:r>
             <a:r>
-              <a:rPr lang="en-US" sz="1800" b="1" dirty="0" err="1">
+              <a:rPr lang="en-US" b="1" dirty="0" err="1">
+                <a:solidFill>
+                  <a:srgbClr val="666666"/>
+                </a:solidFill>
                 <a:latin typeface="Courier New"/>
                 <a:cs typeface="Courier New"/>
               </a:rPr>
               <a:t>buffer_xy</a:t>
             </a:r>
             <a:r>
-              <a:rPr lang="en-US" sz="1800" b="1" dirty="0">
+              <a:rPr lang="en-US" b="1" dirty="0">
+                <a:solidFill>
+                  <a:srgbClr val="666666"/>
+                </a:solidFill>
+                <a:latin typeface="Courier New"/>
+                <a:cs typeface="Courier New"/>
+              </a:rPr>
+              <a:t>)            </a:t>
+            </a:r>
+          </a:p>
+          <a:p>
+            <a:r>
+              <a:rPr lang="en-US" b="1" dirty="0">
+                <a:latin typeface="Courier New"/>
+                <a:cs typeface="Courier New"/>
+              </a:rPr>
+              <a:t>            </a:t>
+            </a:r>
+            <a:r>
+              <a:rPr lang="en-US" b="1" dirty="0" smtClean="0">
+                <a:latin typeface="Courier New"/>
+                <a:cs typeface="Courier New"/>
+              </a:rPr>
+              <a:t>   </a:t>
+            </a:r>
+            <a:r>
+              <a:rPr lang="en-US" b="1" dirty="0" smtClean="0">
+                <a:solidFill>
+                  <a:srgbClr val="666666"/>
+                </a:solidFill>
+                <a:latin typeface="Courier New"/>
+                <a:cs typeface="Courier New"/>
+              </a:rPr>
+              <a:t>+ </a:t>
+            </a:r>
+            <a:r>
+              <a:rPr lang="en-US" b="1" dirty="0" err="1">
+                <a:solidFill>
+                  <a:srgbClr val="666666"/>
+                </a:solidFill>
+                <a:latin typeface="Courier New"/>
+                <a:cs typeface="Courier New"/>
+              </a:rPr>
+              <a:t>buffer_xy</a:t>
+            </a:r>
+            <a:r>
+              <a:rPr lang="en-US" b="1" dirty="0">
+                <a:solidFill>
+                  <a:srgbClr val="666666"/>
+                </a:solidFill>
+                <a:latin typeface="Courier New"/>
+                <a:cs typeface="Courier New"/>
+              </a:rPr>
+              <a:t> </a:t>
+            </a:r>
+            <a:r>
+              <a:rPr lang="en-US" b="1" dirty="0">
+                <a:solidFill>
+                  <a:srgbClr val="008000"/>
+                </a:solidFill>
+                <a:latin typeface="Courier New"/>
+                <a:cs typeface="Courier New"/>
+              </a:rPr>
+              <a:t>for </a:t>
+            </a:r>
+            <a:r>
+              <a:rPr lang="en-US" b="1" dirty="0" err="1">
+                <a:solidFill>
+                  <a:srgbClr val="008000"/>
+                </a:solidFill>
+                <a:latin typeface="Courier New"/>
+                <a:cs typeface="Courier New"/>
+              </a:rPr>
+              <a:t>i</a:t>
+            </a:r>
+            <a:r>
+              <a:rPr lang="en-US" b="1" dirty="0">
+                <a:solidFill>
+                  <a:srgbClr val="008000"/>
+                </a:solidFill>
+                <a:latin typeface="Courier New"/>
+                <a:cs typeface="Courier New"/>
+              </a:rPr>
+              <a:t> </a:t>
+            </a:r>
+            <a:r>
+              <a:rPr lang="en-US" b="1" dirty="0">
+                <a:solidFill>
+                  <a:srgbClr val="AA22FF"/>
+                </a:solidFill>
+                <a:latin typeface="Courier New"/>
+                <a:cs typeface="Courier New"/>
+              </a:rPr>
+              <a:t>in </a:t>
+            </a:r>
+            <a:r>
+              <a:rPr lang="en-US" b="1" dirty="0" err="1">
+                <a:solidFill>
+                  <a:srgbClr val="008000"/>
+                </a:solidFill>
+                <a:latin typeface="Courier New"/>
+                <a:cs typeface="Courier New"/>
+              </a:rPr>
+              <a:t>xrange</a:t>
+            </a:r>
+            <a:r>
+              <a:rPr lang="en-US" b="1" dirty="0">
+                <a:solidFill>
+                  <a:srgbClr val="008000"/>
+                </a:solidFill>
+                <a:latin typeface="Courier New"/>
+                <a:cs typeface="Courier New"/>
+              </a:rPr>
+              <a:t>(</a:t>
+            </a:r>
+            <a:r>
+              <a:rPr lang="en-US" b="1" dirty="0" err="1">
+                <a:solidFill>
+                  <a:srgbClr val="008000"/>
+                </a:solidFill>
+                <a:latin typeface="Courier New"/>
+                <a:cs typeface="Courier New"/>
+              </a:rPr>
+              <a:t>n_objects</a:t>
+            </a:r>
+            <a:r>
+              <a:rPr lang="en-US" b="1" dirty="0">
+                <a:solidFill>
+                  <a:srgbClr val="008000"/>
+                </a:solidFill>
+                <a:latin typeface="Courier New"/>
+                <a:cs typeface="Courier New"/>
+              </a:rPr>
+              <a:t>)]</a:t>
+            </a:r>
+          </a:p>
+          <a:p>
+            <a:r>
+              <a:rPr lang="en-US" b="1" dirty="0" err="1">
+                <a:latin typeface="Courier New"/>
+                <a:cs typeface="Courier New"/>
+              </a:rPr>
+              <a:t>y_positions</a:t>
+            </a:r>
+            <a:r>
+              <a:rPr lang="en-US" b="1" dirty="0">
+                <a:latin typeface="Courier New"/>
+                <a:cs typeface="Courier New"/>
+              </a:rPr>
+              <a:t> </a:t>
+            </a:r>
+            <a:r>
+              <a:rPr lang="en-US" b="1" dirty="0">
+                <a:solidFill>
+                  <a:srgbClr val="666666"/>
+                </a:solidFill>
+                <a:latin typeface="Courier New"/>
+                <a:cs typeface="Courier New"/>
+              </a:rPr>
+              <a:t>= [</a:t>
+            </a:r>
+            <a:r>
+              <a:rPr lang="en-US" b="1" dirty="0" err="1">
+                <a:solidFill>
+                  <a:srgbClr val="666666"/>
+                </a:solidFill>
+                <a:latin typeface="Courier New"/>
+                <a:cs typeface="Courier New"/>
+              </a:rPr>
+              <a:t>rand.uniformInt</a:t>
+            </a:r>
+            <a:r>
+              <a:rPr lang="en-US" b="1" dirty="0">
+                <a:solidFill>
+                  <a:srgbClr val="666666"/>
+                </a:solidFill>
+                <a:latin typeface="Courier New"/>
+                <a:cs typeface="Courier New"/>
+              </a:rPr>
+              <a:t>(</a:t>
+            </a:r>
+            <a:r>
+              <a:rPr lang="en-US" b="1" dirty="0" err="1">
+                <a:solidFill>
+                  <a:srgbClr val="666666"/>
+                </a:solidFill>
+                <a:latin typeface="Courier New"/>
+                <a:cs typeface="Courier New"/>
+              </a:rPr>
+              <a:t>im.getHeight</a:t>
+            </a:r>
+            <a:r>
+              <a:rPr lang="en-US" b="1" dirty="0">
+                <a:solidFill>
+                  <a:srgbClr val="666666"/>
+                </a:solidFill>
+                <a:latin typeface="Courier New"/>
+                <a:cs typeface="Courier New"/>
+              </a:rPr>
+              <a:t>() - 2*</a:t>
+            </a:r>
+            <a:r>
+              <a:rPr lang="en-US" b="1" dirty="0" err="1">
+                <a:solidFill>
+                  <a:srgbClr val="666666"/>
+                </a:solidFill>
+                <a:latin typeface="Courier New"/>
+                <a:cs typeface="Courier New"/>
+              </a:rPr>
+              <a:t>buffer_xy</a:t>
+            </a:r>
+            <a:r>
+              <a:rPr lang="en-US" b="1" dirty="0">
+                <a:solidFill>
+                  <a:srgbClr val="666666"/>
+                </a:solidFill>
                 <a:latin typeface="Courier New"/>
                 <a:cs typeface="Courier New"/>
               </a:rPr>
               <a:t>) </a:t>
             </a:r>
-            <a:r>
-              <a:rPr lang="en-US" sz="1800" b="1" dirty="0" smtClean="0">
-                <a:latin typeface="Courier New"/>
-                <a:cs typeface="Courier New"/>
-              </a:rPr>
-              <a:t>           </a:t>
-            </a:r>
-          </a:p>
-          <a:p>
-            <a:pPr marL="0" indent="0">
-              <a:buNone/>
-            </a:pPr>
-            <a:r>
-              <a:rPr lang="en-US" sz="1800" b="1" dirty="0">
+          </a:p>
+          <a:p>
+            <a:r>
+              <a:rPr lang="en-US" b="1" dirty="0">
+                <a:latin typeface="Courier New"/>
+                <a:cs typeface="Courier New"/>
+              </a:rPr>
+              <a:t>            </a:t>
+            </a:r>
+            <a:r>
+              <a:rPr lang="en-US" b="1" dirty="0" smtClean="0">
+                <a:latin typeface="Courier New"/>
+                <a:cs typeface="Courier New"/>
+              </a:rPr>
+              <a:t>   </a:t>
+            </a:r>
+            <a:r>
+              <a:rPr lang="en-US" b="1" dirty="0" smtClean="0">
+                <a:solidFill>
+                  <a:srgbClr val="666666"/>
+                </a:solidFill>
+                <a:latin typeface="Courier New"/>
+                <a:cs typeface="Courier New"/>
+              </a:rPr>
+              <a:t>+ </a:t>
+            </a:r>
+            <a:r>
+              <a:rPr lang="en-US" b="1" dirty="0" err="1">
+                <a:solidFill>
+                  <a:srgbClr val="666666"/>
+                </a:solidFill>
+                <a:latin typeface="Courier New"/>
+                <a:cs typeface="Courier New"/>
+              </a:rPr>
+              <a:t>buffer_xy</a:t>
+            </a:r>
+            <a:r>
+              <a:rPr lang="en-US" b="1" dirty="0">
+                <a:solidFill>
+                  <a:srgbClr val="666666"/>
+                </a:solidFill>
                 <a:latin typeface="Courier New"/>
                 <a:cs typeface="Courier New"/>
               </a:rPr>
               <a:t> </a:t>
             </a:r>
             <a:r>
-              <a:rPr lang="en-US" sz="1800" b="1" dirty="0" smtClean="0">
-                <a:latin typeface="Courier New"/>
-                <a:cs typeface="Courier New"/>
-              </a:rPr>
-              <a:t>           + </a:t>
-            </a:r>
-            <a:r>
-              <a:rPr lang="en-US" sz="1800" b="1" dirty="0" err="1">
-                <a:latin typeface="Courier New"/>
-                <a:cs typeface="Courier New"/>
-              </a:rPr>
-              <a:t>buffer_xy</a:t>
-            </a:r>
-            <a:r>
-              <a:rPr lang="en-US" sz="1800" b="1" dirty="0">
-                <a:latin typeface="Courier New"/>
-                <a:cs typeface="Courier New"/>
-              </a:rPr>
-              <a:t> for </a:t>
-            </a:r>
-            <a:r>
-              <a:rPr lang="en-US" sz="1800" b="1" dirty="0" err="1">
+              <a:rPr lang="en-US" b="1" dirty="0">
+                <a:solidFill>
+                  <a:srgbClr val="008000"/>
+                </a:solidFill>
+                <a:latin typeface="Courier New"/>
+                <a:cs typeface="Courier New"/>
+              </a:rPr>
+              <a:t>for </a:t>
+            </a:r>
+            <a:r>
+              <a:rPr lang="en-US" b="1" dirty="0" err="1">
+                <a:solidFill>
+                  <a:srgbClr val="008000"/>
+                </a:solidFill>
                 <a:latin typeface="Courier New"/>
                 <a:cs typeface="Courier New"/>
               </a:rPr>
               <a:t>i</a:t>
             </a:r>
             <a:r>
-              <a:rPr lang="en-US" sz="1800" b="1" dirty="0">
-                <a:latin typeface="Courier New"/>
-                <a:cs typeface="Courier New"/>
-              </a:rPr>
-              <a:t> in </a:t>
-            </a:r>
-            <a:r>
-              <a:rPr lang="en-US" sz="1800" b="1" dirty="0" err="1">
+              <a:rPr lang="en-US" b="1" dirty="0">
+                <a:solidFill>
+                  <a:srgbClr val="008000"/>
+                </a:solidFill>
+                <a:latin typeface="Courier New"/>
+                <a:cs typeface="Courier New"/>
+              </a:rPr>
+              <a:t> </a:t>
+            </a:r>
+            <a:r>
+              <a:rPr lang="en-US" b="1" dirty="0">
+                <a:solidFill>
+                  <a:srgbClr val="AA22FF"/>
+                </a:solidFill>
+                <a:latin typeface="Courier New"/>
+                <a:cs typeface="Courier New"/>
+              </a:rPr>
+              <a:t>in </a:t>
+            </a:r>
+            <a:r>
+              <a:rPr lang="en-US" b="1" dirty="0" err="1">
+                <a:solidFill>
+                  <a:srgbClr val="008000"/>
+                </a:solidFill>
                 <a:latin typeface="Courier New"/>
                 <a:cs typeface="Courier New"/>
               </a:rPr>
               <a:t>xrange</a:t>
             </a:r>
             <a:r>
-              <a:rPr lang="en-US" sz="1800" b="1" dirty="0">
+              <a:rPr lang="en-US" b="1" dirty="0">
+                <a:solidFill>
+                  <a:srgbClr val="008000"/>
+                </a:solidFill>
                 <a:latin typeface="Courier New"/>
                 <a:cs typeface="Courier New"/>
               </a:rPr>
               <a:t>(</a:t>
             </a:r>
             <a:r>
-              <a:rPr lang="en-US" sz="1800" b="1" dirty="0" err="1">
+              <a:rPr lang="en-US" b="1" dirty="0" err="1">
+                <a:solidFill>
+                  <a:srgbClr val="008000"/>
+                </a:solidFill>
                 <a:latin typeface="Courier New"/>
                 <a:cs typeface="Courier New"/>
               </a:rPr>
               <a:t>n_objects</a:t>
             </a:r>
             <a:r>
-              <a:rPr lang="en-US" sz="1800" b="1" dirty="0">
+              <a:rPr lang="en-US" b="1" dirty="0">
+                <a:solidFill>
+                  <a:srgbClr val="008000"/>
+                </a:solidFill>
                 <a:latin typeface="Courier New"/>
                 <a:cs typeface="Courier New"/>
               </a:rPr>
@@ -3020,144 +3613,7 @@
             </a:r>
           </a:p>
           <a:p>
-            <a:pPr marL="0" indent="0">
-              <a:buNone/>
-            </a:pPr>
-            <a:r>
-              <a:rPr lang="en-US" sz="1800" b="1" dirty="0" err="1">
-                <a:latin typeface="Courier New"/>
-                <a:cs typeface="Courier New"/>
-              </a:rPr>
-              <a:t>y_positions</a:t>
-            </a:r>
-            <a:r>
-              <a:rPr lang="en-US" sz="1800" b="1" dirty="0">
-                <a:latin typeface="Courier New"/>
-                <a:cs typeface="Courier New"/>
-              </a:rPr>
-              <a:t> = [</a:t>
-            </a:r>
-            <a:r>
-              <a:rPr lang="en-US" sz="1800" b="1" dirty="0" err="1">
-                <a:latin typeface="Courier New"/>
-                <a:cs typeface="Courier New"/>
-              </a:rPr>
-              <a:t>rand.uniformInt</a:t>
-            </a:r>
-            <a:r>
-              <a:rPr lang="en-US" sz="1800" b="1" dirty="0">
-                <a:latin typeface="Courier New"/>
-                <a:cs typeface="Courier New"/>
-              </a:rPr>
-              <a:t>(</a:t>
-            </a:r>
-            <a:r>
-              <a:rPr lang="en-US" sz="1800" b="1" dirty="0" err="1">
-                <a:latin typeface="Courier New"/>
-                <a:cs typeface="Courier New"/>
-              </a:rPr>
-              <a:t>im.getHeight</a:t>
-            </a:r>
-            <a:r>
-              <a:rPr lang="en-US" sz="1800" b="1" dirty="0">
-                <a:latin typeface="Courier New"/>
-                <a:cs typeface="Courier New"/>
-              </a:rPr>
-              <a:t>() - 2*</a:t>
-            </a:r>
-            <a:r>
-              <a:rPr lang="en-US" sz="1800" b="1" dirty="0" err="1">
-                <a:latin typeface="Courier New"/>
-                <a:cs typeface="Courier New"/>
-              </a:rPr>
-              <a:t>buffer_xy</a:t>
-            </a:r>
-            <a:r>
-              <a:rPr lang="en-US" sz="1800" b="1" dirty="0">
-                <a:latin typeface="Courier New"/>
-                <a:cs typeface="Courier New"/>
-              </a:rPr>
-              <a:t>) </a:t>
-            </a:r>
-            <a:endParaRPr lang="en-US" sz="1800" b="1" dirty="0" smtClean="0">
-              <a:latin typeface="Courier New"/>
-              <a:cs typeface="Courier New"/>
-            </a:endParaRPr>
-          </a:p>
-          <a:p>
-            <a:pPr marL="0" indent="0">
-              <a:buNone/>
-            </a:pPr>
-            <a:r>
-              <a:rPr lang="en-US" sz="1800" b="1" dirty="0">
-                <a:latin typeface="Courier New"/>
-                <a:cs typeface="Courier New"/>
-              </a:rPr>
-              <a:t> </a:t>
-            </a:r>
-            <a:r>
-              <a:rPr lang="en-US" sz="1800" b="1" dirty="0" smtClean="0">
-                <a:latin typeface="Courier New"/>
-                <a:cs typeface="Courier New"/>
-              </a:rPr>
-              <a:t>           + </a:t>
-            </a:r>
-            <a:r>
-              <a:rPr lang="en-US" sz="1800" b="1" dirty="0" err="1">
-                <a:latin typeface="Courier New"/>
-                <a:cs typeface="Courier New"/>
-              </a:rPr>
-              <a:t>buffer_xy</a:t>
-            </a:r>
-            <a:r>
-              <a:rPr lang="en-US" sz="1800" b="1" dirty="0">
-                <a:latin typeface="Courier New"/>
-                <a:cs typeface="Courier New"/>
-              </a:rPr>
-              <a:t> for </a:t>
-            </a:r>
-            <a:r>
-              <a:rPr lang="en-US" sz="1800" b="1" dirty="0" err="1">
-                <a:latin typeface="Courier New"/>
-                <a:cs typeface="Courier New"/>
-              </a:rPr>
-              <a:t>i</a:t>
-            </a:r>
-            <a:r>
-              <a:rPr lang="en-US" sz="1800" b="1" dirty="0">
-                <a:latin typeface="Courier New"/>
-                <a:cs typeface="Courier New"/>
-              </a:rPr>
-              <a:t> in </a:t>
-            </a:r>
-            <a:r>
-              <a:rPr lang="en-US" sz="1800" b="1" dirty="0" err="1">
-                <a:latin typeface="Courier New"/>
-                <a:cs typeface="Courier New"/>
-              </a:rPr>
-              <a:t>xrange</a:t>
-            </a:r>
-            <a:r>
-              <a:rPr lang="en-US" sz="1800" b="1" dirty="0">
-                <a:latin typeface="Courier New"/>
-                <a:cs typeface="Courier New"/>
-              </a:rPr>
-              <a:t>(</a:t>
-            </a:r>
-            <a:r>
-              <a:rPr lang="en-US" sz="1800" b="1" dirty="0" err="1">
-                <a:latin typeface="Courier New"/>
-                <a:cs typeface="Courier New"/>
-              </a:rPr>
-              <a:t>n_objects</a:t>
-            </a:r>
-            <a:r>
-              <a:rPr lang="en-US" sz="1800" b="1" dirty="0">
-                <a:latin typeface="Courier New"/>
-                <a:cs typeface="Courier New"/>
-              </a:rPr>
-              <a:t>)]</a:t>
-            </a:r>
+            <a:endParaRPr lang="en-US" dirty="0"/>
           </a:p>
         </p:txBody>
       </p:sp>
@@ -3247,109 +3703,186 @@
             </a:pPr>
             <a:endParaRPr lang="en-US" dirty="0"/>
           </a:p>
-          <a:p>
-            <a:pPr marL="0" indent="0">
-              <a:buNone/>
-            </a:pPr>
-            <a:r>
-              <a:rPr lang="en-US" sz="1800" b="1" dirty="0">
+        </p:txBody>
+      </p:sp>
+      <p:sp>
+        <p:nvSpPr>
+          <p:cNvPr id="4" name="TextBox 3"/>
+          <p:cNvSpPr txBox="1"/>
+          <p:nvPr/>
+        </p:nvSpPr>
+        <p:spPr>
+          <a:xfrm>
+            <a:off x="457200" y="2362200"/>
+            <a:ext cx="7844179" cy="3693319"/>
+          </a:xfrm>
+          <a:prstGeom prst="rect">
+            <a:avLst/>
+          </a:prstGeom>
+          <a:noFill/>
+        </p:spPr>
+        <p:txBody>
+          <a:bodyPr wrap="none" rtlCol="0">
+            <a:spAutoFit/>
+          </a:bodyPr>
+          <a:lstStyle/>
+          <a:p>
+            <a:r>
+              <a:rPr lang="en-US" b="1" dirty="0">
+                <a:solidFill>
+                  <a:srgbClr val="008000"/>
+                </a:solidFill>
                 <a:latin typeface="Courier New"/>
                 <a:cs typeface="Courier New"/>
               </a:rPr>
               <a:t>import </a:t>
             </a:r>
             <a:r>
-              <a:rPr lang="en-US" sz="1800" b="1" dirty="0" err="1">
+              <a:rPr lang="en-US" b="1" dirty="0" err="1">
+                <a:solidFill>
+                  <a:srgbClr val="0000FF"/>
+                </a:solidFill>
                 <a:latin typeface="Courier New"/>
                 <a:cs typeface="Courier New"/>
               </a:rPr>
               <a:t>lsst.afw.detection</a:t>
             </a:r>
             <a:r>
-              <a:rPr lang="en-US" sz="1800" b="1" dirty="0">
-                <a:latin typeface="Courier New"/>
-                <a:cs typeface="Courier New"/>
-              </a:rPr>
-              <a:t> as </a:t>
-            </a:r>
-            <a:r>
-              <a:rPr lang="en-US" sz="1800" b="1" dirty="0" err="1">
+              <a:rPr lang="en-US" b="1" dirty="0">
+                <a:solidFill>
+                  <a:srgbClr val="0000FF"/>
+                </a:solidFill>
+                <a:latin typeface="Courier New"/>
+                <a:cs typeface="Courier New"/>
+              </a:rPr>
+              <a:t> </a:t>
+            </a:r>
+            <a:r>
+              <a:rPr lang="en-US" b="1" dirty="0">
+                <a:solidFill>
+                  <a:srgbClr val="008000"/>
+                </a:solidFill>
+                <a:latin typeface="Courier New"/>
+                <a:cs typeface="Courier New"/>
+              </a:rPr>
+              <a:t>as </a:t>
+            </a:r>
+            <a:r>
+              <a:rPr lang="en-US" b="1" dirty="0" err="1">
+                <a:solidFill>
+                  <a:srgbClr val="0000FF"/>
+                </a:solidFill>
                 <a:latin typeface="Courier New"/>
                 <a:cs typeface="Courier New"/>
               </a:rPr>
               <a:t>afwDetect</a:t>
             </a:r>
-            <a:endParaRPr lang="en-US" sz="1800" b="1" dirty="0">
+            <a:endParaRPr lang="en-US" b="1" dirty="0">
+              <a:solidFill>
+                <a:srgbClr val="0000FF"/>
+              </a:solidFill>
               <a:latin typeface="Courier New"/>
               <a:cs typeface="Courier New"/>
             </a:endParaRPr>
           </a:p>
           <a:p>
-            <a:pPr marL="0" indent="0">
-              <a:buNone/>
-            </a:pPr>
-            <a:r>
-              <a:rPr lang="en-US" sz="1800" b="1" dirty="0">
+            <a:r>
+              <a:rPr lang="en-US" b="1" dirty="0">
+                <a:solidFill>
+                  <a:srgbClr val="008000"/>
+                </a:solidFill>
                 <a:latin typeface="Courier New"/>
                 <a:cs typeface="Courier New"/>
               </a:rPr>
               <a:t>import </a:t>
             </a:r>
             <a:r>
-              <a:rPr lang="en-US" sz="1800" b="1" dirty="0" err="1">
+              <a:rPr lang="en-US" b="1" dirty="0" err="1">
+                <a:solidFill>
+                  <a:srgbClr val="0000FF"/>
+                </a:solidFill>
                 <a:latin typeface="Courier New"/>
                 <a:cs typeface="Courier New"/>
               </a:rPr>
               <a:t>lsst.afw.display</a:t>
             </a:r>
             <a:r>
-              <a:rPr lang="en-US" sz="1800" b="1" dirty="0">
-                <a:latin typeface="Courier New"/>
-                <a:cs typeface="Courier New"/>
-              </a:rPr>
-              <a:t> as </a:t>
-            </a:r>
-            <a:r>
-              <a:rPr lang="en-US" sz="1800" b="1" dirty="0" err="1">
+              <a:rPr lang="en-US" b="1" dirty="0">
+                <a:solidFill>
+                  <a:srgbClr val="0000FF"/>
+                </a:solidFill>
+                <a:latin typeface="Courier New"/>
+                <a:cs typeface="Courier New"/>
+              </a:rPr>
+              <a:t> </a:t>
+            </a:r>
+            <a:r>
+              <a:rPr lang="en-US" b="1" dirty="0">
+                <a:solidFill>
+                  <a:srgbClr val="008000"/>
+                </a:solidFill>
+                <a:latin typeface="Courier New"/>
+                <a:cs typeface="Courier New"/>
+              </a:rPr>
+              <a:t>as </a:t>
+            </a:r>
+            <a:r>
+              <a:rPr lang="en-US" b="1" dirty="0" err="1">
+                <a:solidFill>
+                  <a:srgbClr val="0000FF"/>
+                </a:solidFill>
                 <a:latin typeface="Courier New"/>
                 <a:cs typeface="Courier New"/>
               </a:rPr>
               <a:t>afwDisplay</a:t>
             </a:r>
-            <a:endParaRPr lang="en-US" sz="1800" b="1" dirty="0">
+            <a:endParaRPr lang="en-US" b="1" dirty="0">
+              <a:solidFill>
+                <a:srgbClr val="0000FF"/>
+              </a:solidFill>
               <a:latin typeface="Courier New"/>
               <a:cs typeface="Courier New"/>
             </a:endParaRPr>
           </a:p>
           <a:p>
-            <a:pPr marL="0" indent="0">
-              <a:buNone/>
-            </a:pPr>
-            <a:endParaRPr lang="en-US" sz="1800" b="1" dirty="0">
+            <a:endParaRPr lang="en-US" b="1" dirty="0">
               <a:latin typeface="Courier New"/>
               <a:cs typeface="Courier New"/>
             </a:endParaRPr>
           </a:p>
           <a:p>
-            <a:pPr marL="0" indent="0">
-              <a:buNone/>
-            </a:pPr>
-            <a:r>
-              <a:rPr lang="en-US" sz="1800" b="1" dirty="0">
-                <a:latin typeface="Courier New"/>
-                <a:cs typeface="Courier New"/>
-              </a:rPr>
-              <a:t>display = </a:t>
-            </a:r>
-            <a:r>
-              <a:rPr lang="en-US" sz="1800" b="1" dirty="0" err="1">
+            <a:r>
+              <a:rPr lang="en-US" b="1" dirty="0">
+                <a:latin typeface="Courier New"/>
+                <a:cs typeface="Courier New"/>
+              </a:rPr>
+              <a:t>display </a:t>
+            </a:r>
+            <a:r>
+              <a:rPr lang="en-US" b="1" dirty="0">
+                <a:solidFill>
+                  <a:srgbClr val="666666"/>
+                </a:solidFill>
+                <a:latin typeface="Courier New"/>
+                <a:cs typeface="Courier New"/>
+              </a:rPr>
+              <a:t>= </a:t>
+            </a:r>
+            <a:r>
+              <a:rPr lang="en-US" b="1" dirty="0" err="1">
+                <a:solidFill>
+                  <a:srgbClr val="666666"/>
+                </a:solidFill>
                 <a:latin typeface="Courier New"/>
                 <a:cs typeface="Courier New"/>
               </a:rPr>
               <a:t>afwDisplay.getDisplay</a:t>
             </a:r>
             <a:r>
-              <a:rPr lang="en-US" sz="1800" b="1" dirty="0">
+              <a:rPr lang="en-US" b="1" dirty="0">
+                <a:solidFill>
+                  <a:srgbClr val="666666"/>
+                </a:solidFill>
                 <a:latin typeface="Courier New"/>
                 <a:cs typeface="Courier New"/>
               </a:rPr>
@@ -3357,183 +3890,264 @@
             </a:r>
           </a:p>
           <a:p>
-            <a:pPr marL="0" indent="0">
-              <a:buNone/>
-            </a:pPr>
-            <a:r>
-              <a:rPr lang="en-US" sz="1800" b="1" dirty="0" err="1">
-                <a:latin typeface="Courier New"/>
-                <a:cs typeface="Courier New"/>
-              </a:rPr>
-              <a:t>display.setMaskTransparency</a:t>
-            </a:r>
-            <a:r>
-              <a:rPr lang="en-US" sz="1800" b="1" dirty="0">
+            <a:r>
+              <a:rPr lang="en-US" b="1" dirty="0" err="1">
+                <a:latin typeface="Courier New"/>
+                <a:cs typeface="Courier New"/>
+              </a:rPr>
+              <a:t>display</a:t>
+            </a:r>
+            <a:r>
+              <a:rPr lang="en-US" b="1" dirty="0" err="1">
+                <a:solidFill>
+                  <a:srgbClr val="666666"/>
+                </a:solidFill>
+                <a:latin typeface="Courier New"/>
+                <a:cs typeface="Courier New"/>
+              </a:rPr>
+              <a:t>.setMaskTransparency</a:t>
+            </a:r>
+            <a:r>
+              <a:rPr lang="en-US" b="1" dirty="0">
+                <a:solidFill>
+                  <a:srgbClr val="666666"/>
+                </a:solidFill>
                 <a:latin typeface="Courier New"/>
                 <a:cs typeface="Courier New"/>
               </a:rPr>
               <a:t>(50, </a:t>
             </a:r>
             <a:r>
-              <a:rPr lang="en-US" sz="1800" b="1" dirty="0" smtClean="0">
+              <a:rPr lang="en-US" b="1" dirty="0">
+                <a:solidFill>
+                  <a:srgbClr val="008000"/>
+                </a:solidFill>
                 <a:latin typeface="Courier New"/>
                 <a:cs typeface="Courier New"/>
               </a:rPr>
               <a:t>None</a:t>
             </a:r>
-            <a:endParaRPr lang="en-US" sz="1800" b="1" dirty="0">
+          </a:p>
+          <a:p>
+            <a:endParaRPr lang="en-US" b="1" dirty="0">
               <a:latin typeface="Courier New"/>
               <a:cs typeface="Courier New"/>
             </a:endParaRPr>
           </a:p>
           <a:p>
-            <a:pPr marL="0" indent="0">
-              <a:buNone/>
-            </a:pPr>
-            <a:endParaRPr lang="en-US" sz="1800" b="1" dirty="0">
+            <a:r>
+              <a:rPr lang="en-US" b="1" dirty="0" err="1">
+                <a:latin typeface="Courier New"/>
+                <a:cs typeface="Courier New"/>
+              </a:rPr>
+              <a:t>psf_size</a:t>
+            </a:r>
+            <a:r>
+              <a:rPr lang="en-US" b="1" dirty="0">
+                <a:latin typeface="Courier New"/>
+                <a:cs typeface="Courier New"/>
+              </a:rPr>
+              <a:t> </a:t>
+            </a:r>
+            <a:r>
+              <a:rPr lang="en-US" b="1" dirty="0">
+                <a:solidFill>
+                  <a:srgbClr val="666666"/>
+                </a:solidFill>
+                <a:latin typeface="Courier New"/>
+                <a:cs typeface="Courier New"/>
+              </a:rPr>
+              <a:t>= 121 </a:t>
+            </a:r>
+            <a:r>
+              <a:rPr lang="en-US" b="1" i="1" dirty="0">
+                <a:solidFill>
+                  <a:srgbClr val="408080"/>
+                </a:solidFill>
+                <a:latin typeface="Courier New"/>
+                <a:cs typeface="Courier New"/>
+              </a:rPr>
+              <a:t># This has to be odd</a:t>
+            </a:r>
+          </a:p>
+          <a:p>
+            <a:r>
+              <a:rPr lang="en-US" b="1" dirty="0">
+                <a:latin typeface="Courier New"/>
+                <a:cs typeface="Courier New"/>
+              </a:rPr>
+              <a:t>sigma </a:t>
+            </a:r>
+            <a:r>
+              <a:rPr lang="en-US" b="1" dirty="0">
+                <a:solidFill>
+                  <a:srgbClr val="666666"/>
+                </a:solidFill>
+                <a:latin typeface="Courier New"/>
+                <a:cs typeface="Courier New"/>
+              </a:rPr>
+              <a:t>= 0.7/0.2 </a:t>
+            </a:r>
+            <a:r>
+              <a:rPr lang="en-US" b="1" i="1" dirty="0">
+                <a:solidFill>
+                  <a:srgbClr val="408080"/>
+                </a:solidFill>
+                <a:latin typeface="Courier New"/>
+                <a:cs typeface="Courier New"/>
+              </a:rPr>
+              <a:t># seeing in </a:t>
+            </a:r>
+            <a:r>
+              <a:rPr lang="en-US" b="1" i="1" dirty="0" err="1">
+                <a:solidFill>
+                  <a:srgbClr val="408080"/>
+                </a:solidFill>
+                <a:latin typeface="Courier New"/>
+                <a:cs typeface="Courier New"/>
+              </a:rPr>
+              <a:t>arcsec</a:t>
+            </a:r>
+            <a:r>
+              <a:rPr lang="en-US" b="1" i="1" dirty="0">
+                <a:solidFill>
+                  <a:srgbClr val="408080"/>
+                </a:solidFill>
+                <a:latin typeface="Courier New"/>
+                <a:cs typeface="Courier New"/>
+              </a:rPr>
+              <a:t>/pixel size in </a:t>
+            </a:r>
+            <a:r>
+              <a:rPr lang="en-US" b="1" i="1" dirty="0" err="1">
+                <a:solidFill>
+                  <a:srgbClr val="408080"/>
+                </a:solidFill>
+                <a:latin typeface="Courier New"/>
+                <a:cs typeface="Courier New"/>
+              </a:rPr>
+              <a:t>arcsec</a:t>
+            </a:r>
+            <a:endParaRPr lang="en-US" b="1" i="1" dirty="0">
+              <a:solidFill>
+                <a:srgbClr val="408080"/>
+              </a:solidFill>
               <a:latin typeface="Courier New"/>
               <a:cs typeface="Courier New"/>
             </a:endParaRPr>
           </a:p>
           <a:p>
-            <a:pPr marL="0" indent="0">
-              <a:buNone/>
-            </a:pPr>
-            <a:r>
-              <a:rPr lang="en-US" sz="1800" b="1" dirty="0" err="1">
-                <a:latin typeface="Courier New"/>
-                <a:cs typeface="Courier New"/>
-              </a:rPr>
-              <a:t>psf_size</a:t>
-            </a:r>
-            <a:r>
-              <a:rPr lang="en-US" sz="1800" b="1" dirty="0">
-                <a:latin typeface="Courier New"/>
-                <a:cs typeface="Courier New"/>
-              </a:rPr>
-              <a:t> = 121 # This has to be odd</a:t>
-            </a:r>
-          </a:p>
-          <a:p>
-            <a:pPr marL="0" indent="0">
-              <a:buNone/>
-            </a:pPr>
-            <a:r>
-              <a:rPr lang="en-US" sz="1800" b="1" dirty="0">
-                <a:latin typeface="Courier New"/>
-                <a:cs typeface="Courier New"/>
-              </a:rPr>
-              <a:t>sigma = 0.7/0.2 # seeing in </a:t>
-            </a:r>
-            <a:r>
-              <a:rPr lang="en-US" sz="1800" b="1" dirty="0" err="1">
-                <a:latin typeface="Courier New"/>
-                <a:cs typeface="Courier New"/>
-              </a:rPr>
-              <a:t>arcsec</a:t>
-            </a:r>
-            <a:r>
-              <a:rPr lang="en-US" sz="1800" b="1" dirty="0">
-                <a:latin typeface="Courier New"/>
-                <a:cs typeface="Courier New"/>
-              </a:rPr>
-              <a:t>/pixel size in </a:t>
-            </a:r>
-            <a:r>
-              <a:rPr lang="en-US" sz="1800" b="1" dirty="0" err="1">
-                <a:latin typeface="Courier New"/>
-                <a:cs typeface="Courier New"/>
-              </a:rPr>
-              <a:t>arcsec</a:t>
-            </a:r>
-            <a:endParaRPr lang="en-US" sz="1800" b="1" dirty="0">
+            <a:r>
+              <a:rPr lang="en-US" b="1" dirty="0" err="1">
+                <a:latin typeface="Courier New"/>
+                <a:cs typeface="Courier New"/>
+              </a:rPr>
+              <a:t>peak_val</a:t>
+            </a:r>
+            <a:r>
+              <a:rPr lang="en-US" b="1" dirty="0">
+                <a:latin typeface="Courier New"/>
+                <a:cs typeface="Courier New"/>
+              </a:rPr>
+              <a:t> </a:t>
+            </a:r>
+            <a:r>
+              <a:rPr lang="en-US" b="1" dirty="0">
+                <a:solidFill>
+                  <a:srgbClr val="666666"/>
+                </a:solidFill>
+                <a:latin typeface="Courier New"/>
+                <a:cs typeface="Courier New"/>
+              </a:rPr>
+              <a:t>= 6000</a:t>
+            </a:r>
+          </a:p>
+          <a:p>
+            <a:endParaRPr lang="en-US" b="1" dirty="0">
               <a:latin typeface="Courier New"/>
               <a:cs typeface="Courier New"/>
             </a:endParaRPr>
           </a:p>
           <a:p>
-            <a:pPr marL="0" indent="0">
-              <a:buNone/>
-            </a:pPr>
-            <a:r>
-              <a:rPr lang="en-US" sz="1800" b="1" dirty="0" err="1">
-                <a:latin typeface="Courier New"/>
-                <a:cs typeface="Courier New"/>
-              </a:rPr>
-              <a:t>peak_val</a:t>
-            </a:r>
-            <a:r>
-              <a:rPr lang="en-US" sz="1800" b="1" dirty="0">
-                <a:latin typeface="Courier New"/>
-                <a:cs typeface="Courier New"/>
-              </a:rPr>
-              <a:t> = 6000</a:t>
-            </a:r>
-          </a:p>
-          <a:p>
-            <a:pPr marL="0" indent="0">
-              <a:buNone/>
-            </a:pPr>
-            <a:endParaRPr lang="en-US" sz="1800" b="1" dirty="0">
-              <a:latin typeface="Courier New"/>
-              <a:cs typeface="Courier New"/>
-            </a:endParaRPr>
-          </a:p>
-          <a:p>
-            <a:pPr marL="0" indent="0">
-              <a:buNone/>
-            </a:pPr>
-            <a:r>
-              <a:rPr lang="en-US" sz="1800" b="1" dirty="0" err="1">
+            <a:r>
+              <a:rPr lang="en-US" b="1" dirty="0" err="1">
                 <a:latin typeface="Courier New"/>
                 <a:cs typeface="Courier New"/>
               </a:rPr>
               <a:t>psf</a:t>
             </a:r>
             <a:r>
-              <a:rPr lang="en-US" sz="1800" b="1" dirty="0">
-                <a:latin typeface="Courier New"/>
-                <a:cs typeface="Courier New"/>
-              </a:rPr>
-              <a:t> = </a:t>
-            </a:r>
-            <a:r>
-              <a:rPr lang="en-US" sz="1800" b="1" dirty="0" err="1">
+              <a:rPr lang="en-US" b="1" dirty="0">
+                <a:latin typeface="Courier New"/>
+                <a:cs typeface="Courier New"/>
+              </a:rPr>
+              <a:t> </a:t>
+            </a:r>
+            <a:r>
+              <a:rPr lang="en-US" b="1" dirty="0">
+                <a:solidFill>
+                  <a:srgbClr val="666666"/>
+                </a:solidFill>
+                <a:latin typeface="Courier New"/>
+                <a:cs typeface="Courier New"/>
+              </a:rPr>
+              <a:t>= </a:t>
+            </a:r>
+            <a:r>
+              <a:rPr lang="en-US" b="1" dirty="0" err="1">
+                <a:solidFill>
+                  <a:srgbClr val="666666"/>
+                </a:solidFill>
                 <a:latin typeface="Courier New"/>
                 <a:cs typeface="Courier New"/>
               </a:rPr>
               <a:t>afwDetect.GaussianPsf</a:t>
             </a:r>
             <a:r>
-              <a:rPr lang="en-US" sz="1800" b="1" dirty="0">
+              <a:rPr lang="en-US" b="1" dirty="0">
+                <a:solidFill>
+                  <a:srgbClr val="666666"/>
+                </a:solidFill>
                 <a:latin typeface="Courier New"/>
                 <a:cs typeface="Courier New"/>
               </a:rPr>
               <a:t>(</a:t>
             </a:r>
             <a:r>
-              <a:rPr lang="en-US" sz="1800" b="1" dirty="0" err="1">
+              <a:rPr lang="en-US" b="1" dirty="0" err="1">
+                <a:solidFill>
+                  <a:srgbClr val="666666"/>
+                </a:solidFill>
                 <a:latin typeface="Courier New"/>
                 <a:cs typeface="Courier New"/>
               </a:rPr>
               <a:t>psf_size</a:t>
             </a:r>
             <a:r>
-              <a:rPr lang="en-US" sz="1800" b="1" dirty="0">
+              <a:rPr lang="en-US" b="1" dirty="0">
+                <a:solidFill>
+                  <a:srgbClr val="666666"/>
+                </a:solidFill>
                 <a:latin typeface="Courier New"/>
                 <a:cs typeface="Courier New"/>
               </a:rPr>
               <a:t>, </a:t>
             </a:r>
             <a:r>
-              <a:rPr lang="en-US" sz="1800" b="1" dirty="0" err="1">
+              <a:rPr lang="en-US" b="1" dirty="0" err="1">
+                <a:solidFill>
+                  <a:srgbClr val="666666"/>
+                </a:solidFill>
                 <a:latin typeface="Courier New"/>
                 <a:cs typeface="Courier New"/>
               </a:rPr>
               <a:t>psf_size</a:t>
             </a:r>
             <a:r>
-              <a:rPr lang="en-US" sz="1800" b="1" dirty="0">
+              <a:rPr lang="en-US" b="1" dirty="0">
+                <a:solidFill>
+                  <a:srgbClr val="666666"/>
+                </a:solidFill>
                 <a:latin typeface="Courier New"/>
                 <a:cs typeface="Courier New"/>
               </a:rPr>
@@ -3541,41 +4155,53 @@
             </a:r>
           </a:p>
           <a:p>
-            <a:pPr marL="0" indent="0">
-              <a:buNone/>
-            </a:pPr>
-            <a:r>
-              <a:rPr lang="en-US" sz="1800" b="1" dirty="0" err="1">
+            <a:r>
+              <a:rPr lang="en-US" b="1" dirty="0" err="1">
                 <a:latin typeface="Courier New"/>
                 <a:cs typeface="Courier New"/>
               </a:rPr>
               <a:t>psf_im</a:t>
             </a:r>
             <a:r>
-              <a:rPr lang="en-US" sz="1800" b="1" dirty="0">
-                <a:latin typeface="Courier New"/>
-                <a:cs typeface="Courier New"/>
-              </a:rPr>
-              <a:t> = </a:t>
-            </a:r>
-            <a:r>
-              <a:rPr lang="en-US" sz="1800" b="1" dirty="0" err="1">
+              <a:rPr lang="en-US" b="1" dirty="0">
+                <a:latin typeface="Courier New"/>
+                <a:cs typeface="Courier New"/>
+              </a:rPr>
+              <a:t> </a:t>
+            </a:r>
+            <a:r>
+              <a:rPr lang="en-US" b="1" dirty="0">
+                <a:solidFill>
+                  <a:srgbClr val="666666"/>
+                </a:solidFill>
+                <a:latin typeface="Courier New"/>
+                <a:cs typeface="Courier New"/>
+              </a:rPr>
+              <a:t>= </a:t>
+            </a:r>
+            <a:r>
+              <a:rPr lang="en-US" b="1" dirty="0" err="1">
+                <a:solidFill>
+                  <a:srgbClr val="666666"/>
+                </a:solidFill>
                 <a:latin typeface="Courier New"/>
                 <a:cs typeface="Courier New"/>
               </a:rPr>
               <a:t>psf.computeImage</a:t>
             </a:r>
             <a:r>
-              <a:rPr lang="en-US" sz="1800" b="1" dirty="0">
+              <a:rPr lang="en-US" b="1" dirty="0">
+                <a:solidFill>
+                  <a:srgbClr val="666666"/>
+                </a:solidFill>
                 <a:latin typeface="Courier New"/>
                 <a:cs typeface="Courier New"/>
               </a:rPr>
               <a:t>()</a:t>
             </a:r>
-            <a:endParaRPr lang="en-US" sz="1800" b="1" dirty="0" smtClean="0">
-              <a:latin typeface="Courier New"/>
-              <a:cs typeface="Courier New"/>
-            </a:endParaRPr>
+          </a:p>
+          <a:p>
+            <a:endParaRPr lang="en-US" dirty="0"/>
           </a:p>
         </p:txBody>
       </p:sp>
@@ -3656,7 +4282,7 @@
             </a:pPr>
             <a:r>
               <a:rPr lang="en-US" dirty="0" smtClean="0"/>
-              <a:t>Not shown, the PSF image is normalized to a realistic value.  Now add the images at the random positions.  Lookout for the gotcha.</a:t>
+              <a:t>Not shown, the PSF image is normalized to a realistic value.  Now add the images at the random positions.  Look out for the gotcha.</a:t>
             </a:r>
           </a:p>
           <a:p>
@@ -3668,40 +4294,95 @@
               <a:cs typeface="Courier New"/>
             </a:endParaRPr>
           </a:p>
-          <a:p>
-            <a:pPr marL="0" indent="0">
-              <a:buNone/>
-            </a:pPr>
-            <a:r>
-              <a:rPr lang="en-US" sz="1800" b="1" dirty="0">
-                <a:latin typeface="Courier New"/>
-                <a:cs typeface="Courier New"/>
-              </a:rPr>
-              <a:t>for x, y in zip(</a:t>
-            </a:r>
-            <a:r>
-              <a:rPr lang="en-US" sz="1800" b="1" dirty="0" err="1">
+        </p:txBody>
+      </p:sp>
+      <p:sp>
+        <p:nvSpPr>
+          <p:cNvPr id="4" name="TextBox 3"/>
+          <p:cNvSpPr txBox="1"/>
+          <p:nvPr/>
+        </p:nvSpPr>
+        <p:spPr>
+          <a:xfrm>
+            <a:off x="381000" y="2438400"/>
+            <a:ext cx="8357464" cy="3416320"/>
+          </a:xfrm>
+          <a:prstGeom prst="rect">
+            <a:avLst/>
+          </a:prstGeom>
+          <a:noFill/>
+        </p:spPr>
+        <p:txBody>
+          <a:bodyPr wrap="none" rtlCol="0">
+            <a:spAutoFit/>
+          </a:bodyPr>
+          <a:lstStyle/>
+          <a:p>
+            <a:r>
+              <a:rPr lang="en-US" b="1" dirty="0">
+                <a:solidFill>
+                  <a:srgbClr val="008000"/>
+                </a:solidFill>
+                <a:latin typeface="Courier New"/>
+                <a:cs typeface="Courier New"/>
+              </a:rPr>
+              <a:t>for x, y </a:t>
+            </a:r>
+            <a:r>
+              <a:rPr lang="en-US" b="1" dirty="0">
+                <a:solidFill>
+                  <a:srgbClr val="AA22FF"/>
+                </a:solidFill>
+                <a:latin typeface="Courier New"/>
+                <a:cs typeface="Courier New"/>
+              </a:rPr>
+              <a:t>in </a:t>
+            </a:r>
+            <a:r>
+              <a:rPr lang="en-US" b="1" dirty="0">
+                <a:solidFill>
+                  <a:srgbClr val="008000"/>
+                </a:solidFill>
+                <a:latin typeface="Courier New"/>
+                <a:cs typeface="Courier New"/>
+              </a:rPr>
+              <a:t>zip(</a:t>
+            </a:r>
+            <a:r>
+              <a:rPr lang="en-US" b="1" dirty="0" err="1">
+                <a:solidFill>
+                  <a:srgbClr val="008000"/>
+                </a:solidFill>
                 <a:latin typeface="Courier New"/>
                 <a:cs typeface="Courier New"/>
               </a:rPr>
               <a:t>x_positions</a:t>
             </a:r>
             <a:r>
-              <a:rPr lang="en-US" sz="1800" b="1" dirty="0">
+              <a:rPr lang="en-US" b="1" dirty="0">
+                <a:solidFill>
+                  <a:srgbClr val="008000"/>
+                </a:solidFill>
                 <a:latin typeface="Courier New"/>
                 <a:cs typeface="Courier New"/>
               </a:rPr>
               <a:t>, </a:t>
             </a:r>
             <a:r>
-              <a:rPr lang="en-US" sz="1800" b="1" dirty="0" err="1">
+              <a:rPr lang="en-US" b="1" dirty="0" err="1">
+                <a:solidFill>
+                  <a:srgbClr val="008000"/>
+                </a:solidFill>
                 <a:latin typeface="Courier New"/>
                 <a:cs typeface="Courier New"/>
               </a:rPr>
               <a:t>y_positions</a:t>
             </a:r>
             <a:r>
-              <a:rPr lang="en-US" sz="1800" b="1" dirty="0">
+              <a:rPr lang="en-US" b="1" dirty="0">
+                <a:solidFill>
+                  <a:srgbClr val="008000"/>
+                </a:solidFill>
                 <a:latin typeface="Courier New"/>
                 <a:cs typeface="Courier New"/>
               </a:rPr>
@@ -3709,25 +4390,38 @@
             </a:r>
           </a:p>
           <a:p>
-            <a:pPr marL="0" indent="0">
-              <a:buNone/>
-            </a:pPr>
-            <a:r>
-              <a:rPr lang="en-US" sz="1800" b="1" dirty="0">
-                <a:latin typeface="Courier New"/>
-                <a:cs typeface="Courier New"/>
-              </a:rPr>
-              <a:t>    x0 = x - (</a:t>
-            </a:r>
-            <a:r>
-              <a:rPr lang="en-US" sz="1800" b="1" dirty="0" err="1">
+            <a:r>
+              <a:rPr lang="en-US" b="1" dirty="0">
+                <a:latin typeface="Courier New"/>
+                <a:cs typeface="Courier New"/>
+              </a:rPr>
+              <a:t>    x0 </a:t>
+            </a:r>
+            <a:r>
+              <a:rPr lang="en-US" b="1" dirty="0">
+                <a:solidFill>
+                  <a:srgbClr val="666666"/>
+                </a:solidFill>
+                <a:latin typeface="Courier New"/>
+                <a:cs typeface="Courier New"/>
+              </a:rPr>
+              <a:t>= x - (</a:t>
+            </a:r>
+            <a:r>
+              <a:rPr lang="en-US" b="1" dirty="0" err="1">
+                <a:solidFill>
+                  <a:srgbClr val="666666"/>
+                </a:solidFill>
                 <a:latin typeface="Courier New"/>
                 <a:cs typeface="Courier New"/>
               </a:rPr>
               <a:t>psf_size</a:t>
             </a:r>
             <a:r>
-              <a:rPr lang="en-US" sz="1800" b="1" dirty="0">
+              <a:rPr lang="en-US" b="1" dirty="0">
+                <a:solidFill>
+                  <a:srgbClr val="666666"/>
+                </a:solidFill>
                 <a:latin typeface="Courier New"/>
                 <a:cs typeface="Courier New"/>
               </a:rPr>
@@ -3735,25 +4429,38 @@
             </a:r>
           </a:p>
           <a:p>
-            <a:pPr marL="0" indent="0">
-              <a:buNone/>
-            </a:pPr>
-            <a:r>
-              <a:rPr lang="en-US" sz="1800" b="1" dirty="0">
-                <a:latin typeface="Courier New"/>
-                <a:cs typeface="Courier New"/>
-              </a:rPr>
-              <a:t>    y0 = y - (</a:t>
-            </a:r>
-            <a:r>
-              <a:rPr lang="en-US" sz="1800" b="1" dirty="0" err="1">
+            <a:r>
+              <a:rPr lang="es-ES_tradnl" b="1" dirty="0">
+                <a:latin typeface="Courier New"/>
+                <a:cs typeface="Courier New"/>
+              </a:rPr>
+              <a:t>    y0 </a:t>
+            </a:r>
+            <a:r>
+              <a:rPr lang="es-ES_tradnl" b="1" dirty="0">
+                <a:solidFill>
+                  <a:srgbClr val="666666"/>
+                </a:solidFill>
+                <a:latin typeface="Courier New"/>
+                <a:cs typeface="Courier New"/>
+              </a:rPr>
+              <a:t>= y - (</a:t>
+            </a:r>
+            <a:r>
+              <a:rPr lang="es-ES_tradnl" b="1" dirty="0" err="1">
+                <a:solidFill>
+                  <a:srgbClr val="666666"/>
+                </a:solidFill>
                 <a:latin typeface="Courier New"/>
                 <a:cs typeface="Courier New"/>
               </a:rPr>
               <a:t>psf_size</a:t>
             </a:r>
             <a:r>
-              <a:rPr lang="en-US" sz="1800" b="1" dirty="0">
+              <a:rPr lang="es-ES_tradnl" b="1" dirty="0">
+                <a:solidFill>
+                  <a:srgbClr val="666666"/>
+                </a:solidFill>
                 <a:latin typeface="Courier New"/>
                 <a:cs typeface="Courier New"/>
               </a:rPr>
@@ -3761,250 +4468,335 @@
             </a:r>
           </a:p>
           <a:p>
-            <a:pPr marL="0" indent="0">
-              <a:buNone/>
-            </a:pPr>
-            <a:r>
-              <a:rPr lang="en-US" sz="1800" b="1" dirty="0">
-                <a:latin typeface="Courier New"/>
-                <a:cs typeface="Courier New"/>
-              </a:rPr>
-              <a:t>    box = </a:t>
-            </a:r>
-            <a:r>
-              <a:rPr lang="en-US" sz="1800" b="1" dirty="0" err="1">
+            <a:r>
+              <a:rPr lang="es-ES_tradnl" b="1" dirty="0">
+                <a:latin typeface="Courier New"/>
+                <a:cs typeface="Courier New"/>
+              </a:rPr>
+              <a:t>    box </a:t>
+            </a:r>
+            <a:r>
+              <a:rPr lang="es-ES_tradnl" b="1" dirty="0">
+                <a:solidFill>
+                  <a:srgbClr val="666666"/>
+                </a:solidFill>
+                <a:latin typeface="Courier New"/>
+                <a:cs typeface="Courier New"/>
+              </a:rPr>
+              <a:t>= </a:t>
+            </a:r>
+            <a:r>
+              <a:rPr lang="es-ES_tradnl" b="1" dirty="0" err="1">
+                <a:solidFill>
+                  <a:srgbClr val="666666"/>
+                </a:solidFill>
                 <a:latin typeface="Courier New"/>
                 <a:cs typeface="Courier New"/>
               </a:rPr>
               <a:t>afwGeom.BoxI</a:t>
             </a:r>
             <a:r>
-              <a:rPr lang="en-US" sz="1800" b="1" dirty="0">
+              <a:rPr lang="es-ES_tradnl" b="1" dirty="0">
+                <a:solidFill>
+                  <a:srgbClr val="666666"/>
+                </a:solidFill>
                 <a:latin typeface="Courier New"/>
                 <a:cs typeface="Courier New"/>
               </a:rPr>
               <a:t>(</a:t>
             </a:r>
             <a:r>
-              <a:rPr lang="en-US" sz="1800" b="1" dirty="0" err="1">
+              <a:rPr lang="es-ES_tradnl" b="1" dirty="0" err="1">
+                <a:solidFill>
+                  <a:srgbClr val="666666"/>
+                </a:solidFill>
                 <a:latin typeface="Courier New"/>
                 <a:cs typeface="Courier New"/>
               </a:rPr>
               <a:t>afwGeom.PointI</a:t>
             </a:r>
             <a:r>
-              <a:rPr lang="en-US" sz="1800" b="1" dirty="0">
-                <a:latin typeface="Courier New"/>
-                <a:cs typeface="Courier New"/>
-              </a:rPr>
-              <a:t>(x0, y0), </a:t>
-            </a:r>
-            <a:r>
-              <a:rPr lang="en-US" sz="1800" b="1" dirty="0" smtClean="0">
+              <a:rPr lang="es-ES_tradnl" b="1" dirty="0">
+                <a:solidFill>
+                  <a:srgbClr val="666666"/>
+                </a:solidFill>
+                <a:latin typeface="Courier New"/>
+                <a:cs typeface="Courier New"/>
+              </a:rPr>
+              <a:t>(x0, y0),  </a:t>
+            </a:r>
+          </a:p>
+          <a:p>
+            <a:r>
+              <a:rPr lang="en-US" b="1" dirty="0">
+                <a:latin typeface="Courier New"/>
+                <a:cs typeface="Courier New"/>
+              </a:rPr>
+              <a:t>                       </a:t>
+            </a:r>
+            <a:r>
+              <a:rPr lang="en-US" b="1" dirty="0" err="1">
+                <a:latin typeface="Courier New"/>
+                <a:cs typeface="Courier New"/>
+              </a:rPr>
+              <a:t>afwGeom</a:t>
+            </a:r>
+            <a:r>
+              <a:rPr lang="en-US" b="1" dirty="0" err="1">
+                <a:solidFill>
+                  <a:srgbClr val="666666"/>
+                </a:solidFill>
+                <a:latin typeface="Courier New"/>
+                <a:cs typeface="Courier New"/>
+              </a:rPr>
+              <a:t>.ExtentI</a:t>
+            </a:r>
+            <a:r>
+              <a:rPr lang="en-US" b="1" dirty="0">
+                <a:solidFill>
+                  <a:srgbClr val="666666"/>
+                </a:solidFill>
+                <a:latin typeface="Courier New"/>
+                <a:cs typeface="Courier New"/>
+              </a:rPr>
+              <a:t>(</a:t>
+            </a:r>
+            <a:r>
+              <a:rPr lang="en-US" b="1" dirty="0" err="1">
+                <a:solidFill>
+                  <a:srgbClr val="666666"/>
+                </a:solidFill>
+                <a:latin typeface="Courier New"/>
+                <a:cs typeface="Courier New"/>
+              </a:rPr>
+              <a:t>psf_size</a:t>
+            </a:r>
+            <a:r>
+              <a:rPr lang="en-US" b="1" dirty="0">
+                <a:solidFill>
+                  <a:srgbClr val="666666"/>
+                </a:solidFill>
+                <a:latin typeface="Courier New"/>
+                <a:cs typeface="Courier New"/>
+              </a:rPr>
+              <a:t>, </a:t>
+            </a:r>
+            <a:r>
+              <a:rPr lang="en-US" b="1" dirty="0" err="1">
+                <a:solidFill>
+                  <a:srgbClr val="666666"/>
+                </a:solidFill>
+                <a:latin typeface="Courier New"/>
+                <a:cs typeface="Courier New"/>
+              </a:rPr>
+              <a:t>psf_size</a:t>
+            </a:r>
+            <a:r>
+              <a:rPr lang="en-US" b="1" dirty="0">
+                <a:solidFill>
+                  <a:srgbClr val="666666"/>
+                </a:solidFill>
+                <a:latin typeface="Courier New"/>
+                <a:cs typeface="Courier New"/>
+              </a:rPr>
+              <a:t>))</a:t>
+            </a:r>
+          </a:p>
+          <a:p>
+            <a:r>
+              <a:rPr lang="en-US" b="1" dirty="0">
+                <a:latin typeface="Courier New"/>
+                <a:cs typeface="Courier New"/>
+              </a:rPr>
+              <a:t>    </a:t>
+            </a:r>
+            <a:r>
+              <a:rPr lang="en-US" b="1" dirty="0" err="1">
+                <a:latin typeface="Courier New"/>
+                <a:cs typeface="Courier New"/>
+              </a:rPr>
+              <a:t>subim</a:t>
+            </a:r>
+            <a:r>
+              <a:rPr lang="en-US" b="1" dirty="0">
                 <a:latin typeface="Courier New"/>
                 <a:cs typeface="Courier New"/>
               </a:rPr>
               <a:t> </a:t>
             </a:r>
-          </a:p>
-          <a:p>
-            <a:pPr marL="0" indent="0">
-              <a:buNone/>
-            </a:pPr>
-            <a:r>
-              <a:rPr lang="en-US" sz="1800" b="1" dirty="0">
+            <a:r>
+              <a:rPr lang="en-US" b="1" dirty="0">
+                <a:solidFill>
+                  <a:srgbClr val="666666"/>
+                </a:solidFill>
+                <a:latin typeface="Courier New"/>
+                <a:cs typeface="Courier New"/>
+              </a:rPr>
+              <a:t>= </a:t>
+            </a:r>
+            <a:r>
+              <a:rPr lang="en-US" b="1" dirty="0" err="1">
+                <a:solidFill>
+                  <a:srgbClr val="666666"/>
+                </a:solidFill>
+                <a:latin typeface="Courier New"/>
+                <a:cs typeface="Courier New"/>
+              </a:rPr>
+              <a:t>afwImage.ImageF</a:t>
+            </a:r>
+            <a:r>
+              <a:rPr lang="en-US" b="1" dirty="0">
+                <a:solidFill>
+                  <a:srgbClr val="666666"/>
+                </a:solidFill>
+                <a:latin typeface="Courier New"/>
+                <a:cs typeface="Courier New"/>
+              </a:rPr>
+              <a:t>(</a:t>
+            </a:r>
+            <a:r>
+              <a:rPr lang="en-US" b="1" dirty="0" err="1">
+                <a:solidFill>
+                  <a:srgbClr val="666666"/>
+                </a:solidFill>
+                <a:latin typeface="Courier New"/>
+                <a:cs typeface="Courier New"/>
+              </a:rPr>
+              <a:t>im</a:t>
+            </a:r>
+            <a:r>
+              <a:rPr lang="en-US" b="1" dirty="0">
+                <a:solidFill>
+                  <a:srgbClr val="666666"/>
+                </a:solidFill>
+                <a:latin typeface="Courier New"/>
+                <a:cs typeface="Courier New"/>
+              </a:rPr>
+              <a:t>, box, </a:t>
+            </a:r>
+            <a:r>
+              <a:rPr lang="en-US" b="1" dirty="0" err="1">
+                <a:solidFill>
+                  <a:srgbClr val="666666"/>
+                </a:solidFill>
+                <a:latin typeface="Courier New"/>
+                <a:cs typeface="Courier New"/>
+              </a:rPr>
+              <a:t>afwImage.LOCAL</a:t>
+            </a:r>
+            <a:r>
+              <a:rPr lang="en-US" b="1" dirty="0">
+                <a:solidFill>
+                  <a:srgbClr val="666666"/>
+                </a:solidFill>
+                <a:latin typeface="Courier New"/>
+                <a:cs typeface="Courier New"/>
+              </a:rPr>
+              <a:t>)</a:t>
+            </a:r>
+          </a:p>
+          <a:p>
+            <a:r>
+              <a:rPr lang="en-US" b="1" dirty="0">
+                <a:latin typeface="Courier New"/>
+                <a:cs typeface="Courier New"/>
+              </a:rPr>
+              <a:t>    </a:t>
+            </a:r>
+            <a:r>
+              <a:rPr lang="en-US" b="1" dirty="0">
+                <a:solidFill>
+                  <a:srgbClr val="008000"/>
+                </a:solidFill>
+                <a:latin typeface="Courier New"/>
+                <a:cs typeface="Courier New"/>
+              </a:rPr>
+              <a:t>try:</a:t>
+            </a:r>
+          </a:p>
+          <a:p>
+            <a:r>
+              <a:rPr lang="en-US" b="1" dirty="0">
+                <a:latin typeface="Courier New"/>
+                <a:cs typeface="Courier New"/>
+              </a:rPr>
+              <a:t>        </a:t>
+            </a:r>
+            <a:r>
+              <a:rPr lang="en-US" b="1" dirty="0" err="1">
+                <a:latin typeface="Courier New"/>
+                <a:cs typeface="Courier New"/>
+              </a:rPr>
+              <a:t>subim</a:t>
+            </a:r>
+            <a:r>
+              <a:rPr lang="en-US" b="1" dirty="0">
                 <a:latin typeface="Courier New"/>
                 <a:cs typeface="Courier New"/>
               </a:rPr>
               <a:t> </a:t>
             </a:r>
             <a:r>
-              <a:rPr lang="en-US" sz="1800" b="1" dirty="0" smtClean="0">
-                <a:latin typeface="Courier New"/>
-                <a:cs typeface="Courier New"/>
-              </a:rPr>
-              <a:t>                      </a:t>
-            </a:r>
-            <a:r>
-              <a:rPr lang="en-US" sz="1800" b="1" dirty="0" err="1" smtClean="0">
-                <a:latin typeface="Courier New"/>
-                <a:cs typeface="Courier New"/>
-              </a:rPr>
-              <a:t>afwGeom.ExtentI</a:t>
-            </a:r>
-            <a:r>
-              <a:rPr lang="en-US" sz="1800" b="1" dirty="0">
-                <a:latin typeface="Courier New"/>
-                <a:cs typeface="Courier New"/>
-              </a:rPr>
-              <a:t>(</a:t>
-            </a:r>
-            <a:r>
-              <a:rPr lang="en-US" sz="1800" b="1" dirty="0" err="1">
-                <a:latin typeface="Courier New"/>
-                <a:cs typeface="Courier New"/>
-              </a:rPr>
-              <a:t>psf_size</a:t>
-            </a:r>
-            <a:r>
-              <a:rPr lang="en-US" sz="1800" b="1" dirty="0">
-                <a:latin typeface="Courier New"/>
-                <a:cs typeface="Courier New"/>
-              </a:rPr>
-              <a:t>, </a:t>
-            </a:r>
-            <a:r>
-              <a:rPr lang="en-US" sz="1800" b="1" dirty="0" err="1">
-                <a:latin typeface="Courier New"/>
-                <a:cs typeface="Courier New"/>
-              </a:rPr>
-              <a:t>psf_size</a:t>
-            </a:r>
-            <a:r>
-              <a:rPr lang="en-US" sz="1800" b="1" dirty="0">
-                <a:latin typeface="Courier New"/>
-                <a:cs typeface="Courier New"/>
-              </a:rPr>
-              <a:t>))</a:t>
-            </a:r>
-          </a:p>
-          <a:p>
-            <a:pPr marL="0" indent="0">
-              <a:buNone/>
-            </a:pPr>
-            <a:r>
-              <a:rPr lang="en-US" sz="1800" b="1" dirty="0">
-                <a:latin typeface="Courier New"/>
-                <a:cs typeface="Courier New"/>
-              </a:rPr>
-              <a:t>    </a:t>
-            </a:r>
-            <a:r>
-              <a:rPr lang="en-US" sz="1800" b="1" dirty="0" err="1">
-                <a:latin typeface="Courier New"/>
-                <a:cs typeface="Courier New"/>
-              </a:rPr>
-              <a:t>subim</a:t>
-            </a:r>
-            <a:r>
-              <a:rPr lang="en-US" sz="1800" b="1" dirty="0">
-                <a:latin typeface="Courier New"/>
-                <a:cs typeface="Courier New"/>
-              </a:rPr>
-              <a:t> = </a:t>
-            </a:r>
-            <a:r>
-              <a:rPr lang="en-US" sz="1800" b="1" dirty="0" err="1">
-                <a:latin typeface="Courier New"/>
-                <a:cs typeface="Courier New"/>
-              </a:rPr>
-              <a:t>afwImage.ImageF</a:t>
-            </a:r>
-            <a:r>
-              <a:rPr lang="en-US" sz="1800" b="1" dirty="0">
-                <a:latin typeface="Courier New"/>
-                <a:cs typeface="Courier New"/>
-              </a:rPr>
-              <a:t>(</a:t>
-            </a:r>
-            <a:r>
-              <a:rPr lang="en-US" sz="1800" b="1" dirty="0" err="1">
-                <a:latin typeface="Courier New"/>
-                <a:cs typeface="Courier New"/>
-              </a:rPr>
-              <a:t>im</a:t>
-            </a:r>
-            <a:r>
-              <a:rPr lang="en-US" sz="1800" b="1" dirty="0">
-                <a:latin typeface="Courier New"/>
-                <a:cs typeface="Courier New"/>
-              </a:rPr>
-              <a:t>, box, </a:t>
-            </a:r>
-            <a:r>
-              <a:rPr lang="en-US" sz="1800" b="1" dirty="0" err="1">
-                <a:latin typeface="Courier New"/>
-                <a:cs typeface="Courier New"/>
-              </a:rPr>
-              <a:t>afwImage.LOCAL</a:t>
-            </a:r>
-            <a:r>
-              <a:rPr lang="en-US" sz="1800" b="1" dirty="0">
-                <a:latin typeface="Courier New"/>
-                <a:cs typeface="Courier New"/>
-              </a:rPr>
-              <a:t>)</a:t>
-            </a:r>
-          </a:p>
-          <a:p>
-            <a:pPr marL="0" indent="0">
-              <a:buNone/>
-            </a:pPr>
-            <a:r>
-              <a:rPr lang="en-US" sz="1800" b="1" dirty="0">
-                <a:latin typeface="Courier New"/>
-                <a:cs typeface="Courier New"/>
-              </a:rPr>
-              <a:t>    try:</a:t>
-            </a:r>
-          </a:p>
-          <a:p>
-            <a:pPr marL="0" indent="0">
-              <a:buNone/>
-            </a:pPr>
-            <a:r>
-              <a:rPr lang="en-US" sz="1800" b="1" dirty="0">
-                <a:latin typeface="Courier New"/>
-                <a:cs typeface="Courier New"/>
-              </a:rPr>
-              <a:t>        </a:t>
-            </a:r>
-            <a:r>
-              <a:rPr lang="en-US" sz="1800" b="1" dirty="0" err="1">
-                <a:latin typeface="Courier New"/>
-                <a:cs typeface="Courier New"/>
-              </a:rPr>
-              <a:t>subim</a:t>
-            </a:r>
-            <a:r>
-              <a:rPr lang="en-US" sz="1800" b="1" dirty="0">
-                <a:latin typeface="Courier New"/>
-                <a:cs typeface="Courier New"/>
-              </a:rPr>
-              <a:t> += </a:t>
-            </a:r>
-            <a:r>
-              <a:rPr lang="en-US" sz="1800" b="1" dirty="0" err="1">
+              <a:rPr lang="en-US" b="1" dirty="0">
+                <a:solidFill>
+                  <a:srgbClr val="666666"/>
+                </a:solidFill>
+                <a:latin typeface="Courier New"/>
+                <a:cs typeface="Courier New"/>
+              </a:rPr>
+              <a:t>+= </a:t>
+            </a:r>
+            <a:r>
+              <a:rPr lang="en-US" b="1" dirty="0" err="1">
+                <a:solidFill>
+                  <a:srgbClr val="666666"/>
+                </a:solidFill>
                 <a:latin typeface="Courier New"/>
                 <a:cs typeface="Courier New"/>
               </a:rPr>
               <a:t>psf_im</a:t>
             </a:r>
-            <a:endParaRPr lang="en-US" sz="1800" b="1" dirty="0">
+            <a:endParaRPr lang="en-US" b="1" dirty="0">
+              <a:solidFill>
+                <a:srgbClr val="666666"/>
+              </a:solidFill>
               <a:latin typeface="Courier New"/>
               <a:cs typeface="Courier New"/>
             </a:endParaRPr>
           </a:p>
           <a:p>
-            <a:pPr marL="0" indent="0">
-              <a:buNone/>
-            </a:pPr>
-            <a:r>
-              <a:rPr lang="en-US" sz="1800" b="1" dirty="0">
-                <a:latin typeface="Courier New"/>
-                <a:cs typeface="Courier New"/>
-              </a:rPr>
-              <a:t>    except </a:t>
-            </a:r>
-            <a:r>
-              <a:rPr lang="en-US" sz="1800" b="1" dirty="0" err="1">
+            <a:r>
+              <a:rPr lang="en-US" b="1" dirty="0">
+                <a:latin typeface="Courier New"/>
+                <a:cs typeface="Courier New"/>
+              </a:rPr>
+              <a:t>    </a:t>
+            </a:r>
+            <a:r>
+              <a:rPr lang="en-US" b="1" dirty="0">
+                <a:solidFill>
+                  <a:srgbClr val="008000"/>
+                </a:solidFill>
+                <a:latin typeface="Courier New"/>
+                <a:cs typeface="Courier New"/>
+              </a:rPr>
+              <a:t>except </a:t>
+            </a:r>
+            <a:r>
+              <a:rPr lang="en-US" b="1" dirty="0" err="1">
+                <a:solidFill>
+                  <a:srgbClr val="D2413A"/>
+                </a:solidFill>
                 <a:latin typeface="Courier New"/>
                 <a:cs typeface="Courier New"/>
               </a:rPr>
               <a:t>NotImplementedError</a:t>
             </a:r>
             <a:r>
-              <a:rPr lang="en-US" sz="1800" b="1" dirty="0">
+              <a:rPr lang="en-US" b="1" dirty="0">
+                <a:solidFill>
+                  <a:srgbClr val="D2413A"/>
+                </a:solidFill>
                 <a:latin typeface="Courier New"/>
                 <a:cs typeface="Courier New"/>
               </a:rPr>
@@ -4012,102 +4804,110 @@
             </a:r>
           </a:p>
           <a:p>
-            <a:pPr marL="0" indent="0">
-              <a:buNone/>
-            </a:pPr>
-            <a:r>
-              <a:rPr lang="en-US" sz="1800" b="1" dirty="0" smtClean="0">
+            <a:r>
+              <a:rPr lang="en-US" b="1" dirty="0">
                 <a:latin typeface="Courier New"/>
                 <a:cs typeface="Courier New"/>
               </a:rPr>
               <a:t>        </a:t>
             </a:r>
             <a:r>
-              <a:rPr lang="en-US" sz="1800" b="1" dirty="0" err="1" smtClean="0">
+              <a:rPr lang="en-US" b="1" dirty="0" err="1">
                 <a:latin typeface="Courier New"/>
                 <a:cs typeface="Courier New"/>
               </a:rPr>
               <a:t>psf_im</a:t>
             </a:r>
             <a:r>
-              <a:rPr lang="en-US" sz="1800" b="1" dirty="0" smtClean="0">
+              <a:rPr lang="en-US" b="1" dirty="0">
                 <a:latin typeface="Courier New"/>
                 <a:cs typeface="Courier New"/>
               </a:rPr>
               <a:t> </a:t>
             </a:r>
             <a:r>
-              <a:rPr lang="en-US" sz="1800" b="1" dirty="0">
+              <a:rPr lang="en-US" b="1" dirty="0">
+                <a:solidFill>
+                  <a:srgbClr val="666666"/>
+                </a:solidFill>
                 <a:latin typeface="Courier New"/>
                 <a:cs typeface="Courier New"/>
               </a:rPr>
               <a:t>= </a:t>
             </a:r>
             <a:r>
-              <a:rPr lang="en-US" sz="1800" b="1" dirty="0" err="1">
+              <a:rPr lang="en-US" b="1" dirty="0" err="1">
+                <a:solidFill>
+                  <a:srgbClr val="666666"/>
+                </a:solidFill>
                 <a:latin typeface="Courier New"/>
                 <a:cs typeface="Courier New"/>
               </a:rPr>
               <a:t>psf_im.convertF</a:t>
             </a:r>
             <a:r>
-              <a:rPr lang="en-US" sz="1800" b="1" dirty="0">
-                <a:latin typeface="Courier New"/>
-                <a:cs typeface="Courier New"/>
-              </a:rPr>
-              <a:t>(</a:t>
-            </a:r>
-            <a:r>
-              <a:rPr lang="en-US" sz="1800" b="1" dirty="0" smtClean="0">
-                <a:latin typeface="Courier New"/>
-                <a:cs typeface="Courier New"/>
-              </a:rPr>
-              <a:t>)</a:t>
-            </a:r>
-          </a:p>
-          <a:p>
-            <a:pPr marL="0" indent="0">
-              <a:buNone/>
-            </a:pPr>
-            <a:r>
-              <a:rPr lang="en-US" sz="1800" b="1" dirty="0">
+              <a:rPr lang="en-US" b="1" dirty="0">
+                <a:solidFill>
+                  <a:srgbClr val="666666"/>
+                </a:solidFill>
+                <a:latin typeface="Courier New"/>
+                <a:cs typeface="Courier New"/>
+              </a:rPr>
+              <a:t>()</a:t>
+            </a:r>
+          </a:p>
+          <a:p>
+            <a:r>
+              <a:rPr lang="en-US" b="1" dirty="0">
+                <a:latin typeface="Courier New"/>
+                <a:cs typeface="Courier New"/>
+              </a:rPr>
+              <a:t>        </a:t>
+            </a:r>
+            <a:r>
+              <a:rPr lang="en-US" b="1" dirty="0" err="1">
+                <a:latin typeface="Courier New"/>
+                <a:cs typeface="Courier New"/>
+              </a:rPr>
+              <a:t>subim</a:t>
+            </a:r>
+            <a:r>
+              <a:rPr lang="en-US" b="1" dirty="0">
                 <a:latin typeface="Courier New"/>
                 <a:cs typeface="Courier New"/>
               </a:rPr>
               <a:t> </a:t>
             </a:r>
             <a:r>
-              <a:rPr lang="en-US" sz="1800" b="1" dirty="0" smtClean="0">
-                <a:latin typeface="Courier New"/>
-                <a:cs typeface="Courier New"/>
-              </a:rPr>
-              <a:t>       </a:t>
-            </a:r>
-            <a:r>
-              <a:rPr lang="en-US" sz="1800" b="1" dirty="0" err="1" smtClean="0">
-                <a:latin typeface="Courier New"/>
-                <a:cs typeface="Courier New"/>
-              </a:rPr>
-              <a:t>subim</a:t>
-            </a:r>
-            <a:r>
-              <a:rPr lang="en-US" sz="1800" b="1" dirty="0" smtClean="0">
-                <a:latin typeface="Courier New"/>
-                <a:cs typeface="Courier New"/>
-              </a:rPr>
-              <a:t> += </a:t>
-            </a:r>
-            <a:r>
-              <a:rPr lang="en-US" sz="1800" b="1" dirty="0" err="1" smtClean="0">
+              <a:rPr lang="en-US" b="1" dirty="0">
+                <a:solidFill>
+                  <a:srgbClr val="666666"/>
+                </a:solidFill>
+                <a:latin typeface="Courier New"/>
+                <a:cs typeface="Courier New"/>
+              </a:rPr>
+              <a:t>+= </a:t>
+            </a:r>
+            <a:r>
+              <a:rPr lang="en-US" b="1" dirty="0" err="1">
+                <a:solidFill>
+                  <a:srgbClr val="666666"/>
+                </a:solidFill>
                 <a:latin typeface="Courier New"/>
                 <a:cs typeface="Courier New"/>
               </a:rPr>
               <a:t>psf_im</a:t>
             </a:r>
-            <a:endParaRPr lang="en-US" sz="1800" b="1" dirty="0">
+            <a:endParaRPr lang="en-US" b="1" dirty="0">
+              <a:solidFill>
+                <a:srgbClr val="666666"/>
+              </a:solidFill>
               <a:latin typeface="Courier New"/>
               <a:cs typeface="Courier New"/>
             </a:endParaRPr>
+          </a:p>
+          <a:p>
+            <a:endParaRPr lang="en-US" dirty="0"/>
           </a:p>
         </p:txBody>
       </p:sp>
@@ -4188,13 +4988,16 @@
             </a:pPr>
             <a:r>
               <a:rPr lang="en-US" dirty="0" smtClean="0"/>
-              <a:t>Not shown, the PSF image is normalized to a realistic value.  Now add the images at the random positions.  Lookout for </a:t>
-            </a:r>
-            <a:r>
-              <a:rPr lang="en-US" smtClean="0"/>
-              <a:t>the gotcha.</a:t>
-            </a:r>
-            <a:endParaRPr lang="en-US" dirty="0" smtClean="0"/>
+              <a:t>We now have an image populated with Gaussian blobs.  Let’s add some background noise, and turn this into a proper </a:t>
+            </a:r>
+            <a:r>
+              <a:rPr lang="en-US" dirty="0" err="1" smtClean="0"/>
+              <a:t>MaskedImage</a:t>
+            </a:r>
+            <a:r>
+              <a:rPr lang="en-US" dirty="0" smtClean="0"/>
+              <a:t>.</a:t>
+            </a:r>
           </a:p>
           <a:p>
             <a:pPr marL="0" indent="0">
@@ -4205,397 +5008,230 @@
               <a:cs typeface="Courier New"/>
             </a:endParaRPr>
           </a:p>
-          <a:p>
-            <a:pPr marL="0" indent="0">
-              <a:buNone/>
-            </a:pPr>
-            <a:r>
-              <a:rPr lang="en-US" sz="1800" b="1" dirty="0">
-                <a:latin typeface="Courier New"/>
-                <a:cs typeface="Courier New"/>
-              </a:rPr>
-              <a:t>for x, y in zip(</a:t>
-            </a:r>
-            <a:r>
-              <a:rPr lang="en-US" sz="1800" b="1" dirty="0" err="1">
-                <a:latin typeface="Courier New"/>
-                <a:cs typeface="Courier New"/>
-              </a:rPr>
-              <a:t>x_positions</a:t>
-            </a:r>
-            <a:r>
-              <a:rPr lang="en-US" sz="1800" b="1" dirty="0">
-                <a:latin typeface="Courier New"/>
-                <a:cs typeface="Courier New"/>
-              </a:rPr>
-              <a:t>, </a:t>
-            </a:r>
-            <a:r>
-              <a:rPr lang="en-US" sz="1800" b="1" dirty="0" err="1">
-                <a:latin typeface="Courier New"/>
-                <a:cs typeface="Courier New"/>
-              </a:rPr>
-              <a:t>y_positions</a:t>
-            </a:r>
-            <a:r>
-              <a:rPr lang="en-US" sz="1800" b="1" dirty="0">
-                <a:latin typeface="Courier New"/>
-                <a:cs typeface="Courier New"/>
-              </a:rPr>
-              <a:t>):</a:t>
-            </a:r>
-          </a:p>
-          <a:p>
-            <a:pPr marL="0" indent="0">
-              <a:buNone/>
-            </a:pPr>
-            <a:r>
-              <a:rPr lang="en-US" sz="1800" b="1" dirty="0">
-                <a:latin typeface="Courier New"/>
-                <a:cs typeface="Courier New"/>
-              </a:rPr>
-              <a:t>    x0 = x - (</a:t>
-            </a:r>
-            <a:r>
-              <a:rPr lang="en-US" sz="1800" b="1" dirty="0" err="1">
-                <a:latin typeface="Courier New"/>
-                <a:cs typeface="Courier New"/>
-              </a:rPr>
-              <a:t>psf_size</a:t>
-            </a:r>
-            <a:r>
-              <a:rPr lang="en-US" sz="1800" b="1" dirty="0">
-                <a:latin typeface="Courier New"/>
-                <a:cs typeface="Courier New"/>
-              </a:rPr>
-              <a:t> - 1)/2</a:t>
-            </a:r>
-          </a:p>
-          <a:p>
-            <a:pPr marL="0" indent="0">
-              <a:buNone/>
-            </a:pPr>
-            <a:r>
-              <a:rPr lang="en-US" sz="1800" b="1" dirty="0">
-                <a:latin typeface="Courier New"/>
-                <a:cs typeface="Courier New"/>
-              </a:rPr>
-              <a:t>    y0 = y - (</a:t>
-            </a:r>
-            <a:r>
-              <a:rPr lang="en-US" sz="1800" b="1" dirty="0" err="1">
-                <a:latin typeface="Courier New"/>
-                <a:cs typeface="Courier New"/>
-              </a:rPr>
-              <a:t>psf_size</a:t>
-            </a:r>
-            <a:r>
-              <a:rPr lang="en-US" sz="1800" b="1" dirty="0">
-                <a:latin typeface="Courier New"/>
-                <a:cs typeface="Courier New"/>
-              </a:rPr>
-              <a:t> - 1)/2</a:t>
-            </a:r>
-          </a:p>
-          <a:p>
-            <a:pPr marL="0" indent="0">
-              <a:buNone/>
-            </a:pPr>
-            <a:r>
-              <a:rPr lang="en-US" sz="1800" b="1" dirty="0">
-                <a:latin typeface="Courier New"/>
-                <a:cs typeface="Courier New"/>
-              </a:rPr>
-              <a:t>    box = </a:t>
-            </a:r>
-            <a:r>
-              <a:rPr lang="en-US" sz="1800" b="1" dirty="0" err="1">
-                <a:latin typeface="Courier New"/>
-                <a:cs typeface="Courier New"/>
-              </a:rPr>
-              <a:t>afwGeom.BoxI</a:t>
-            </a:r>
-            <a:r>
-              <a:rPr lang="en-US" sz="1800" b="1" dirty="0">
+        </p:txBody>
+      </p:sp>
+      <p:sp>
+        <p:nvSpPr>
+          <p:cNvPr id="4" name="TextBox 3"/>
+          <p:cNvSpPr txBox="1"/>
+          <p:nvPr/>
+        </p:nvSpPr>
+        <p:spPr>
+          <a:xfrm>
+            <a:off x="304800" y="2590800"/>
+            <a:ext cx="6695199" cy="2585323"/>
+          </a:xfrm>
+          <a:prstGeom prst="rect">
+            <a:avLst/>
+          </a:prstGeom>
+          <a:noFill/>
+        </p:spPr>
+        <p:txBody>
+          <a:bodyPr wrap="none" rtlCol="0">
+            <a:spAutoFit/>
+          </a:bodyPr>
+          <a:lstStyle/>
+          <a:p>
+            <a:r>
+              <a:rPr lang="en-US" b="1" dirty="0" err="1">
+                <a:latin typeface="Courier New"/>
+                <a:cs typeface="Courier New"/>
+              </a:rPr>
+              <a:t>back_im</a:t>
+            </a:r>
+            <a:r>
+              <a:rPr lang="en-US" b="1" dirty="0">
+                <a:latin typeface="Courier New"/>
+                <a:cs typeface="Courier New"/>
+              </a:rPr>
+              <a:t> </a:t>
+            </a:r>
+            <a:r>
+              <a:rPr lang="en-US" b="1" dirty="0">
+                <a:solidFill>
+                  <a:srgbClr val="666666"/>
+                </a:solidFill>
+                <a:latin typeface="Courier New"/>
+                <a:cs typeface="Courier New"/>
+              </a:rPr>
+              <a:t>= </a:t>
+            </a:r>
+            <a:r>
+              <a:rPr lang="en-US" b="1" dirty="0" err="1">
+                <a:solidFill>
+                  <a:srgbClr val="666666"/>
+                </a:solidFill>
+                <a:latin typeface="Courier New"/>
+                <a:cs typeface="Courier New"/>
+              </a:rPr>
+              <a:t>afwImage.ImageF</a:t>
+            </a:r>
+            <a:r>
+              <a:rPr lang="en-US" b="1" dirty="0">
+                <a:solidFill>
+                  <a:srgbClr val="666666"/>
+                </a:solidFill>
                 <a:latin typeface="Courier New"/>
                 <a:cs typeface="Courier New"/>
               </a:rPr>
               <a:t>(</a:t>
             </a:r>
             <a:r>
-              <a:rPr lang="en-US" sz="1800" b="1" dirty="0" err="1">
-                <a:latin typeface="Courier New"/>
-                <a:cs typeface="Courier New"/>
-              </a:rPr>
-              <a:t>afwGeom.PointI</a:t>
-            </a:r>
-            <a:r>
-              <a:rPr lang="en-US" sz="1800" b="1" dirty="0">
-                <a:latin typeface="Courier New"/>
-                <a:cs typeface="Courier New"/>
-              </a:rPr>
-              <a:t>(x0, y0), </a:t>
-            </a:r>
-            <a:r>
-              <a:rPr lang="en-US" sz="1800" b="1" dirty="0" smtClean="0">
+              <a:rPr lang="en-US" b="1" dirty="0" err="1">
+                <a:solidFill>
+                  <a:srgbClr val="666666"/>
+                </a:solidFill>
+                <a:latin typeface="Courier New"/>
+                <a:cs typeface="Courier New"/>
+              </a:rPr>
+              <a:t>im.getBBox</a:t>
+            </a:r>
+            <a:r>
+              <a:rPr lang="en-US" b="1" dirty="0">
+                <a:solidFill>
+                  <a:srgbClr val="666666"/>
+                </a:solidFill>
+                <a:latin typeface="Courier New"/>
+                <a:cs typeface="Courier New"/>
+              </a:rPr>
+              <a:t>())</a:t>
+            </a:r>
+          </a:p>
+          <a:p>
+            <a:r>
+              <a:rPr lang="en-US" b="1" dirty="0" err="1">
+                <a:latin typeface="Courier New"/>
+                <a:cs typeface="Courier New"/>
+              </a:rPr>
+              <a:t>afwMath</a:t>
+            </a:r>
+            <a:r>
+              <a:rPr lang="en-US" b="1" dirty="0" err="1">
+                <a:solidFill>
+                  <a:srgbClr val="666666"/>
+                </a:solidFill>
+                <a:latin typeface="Courier New"/>
+                <a:cs typeface="Courier New"/>
+              </a:rPr>
+              <a:t>.randomPoissonImage</a:t>
+            </a:r>
+            <a:r>
+              <a:rPr lang="en-US" b="1" dirty="0">
+                <a:solidFill>
+                  <a:srgbClr val="666666"/>
+                </a:solidFill>
+                <a:latin typeface="Courier New"/>
+                <a:cs typeface="Courier New"/>
+              </a:rPr>
+              <a:t>(</a:t>
+            </a:r>
+            <a:r>
+              <a:rPr lang="en-US" b="1" dirty="0" err="1">
+                <a:solidFill>
+                  <a:srgbClr val="666666"/>
+                </a:solidFill>
+                <a:latin typeface="Courier New"/>
+                <a:cs typeface="Courier New"/>
+              </a:rPr>
+              <a:t>back_im</a:t>
+            </a:r>
+            <a:r>
+              <a:rPr lang="en-US" b="1" dirty="0">
+                <a:solidFill>
+                  <a:srgbClr val="666666"/>
+                </a:solidFill>
+                <a:latin typeface="Courier New"/>
+                <a:cs typeface="Courier New"/>
+              </a:rPr>
+              <a:t>, rand, 1000)</a:t>
+            </a:r>
+          </a:p>
+          <a:p>
+            <a:r>
+              <a:rPr lang="en-US" b="1" dirty="0" err="1">
+                <a:latin typeface="Courier New"/>
+                <a:cs typeface="Courier New"/>
+              </a:rPr>
+              <a:t>im</a:t>
+            </a:r>
+            <a:r>
+              <a:rPr lang="en-US" b="1" dirty="0">
                 <a:latin typeface="Courier New"/>
                 <a:cs typeface="Courier New"/>
               </a:rPr>
               <a:t> </a:t>
             </a:r>
-          </a:p>
-          <a:p>
-            <a:pPr marL="0" indent="0">
-              <a:buNone/>
-            </a:pPr>
-            <a:r>
-              <a:rPr lang="en-US" sz="1800" b="1" dirty="0">
-                <a:latin typeface="Courier New"/>
-                <a:cs typeface="Courier New"/>
-              </a:rPr>
-              <a:t> </a:t>
-            </a:r>
-            <a:r>
-              <a:rPr lang="en-US" sz="1800" b="1" dirty="0" smtClean="0">
-                <a:latin typeface="Courier New"/>
-                <a:cs typeface="Courier New"/>
-              </a:rPr>
-              <a:t>                      </a:t>
-            </a:r>
-            <a:r>
-              <a:rPr lang="en-US" sz="1800" b="1" dirty="0" err="1" smtClean="0">
-                <a:latin typeface="Courier New"/>
-                <a:cs typeface="Courier New"/>
-              </a:rPr>
-              <a:t>afwGeom.ExtentI</a:t>
-            </a:r>
-            <a:r>
-              <a:rPr lang="en-US" sz="1800" b="1" dirty="0">
-                <a:latin typeface="Courier New"/>
-                <a:cs typeface="Courier New"/>
-              </a:rPr>
-              <a:t>(</a:t>
-            </a:r>
-            <a:r>
-              <a:rPr lang="en-US" sz="1800" b="1" dirty="0" err="1">
-                <a:latin typeface="Courier New"/>
-                <a:cs typeface="Courier New"/>
-              </a:rPr>
-              <a:t>psf_size</a:t>
-            </a:r>
-            <a:r>
-              <a:rPr lang="en-US" sz="1800" b="1" dirty="0">
-                <a:latin typeface="Courier New"/>
-                <a:cs typeface="Courier New"/>
-              </a:rPr>
-              <a:t>, </a:t>
-            </a:r>
-            <a:r>
-              <a:rPr lang="en-US" sz="1800" b="1" dirty="0" err="1">
-                <a:latin typeface="Courier New"/>
-                <a:cs typeface="Courier New"/>
-              </a:rPr>
-              <a:t>psf_size</a:t>
-            </a:r>
-            <a:r>
-              <a:rPr lang="en-US" sz="1800" b="1" dirty="0">
-                <a:latin typeface="Courier New"/>
-                <a:cs typeface="Courier New"/>
-              </a:rPr>
-              <a:t>))</a:t>
-            </a:r>
-          </a:p>
-          <a:p>
-            <a:pPr marL="0" indent="0">
-              <a:buNone/>
-            </a:pPr>
-            <a:r>
-              <a:rPr lang="en-US" sz="1800" b="1" dirty="0">
-                <a:latin typeface="Courier New"/>
-                <a:cs typeface="Courier New"/>
-              </a:rPr>
-              <a:t>    </a:t>
-            </a:r>
-            <a:r>
-              <a:rPr lang="en-US" sz="1800" b="1" dirty="0" err="1">
-                <a:latin typeface="Courier New"/>
-                <a:cs typeface="Courier New"/>
-              </a:rPr>
-              <a:t>subim</a:t>
-            </a:r>
-            <a:r>
-              <a:rPr lang="en-US" sz="1800" b="1" dirty="0">
-                <a:latin typeface="Courier New"/>
-                <a:cs typeface="Courier New"/>
-              </a:rPr>
-              <a:t> = </a:t>
-            </a:r>
-            <a:r>
-              <a:rPr lang="en-US" sz="1800" b="1" dirty="0" err="1">
-                <a:latin typeface="Courier New"/>
-                <a:cs typeface="Courier New"/>
-              </a:rPr>
-              <a:t>afwImage.ImageF</a:t>
-            </a:r>
-            <a:r>
-              <a:rPr lang="en-US" sz="1800" b="1" dirty="0">
-                <a:latin typeface="Courier New"/>
-                <a:cs typeface="Courier New"/>
-              </a:rPr>
-              <a:t>(</a:t>
-            </a:r>
-            <a:r>
-              <a:rPr lang="en-US" sz="1800" b="1" dirty="0" err="1">
-                <a:latin typeface="Courier New"/>
-                <a:cs typeface="Courier New"/>
-              </a:rPr>
-              <a:t>im</a:t>
-            </a:r>
-            <a:r>
-              <a:rPr lang="en-US" sz="1800" b="1" dirty="0">
-                <a:latin typeface="Courier New"/>
-                <a:cs typeface="Courier New"/>
-              </a:rPr>
-              <a:t>, box, </a:t>
-            </a:r>
-            <a:r>
-              <a:rPr lang="en-US" sz="1800" b="1" dirty="0" err="1">
-                <a:latin typeface="Courier New"/>
-                <a:cs typeface="Courier New"/>
-              </a:rPr>
-              <a:t>afwImage.LOCAL</a:t>
-            </a:r>
-            <a:r>
-              <a:rPr lang="en-US" sz="1800" b="1" dirty="0">
-                <a:latin typeface="Courier New"/>
-                <a:cs typeface="Courier New"/>
-              </a:rPr>
-              <a:t>)</a:t>
-            </a:r>
-          </a:p>
-          <a:p>
-            <a:pPr marL="0" indent="0">
-              <a:buNone/>
-            </a:pPr>
-            <a:r>
-              <a:rPr lang="en-US" sz="1800" b="1" dirty="0">
-                <a:latin typeface="Courier New"/>
-                <a:cs typeface="Courier New"/>
-              </a:rPr>
-              <a:t>    try:</a:t>
-            </a:r>
-          </a:p>
-          <a:p>
-            <a:pPr marL="0" indent="0">
-              <a:buNone/>
-            </a:pPr>
-            <a:r>
-              <a:rPr lang="en-US" sz="1800" b="1" dirty="0">
-                <a:latin typeface="Courier New"/>
-                <a:cs typeface="Courier New"/>
-              </a:rPr>
-              <a:t>        </a:t>
-            </a:r>
-            <a:r>
-              <a:rPr lang="en-US" sz="1800" b="1" dirty="0" err="1">
-                <a:latin typeface="Courier New"/>
-                <a:cs typeface="Courier New"/>
-              </a:rPr>
-              <a:t>subim</a:t>
-            </a:r>
-            <a:r>
-              <a:rPr lang="en-US" sz="1800" b="1" dirty="0">
-                <a:latin typeface="Courier New"/>
-                <a:cs typeface="Courier New"/>
-              </a:rPr>
-              <a:t> += </a:t>
-            </a:r>
-            <a:r>
-              <a:rPr lang="en-US" sz="1800" b="1" dirty="0" err="1">
-                <a:latin typeface="Courier New"/>
-                <a:cs typeface="Courier New"/>
-              </a:rPr>
-              <a:t>psf_im</a:t>
-            </a:r>
-            <a:endParaRPr lang="en-US" sz="1800" b="1" dirty="0">
+            <a:r>
+              <a:rPr lang="en-US" b="1" dirty="0">
+                <a:solidFill>
+                  <a:srgbClr val="666666"/>
+                </a:solidFill>
+                <a:latin typeface="Courier New"/>
+                <a:cs typeface="Courier New"/>
+              </a:rPr>
+              <a:t>+= </a:t>
+            </a:r>
+            <a:r>
+              <a:rPr lang="en-US" b="1" dirty="0" err="1">
+                <a:solidFill>
+                  <a:srgbClr val="666666"/>
+                </a:solidFill>
+                <a:latin typeface="Courier New"/>
+                <a:cs typeface="Courier New"/>
+              </a:rPr>
+              <a:t>back_im</a:t>
+            </a:r>
+            <a:endParaRPr lang="en-US" b="1" dirty="0">
+              <a:solidFill>
+                <a:srgbClr val="666666"/>
+              </a:solidFill>
               <a:latin typeface="Courier New"/>
               <a:cs typeface="Courier New"/>
             </a:endParaRPr>
           </a:p>
           <a:p>
-            <a:pPr marL="0" indent="0">
-              <a:buNone/>
-            </a:pPr>
-            <a:r>
-              <a:rPr lang="en-US" sz="1800" b="1" dirty="0">
-                <a:latin typeface="Courier New"/>
-                <a:cs typeface="Courier New"/>
-              </a:rPr>
-              <a:t>    except </a:t>
-            </a:r>
-            <a:r>
-              <a:rPr lang="en-US" sz="1800" b="1" dirty="0" err="1">
-                <a:latin typeface="Courier New"/>
-                <a:cs typeface="Courier New"/>
-              </a:rPr>
-              <a:t>NotImplementedError</a:t>
-            </a:r>
-            <a:r>
-              <a:rPr lang="en-US" sz="1800" b="1" dirty="0">
-                <a:latin typeface="Courier New"/>
-                <a:cs typeface="Courier New"/>
-              </a:rPr>
-              <a:t>:</a:t>
-            </a:r>
-          </a:p>
-          <a:p>
-            <a:pPr marL="0" indent="0">
-              <a:buNone/>
-            </a:pPr>
-            <a:r>
-              <a:rPr lang="en-US" sz="1800" b="1" dirty="0" smtClean="0">
-                <a:latin typeface="Courier New"/>
-                <a:cs typeface="Courier New"/>
-              </a:rPr>
-              <a:t>        </a:t>
-            </a:r>
-            <a:r>
-              <a:rPr lang="en-US" sz="1800" b="1" dirty="0" err="1" smtClean="0">
-                <a:latin typeface="Courier New"/>
-                <a:cs typeface="Courier New"/>
-              </a:rPr>
-              <a:t>psf_im</a:t>
-            </a:r>
-            <a:r>
-              <a:rPr lang="en-US" sz="1800" b="1" dirty="0" smtClean="0">
-                <a:latin typeface="Courier New"/>
-                <a:cs typeface="Courier New"/>
-              </a:rPr>
-              <a:t> </a:t>
-            </a:r>
-            <a:r>
-              <a:rPr lang="en-US" sz="1800" b="1" dirty="0">
-                <a:latin typeface="Courier New"/>
-                <a:cs typeface="Courier New"/>
-              </a:rPr>
-              <a:t>= </a:t>
-            </a:r>
-            <a:r>
-              <a:rPr lang="en-US" sz="1800" b="1" dirty="0" err="1">
-                <a:latin typeface="Courier New"/>
-                <a:cs typeface="Courier New"/>
-              </a:rPr>
-              <a:t>psf_im.convertF</a:t>
-            </a:r>
-            <a:r>
-              <a:rPr lang="en-US" sz="1800" b="1" dirty="0">
+            <a:r>
+              <a:rPr lang="en-US" b="1" dirty="0" err="1">
+                <a:latin typeface="Courier New"/>
+                <a:cs typeface="Courier New"/>
+              </a:rPr>
+              <a:t>display</a:t>
+            </a:r>
+            <a:r>
+              <a:rPr lang="en-US" b="1" dirty="0" err="1">
+                <a:solidFill>
+                  <a:srgbClr val="666666"/>
+                </a:solidFill>
+                <a:latin typeface="Courier New"/>
+                <a:cs typeface="Courier New"/>
+              </a:rPr>
+              <a:t>.mtv</a:t>
+            </a:r>
+            <a:r>
+              <a:rPr lang="en-US" b="1" dirty="0">
+                <a:solidFill>
+                  <a:srgbClr val="666666"/>
+                </a:solidFill>
                 <a:latin typeface="Courier New"/>
                 <a:cs typeface="Courier New"/>
               </a:rPr>
               <a:t>(</a:t>
             </a:r>
             <a:r>
-              <a:rPr lang="en-US" sz="1800" b="1" dirty="0" smtClean="0">
+              <a:rPr lang="en-US" b="1" dirty="0" err="1">
+                <a:solidFill>
+                  <a:srgbClr val="666666"/>
+                </a:solidFill>
+                <a:latin typeface="Courier New"/>
+                <a:cs typeface="Courier New"/>
+              </a:rPr>
+              <a:t>im</a:t>
+            </a:r>
+            <a:r>
+              <a:rPr lang="en-US" b="1" dirty="0">
+                <a:solidFill>
+                  <a:srgbClr val="666666"/>
+                </a:solidFill>
                 <a:latin typeface="Courier New"/>
                 <a:cs typeface="Courier New"/>
               </a:rPr>
@@ -4603,55 +5239,194 @@
             </a:r>
           </a:p>
           <a:p>
-            <a:pPr marL="0" indent="0">
-              <a:buNone/>
-            </a:pPr>
-            <a:r>
-              <a:rPr lang="en-US" sz="1800" b="1" dirty="0">
-                <a:latin typeface="Courier New"/>
-                <a:cs typeface="Courier New"/>
-              </a:rPr>
-              <a:t> </a:t>
-            </a:r>
-            <a:r>
-              <a:rPr lang="en-US" sz="1800" b="1" dirty="0" smtClean="0">
-                <a:latin typeface="Courier New"/>
-                <a:cs typeface="Courier New"/>
-              </a:rPr>
-              <a:t>       </a:t>
-            </a:r>
-            <a:r>
-              <a:rPr lang="en-US" sz="1800" b="1" dirty="0" err="1" smtClean="0">
-                <a:latin typeface="Courier New"/>
-                <a:cs typeface="Courier New"/>
-              </a:rPr>
-              <a:t>subim</a:t>
-            </a:r>
-            <a:r>
-              <a:rPr lang="en-US" sz="1800" b="1" dirty="0" smtClean="0">
-                <a:latin typeface="Courier New"/>
-                <a:cs typeface="Courier New"/>
-              </a:rPr>
-              <a:t> += </a:t>
-            </a:r>
-            <a:r>
-              <a:rPr lang="en-US" sz="1800" b="1" dirty="0" err="1" smtClean="0">
-                <a:latin typeface="Courier New"/>
-                <a:cs typeface="Courier New"/>
-              </a:rPr>
-              <a:t>psf_im</a:t>
-            </a:r>
-            <a:endParaRPr lang="en-US" sz="1800" b="1" dirty="0">
+            <a:r>
+              <a:rPr lang="en-US" b="1" dirty="0" err="1">
+                <a:latin typeface="Courier New"/>
+                <a:cs typeface="Courier New"/>
+              </a:rPr>
+              <a:t>display</a:t>
+            </a:r>
+            <a:r>
+              <a:rPr lang="en-US" b="1" dirty="0" err="1">
+                <a:solidFill>
+                  <a:srgbClr val="666666"/>
+                </a:solidFill>
+                <a:latin typeface="Courier New"/>
+                <a:cs typeface="Courier New"/>
+              </a:rPr>
+              <a:t>.incrDefaultFrame</a:t>
+            </a:r>
+            <a:r>
+              <a:rPr lang="en-US" b="1" dirty="0">
+                <a:solidFill>
+                  <a:srgbClr val="666666"/>
+                </a:solidFill>
+                <a:latin typeface="Courier New"/>
+                <a:cs typeface="Courier New"/>
+              </a:rPr>
+              <a:t>()</a:t>
+            </a:r>
+          </a:p>
+          <a:p>
+            <a:endParaRPr lang="en-US" b="1" dirty="0">
               <a:latin typeface="Courier New"/>
               <a:cs typeface="Courier New"/>
             </a:endParaRPr>
+          </a:p>
+          <a:p>
+            <a:r>
+              <a:rPr lang="en-US" b="1" dirty="0">
+                <a:latin typeface="Courier New"/>
+                <a:cs typeface="Courier New"/>
+              </a:rPr>
+              <a:t>mask </a:t>
+            </a:r>
+            <a:r>
+              <a:rPr lang="en-US" b="1" dirty="0">
+                <a:solidFill>
+                  <a:srgbClr val="666666"/>
+                </a:solidFill>
+                <a:latin typeface="Courier New"/>
+                <a:cs typeface="Courier New"/>
+              </a:rPr>
+              <a:t>= </a:t>
+            </a:r>
+            <a:r>
+              <a:rPr lang="en-US" b="1" dirty="0" err="1">
+                <a:solidFill>
+                  <a:srgbClr val="666666"/>
+                </a:solidFill>
+                <a:latin typeface="Courier New"/>
+                <a:cs typeface="Courier New"/>
+              </a:rPr>
+              <a:t>afwImage.MaskU</a:t>
+            </a:r>
+            <a:r>
+              <a:rPr lang="en-US" b="1" dirty="0">
+                <a:solidFill>
+                  <a:srgbClr val="666666"/>
+                </a:solidFill>
+                <a:latin typeface="Courier New"/>
+                <a:cs typeface="Courier New"/>
+              </a:rPr>
+              <a:t>(</a:t>
+            </a:r>
+            <a:r>
+              <a:rPr lang="en-US" b="1" dirty="0" err="1">
+                <a:solidFill>
+                  <a:srgbClr val="666666"/>
+                </a:solidFill>
+                <a:latin typeface="Courier New"/>
+                <a:cs typeface="Courier New"/>
+              </a:rPr>
+              <a:t>im.getBBox</a:t>
+            </a:r>
+            <a:r>
+              <a:rPr lang="en-US" b="1" dirty="0">
+                <a:solidFill>
+                  <a:srgbClr val="666666"/>
+                </a:solidFill>
+                <a:latin typeface="Courier New"/>
+                <a:cs typeface="Courier New"/>
+              </a:rPr>
+              <a:t>())</a:t>
+            </a:r>
+          </a:p>
+          <a:p>
+            <a:r>
+              <a:rPr lang="en-US" b="1" dirty="0" err="1">
+                <a:latin typeface="Courier New"/>
+                <a:cs typeface="Courier New"/>
+              </a:rPr>
+              <a:t>masked_im</a:t>
+            </a:r>
+            <a:r>
+              <a:rPr lang="en-US" b="1" dirty="0">
+                <a:latin typeface="Courier New"/>
+                <a:cs typeface="Courier New"/>
+              </a:rPr>
+              <a:t> </a:t>
+            </a:r>
+            <a:r>
+              <a:rPr lang="en-US" b="1" dirty="0">
+                <a:solidFill>
+                  <a:srgbClr val="666666"/>
+                </a:solidFill>
+                <a:latin typeface="Courier New"/>
+                <a:cs typeface="Courier New"/>
+              </a:rPr>
+              <a:t>= </a:t>
+            </a:r>
+            <a:r>
+              <a:rPr lang="en-US" b="1" dirty="0" err="1">
+                <a:solidFill>
+                  <a:srgbClr val="666666"/>
+                </a:solidFill>
+                <a:latin typeface="Courier New"/>
+                <a:cs typeface="Courier New"/>
+              </a:rPr>
+              <a:t>afwImage.MaskedImageF</a:t>
+            </a:r>
+            <a:r>
+              <a:rPr lang="en-US" b="1" dirty="0">
+                <a:solidFill>
+                  <a:srgbClr val="666666"/>
+                </a:solidFill>
+                <a:latin typeface="Courier New"/>
+                <a:cs typeface="Courier New"/>
+              </a:rPr>
+              <a:t>(</a:t>
+            </a:r>
+            <a:r>
+              <a:rPr lang="en-US" b="1" dirty="0" err="1">
+                <a:solidFill>
+                  <a:srgbClr val="666666"/>
+                </a:solidFill>
+                <a:latin typeface="Courier New"/>
+                <a:cs typeface="Courier New"/>
+              </a:rPr>
+              <a:t>im</a:t>
+            </a:r>
+            <a:r>
+              <a:rPr lang="en-US" b="1" dirty="0">
+                <a:solidFill>
+                  <a:srgbClr val="666666"/>
+                </a:solidFill>
+                <a:latin typeface="Courier New"/>
+                <a:cs typeface="Courier New"/>
+              </a:rPr>
+              <a:t>, mask, </a:t>
+            </a:r>
+            <a:r>
+              <a:rPr lang="en-US" b="1" dirty="0" err="1">
+                <a:solidFill>
+                  <a:srgbClr val="666666"/>
+                </a:solidFill>
+                <a:latin typeface="Courier New"/>
+                <a:cs typeface="Courier New"/>
+              </a:rPr>
+              <a:t>im</a:t>
+            </a:r>
+            <a:r>
+              <a:rPr lang="en-US" b="1" dirty="0">
+                <a:solidFill>
+                  <a:srgbClr val="666666"/>
+                </a:solidFill>
+                <a:latin typeface="Courier New"/>
+                <a:cs typeface="Courier New"/>
+              </a:rPr>
+              <a:t>)</a:t>
+            </a:r>
+          </a:p>
+          <a:p>
+            <a:endParaRPr lang="en-US" dirty="0"/>
           </a:p>
         </p:txBody>
       </p:sp>
     </p:spTree>
     <p:extLst>
       <p:ext uri="{BB962C8B-B14F-4D97-AF65-F5344CB8AC3E}">
-        <p14:creationId xmlns:p14="http://schemas.microsoft.com/office/powerpoint/2010/main" val="786039676"/>
+        <p14:creationId xmlns:p14="http://schemas.microsoft.com/office/powerpoint/2010/main" val="1047571675"/>
       </p:ext>
     </p:extLst>
   </p:cSld>
@@ -4693,333 +5468,38 @@
           <a:bodyPr/>
           <a:lstStyle/>
           <a:p>
-            <a:r>
-              <a:rPr lang="en-US" dirty="0" smtClean="0"/>
-              <a:t>Let’s take a look at </a:t>
-            </a:r>
-            <a:r>
-              <a:rPr lang="en-US" dirty="0" err="1" smtClean="0"/>
-              <a:t>afw</a:t>
-            </a:r>
-            <a:endParaRPr lang="en-US" dirty="0"/>
+            <a:endParaRPr lang="en-US"/>
           </a:p>
         </p:txBody>
       </p:sp>
-      <p:sp>
-        <p:nvSpPr>
-          <p:cNvPr id="3" name="Text Placeholder 2"/>
-          <p:cNvSpPr>
-            <a:spLocks noGrp="1"/>
-          </p:cNvSpPr>
-          <p:nvPr>
-            <p:ph type="body" idx="1"/>
-          </p:nvPr>
-        </p:nvSpPr>
-        <p:spPr/>
-        <p:txBody>
-          <a:bodyPr/>
-          <a:lstStyle/>
-          <a:p>
-            <a:pPr marL="0" indent="0">
-              <a:buNone/>
-            </a:pPr>
-            <a:r>
-              <a:rPr lang="en-US" dirty="0" smtClean="0"/>
-              <a:t>We now have an image populated with Gaussian blobs.  Let’s add some background noise, and turn this into a proper </a:t>
-            </a:r>
-            <a:r>
-              <a:rPr lang="en-US" dirty="0" err="1" smtClean="0"/>
-              <a:t>MaskedImage</a:t>
-            </a:r>
-            <a:endParaRPr lang="en-US" dirty="0" smtClean="0"/>
-          </a:p>
-          <a:p>
-            <a:pPr marL="0" indent="0">
-              <a:buNone/>
-            </a:pPr>
-            <a:endParaRPr lang="en-US" sz="1800" b="1" dirty="0">
-              <a:latin typeface="Courier New"/>
-              <a:cs typeface="Courier New"/>
-            </a:endParaRPr>
-          </a:p>
-          <a:p>
-            <a:pPr marL="0" indent="0">
-              <a:buNone/>
-            </a:pPr>
-            <a:r>
-              <a:rPr lang="en-US" sz="1800" b="1" dirty="0" err="1">
-                <a:latin typeface="Courier New"/>
-                <a:cs typeface="Courier New"/>
-              </a:rPr>
-              <a:t>back_im</a:t>
-            </a:r>
-            <a:r>
-              <a:rPr lang="en-US" sz="1800" b="1" dirty="0">
-                <a:latin typeface="Courier New"/>
-                <a:cs typeface="Courier New"/>
-              </a:rPr>
-              <a:t> = </a:t>
-            </a:r>
-            <a:r>
-              <a:rPr lang="en-US" sz="1800" b="1" dirty="0" err="1">
-                <a:latin typeface="Courier New"/>
-                <a:cs typeface="Courier New"/>
-              </a:rPr>
-              <a:t>afwImage.ImageF</a:t>
-            </a:r>
-            <a:r>
-              <a:rPr lang="en-US" sz="1800" b="1" dirty="0">
-                <a:latin typeface="Courier New"/>
-                <a:cs typeface="Courier New"/>
-              </a:rPr>
-              <a:t>(</a:t>
-            </a:r>
-            <a:r>
-              <a:rPr lang="en-US" sz="1800" b="1" dirty="0" err="1">
-                <a:latin typeface="Courier New"/>
-                <a:cs typeface="Courier New"/>
-              </a:rPr>
-              <a:t>im.getBBox</a:t>
-            </a:r>
-            <a:r>
-              <a:rPr lang="en-US" sz="1800" b="1" dirty="0">
-                <a:latin typeface="Courier New"/>
-                <a:cs typeface="Courier New"/>
-              </a:rPr>
-              <a:t>())</a:t>
-            </a:r>
-          </a:p>
-          <a:p>
-            <a:pPr marL="0" indent="0">
-              <a:buNone/>
-            </a:pPr>
-            <a:r>
-              <a:rPr lang="en-US" sz="1800" b="1" dirty="0" err="1">
-                <a:latin typeface="Courier New"/>
-                <a:cs typeface="Courier New"/>
-              </a:rPr>
-              <a:t>afwMath.randomPoissonImage</a:t>
-            </a:r>
-            <a:r>
-              <a:rPr lang="en-US" sz="1800" b="1" dirty="0">
-                <a:latin typeface="Courier New"/>
-                <a:cs typeface="Courier New"/>
-              </a:rPr>
-              <a:t>(</a:t>
-            </a:r>
-            <a:r>
-              <a:rPr lang="en-US" sz="1800" b="1" dirty="0" err="1">
-                <a:latin typeface="Courier New"/>
-                <a:cs typeface="Courier New"/>
-              </a:rPr>
-              <a:t>back_im</a:t>
-            </a:r>
-            <a:r>
-              <a:rPr lang="en-US" sz="1800" b="1" dirty="0">
-                <a:latin typeface="Courier New"/>
-                <a:cs typeface="Courier New"/>
-              </a:rPr>
-              <a:t>, rand, 1000)</a:t>
-            </a:r>
-          </a:p>
-          <a:p>
-            <a:pPr marL="0" indent="0">
-              <a:buNone/>
-            </a:pPr>
-            <a:r>
-              <a:rPr lang="en-US" sz="1800" b="1" dirty="0" err="1">
-                <a:latin typeface="Courier New"/>
-                <a:cs typeface="Courier New"/>
-              </a:rPr>
-              <a:t>im</a:t>
-            </a:r>
-            <a:r>
-              <a:rPr lang="en-US" sz="1800" b="1" dirty="0">
-                <a:latin typeface="Courier New"/>
-                <a:cs typeface="Courier New"/>
-              </a:rPr>
-              <a:t> += </a:t>
-            </a:r>
-            <a:r>
-              <a:rPr lang="en-US" sz="1800" b="1" dirty="0" err="1">
-                <a:latin typeface="Courier New"/>
-                <a:cs typeface="Courier New"/>
-              </a:rPr>
-              <a:t>back_im</a:t>
-            </a:r>
-            <a:endParaRPr lang="en-US" sz="1800" b="1" dirty="0">
-              <a:latin typeface="Courier New"/>
-              <a:cs typeface="Courier New"/>
-            </a:endParaRPr>
-          </a:p>
-          <a:p>
-            <a:pPr marL="0" indent="0">
-              <a:buNone/>
-            </a:pPr>
-            <a:r>
-              <a:rPr lang="en-US" sz="1800" b="1" dirty="0" err="1">
-                <a:latin typeface="Courier New"/>
-                <a:cs typeface="Courier New"/>
-              </a:rPr>
-              <a:t>display.mtv</a:t>
-            </a:r>
-            <a:r>
-              <a:rPr lang="en-US" sz="1800" b="1" dirty="0">
-                <a:latin typeface="Courier New"/>
-                <a:cs typeface="Courier New"/>
-              </a:rPr>
-              <a:t>(</a:t>
-            </a:r>
-            <a:r>
-              <a:rPr lang="en-US" sz="1800" b="1" dirty="0" err="1">
-                <a:latin typeface="Courier New"/>
-                <a:cs typeface="Courier New"/>
-              </a:rPr>
-              <a:t>im</a:t>
-            </a:r>
-            <a:r>
-              <a:rPr lang="en-US" sz="1800" b="1" dirty="0">
-                <a:latin typeface="Courier New"/>
-                <a:cs typeface="Courier New"/>
-              </a:rPr>
-              <a:t>)</a:t>
-            </a:r>
-          </a:p>
-          <a:p>
-            <a:pPr marL="0" indent="0">
-              <a:buNone/>
-            </a:pPr>
-            <a:r>
-              <a:rPr lang="en-US" sz="1800" b="1" dirty="0" err="1">
-                <a:latin typeface="Courier New"/>
-                <a:cs typeface="Courier New"/>
-              </a:rPr>
-              <a:t>display.incrDefaultFrame</a:t>
-            </a:r>
-            <a:r>
-              <a:rPr lang="en-US" sz="1800" b="1" dirty="0">
-                <a:latin typeface="Courier New"/>
-                <a:cs typeface="Courier New"/>
-              </a:rPr>
-              <a:t>()</a:t>
-            </a:r>
-          </a:p>
-          <a:p>
-            <a:pPr marL="0" indent="0">
-              <a:buNone/>
-            </a:pPr>
-            <a:endParaRPr lang="en-US" sz="1800" b="1" dirty="0">
-              <a:latin typeface="Courier New"/>
-              <a:cs typeface="Courier New"/>
-            </a:endParaRPr>
-          </a:p>
-          <a:p>
-            <a:pPr marL="0" indent="0">
-              <a:buNone/>
-            </a:pPr>
-            <a:r>
-              <a:rPr lang="en-US" sz="1800" b="1" dirty="0">
-                <a:latin typeface="Courier New"/>
-                <a:cs typeface="Courier New"/>
-              </a:rPr>
-              <a:t>mask = </a:t>
-            </a:r>
-            <a:r>
-              <a:rPr lang="en-US" sz="1800" b="1" dirty="0" err="1">
-                <a:latin typeface="Courier New"/>
-                <a:cs typeface="Courier New"/>
-              </a:rPr>
-              <a:t>afwImage.MaskU</a:t>
-            </a:r>
-            <a:r>
-              <a:rPr lang="en-US" sz="1800" b="1" dirty="0">
-                <a:latin typeface="Courier New"/>
-                <a:cs typeface="Courier New"/>
-              </a:rPr>
-              <a:t>(</a:t>
-            </a:r>
-            <a:r>
-              <a:rPr lang="en-US" sz="1800" b="1" dirty="0" err="1">
-                <a:latin typeface="Courier New"/>
-                <a:cs typeface="Courier New"/>
-              </a:rPr>
-              <a:t>im.getBBox</a:t>
-            </a:r>
-            <a:r>
-              <a:rPr lang="en-US" sz="1800" b="1" dirty="0">
-                <a:latin typeface="Courier New"/>
-                <a:cs typeface="Courier New"/>
-              </a:rPr>
-              <a:t>())</a:t>
-            </a:r>
-          </a:p>
-          <a:p>
-            <a:pPr marL="0" indent="0">
-              <a:buNone/>
-            </a:pPr>
-            <a:r>
-              <a:rPr lang="en-US" sz="1800" b="1" dirty="0" err="1">
-                <a:latin typeface="Courier New"/>
-                <a:cs typeface="Courier New"/>
-              </a:rPr>
-              <a:t>masked_im</a:t>
-            </a:r>
-            <a:r>
-              <a:rPr lang="en-US" sz="1800" b="1" dirty="0">
-                <a:latin typeface="Courier New"/>
-                <a:cs typeface="Courier New"/>
-              </a:rPr>
-              <a:t> = </a:t>
-            </a:r>
-            <a:r>
-              <a:rPr lang="en-US" sz="1800" b="1" dirty="0" err="1">
-                <a:latin typeface="Courier New"/>
-                <a:cs typeface="Courier New"/>
-              </a:rPr>
-              <a:t>afwImage.MaskedImageF</a:t>
-            </a:r>
-            <a:r>
-              <a:rPr lang="en-US" sz="1800" b="1" dirty="0">
-                <a:latin typeface="Courier New"/>
-                <a:cs typeface="Courier New"/>
-              </a:rPr>
-              <a:t>(</a:t>
-            </a:r>
-            <a:r>
-              <a:rPr lang="en-US" sz="1800" b="1" dirty="0" err="1">
-                <a:latin typeface="Courier New"/>
-                <a:cs typeface="Courier New"/>
-              </a:rPr>
-              <a:t>im</a:t>
-            </a:r>
-            <a:r>
-              <a:rPr lang="en-US" sz="1800" b="1" dirty="0">
-                <a:latin typeface="Courier New"/>
-                <a:cs typeface="Courier New"/>
-              </a:rPr>
-              <a:t>, mask, </a:t>
-            </a:r>
-            <a:r>
-              <a:rPr lang="en-US" sz="1800" b="1" dirty="0" err="1">
-                <a:latin typeface="Courier New"/>
-                <a:cs typeface="Courier New"/>
-              </a:rPr>
-              <a:t>im</a:t>
-            </a:r>
-            <a:r>
-              <a:rPr lang="en-US" sz="1800" b="1" dirty="0">
-                <a:latin typeface="Courier New"/>
-                <a:cs typeface="Courier New"/>
-              </a:rPr>
-              <a:t>)</a:t>
-            </a:r>
-          </a:p>
-        </p:txBody>
-      </p:sp>
+      <p:pic>
+        <p:nvPicPr>
+          <p:cNvPr id="4" name="Picture 3"/>
+          <p:cNvPicPr>
+            <a:picLocks noChangeAspect="1"/>
+          </p:cNvPicPr>
+          <p:nvPr/>
+        </p:nvPicPr>
+        <p:blipFill>
+          <a:blip r:embed="rId2"/>
+          <a:stretch>
+            <a:fillRect/>
+          </a:stretch>
+        </p:blipFill>
+        <p:spPr>
+          <a:xfrm>
+            <a:off x="1371600" y="825500"/>
+            <a:ext cx="6388100" cy="5422900"/>
+          </a:xfrm>
+          <a:prstGeom prst="rect">
+            <a:avLst/>
+          </a:prstGeom>
+        </p:spPr>
+      </p:pic>
     </p:spTree>
     <p:extLst>
       <p:ext uri="{BB962C8B-B14F-4D97-AF65-F5344CB8AC3E}">
-        <p14:creationId xmlns:p14="http://schemas.microsoft.com/office/powerpoint/2010/main" val="1047571675"/>
+        <p14:creationId xmlns:p14="http://schemas.microsoft.com/office/powerpoint/2010/main" val="1325923383"/>
       </p:ext>
     </p:extLst>
   </p:cSld>
@@ -5105,40 +5585,92 @@
               <a:cs typeface="Courier New"/>
             </a:endParaRPr>
           </a:p>
-          <a:p>
-            <a:pPr marL="0" indent="0">
-              <a:buNone/>
-            </a:pPr>
-            <a:r>
-              <a:rPr lang="en-US" sz="1800" b="1" dirty="0">
-                <a:latin typeface="Courier New"/>
-                <a:cs typeface="Courier New"/>
-              </a:rPr>
-              <a:t>threshold = </a:t>
-            </a:r>
-            <a:r>
-              <a:rPr lang="en-US" sz="1800" b="1" dirty="0" err="1">
+        </p:txBody>
+      </p:sp>
+      <p:sp>
+        <p:nvSpPr>
+          <p:cNvPr id="4" name="TextBox 3"/>
+          <p:cNvSpPr txBox="1"/>
+          <p:nvPr/>
+        </p:nvSpPr>
+        <p:spPr>
+          <a:xfrm>
+            <a:off x="304800" y="2514600"/>
+            <a:ext cx="7110765" cy="1754327"/>
+          </a:xfrm>
+          <a:prstGeom prst="rect">
+            <a:avLst/>
+          </a:prstGeom>
+          <a:noFill/>
+        </p:spPr>
+        <p:txBody>
+          <a:bodyPr wrap="none" rtlCol="0">
+            <a:spAutoFit/>
+          </a:bodyPr>
+          <a:lstStyle/>
+          <a:p>
+            <a:r>
+              <a:rPr lang="en-US" b="1" dirty="0">
+                <a:latin typeface="Courier New"/>
+                <a:cs typeface="Courier New"/>
+              </a:rPr>
+              <a:t>threshold </a:t>
+            </a:r>
+            <a:r>
+              <a:rPr lang="en-US" b="1" dirty="0">
+                <a:solidFill>
+                  <a:srgbClr val="666666"/>
+                </a:solidFill>
+                <a:latin typeface="Courier New"/>
+                <a:cs typeface="Courier New"/>
+              </a:rPr>
+              <a:t>= </a:t>
+            </a:r>
+            <a:r>
+              <a:rPr lang="en-US" b="1" dirty="0" err="1">
+                <a:solidFill>
+                  <a:srgbClr val="666666"/>
+                </a:solidFill>
                 <a:latin typeface="Courier New"/>
                 <a:cs typeface="Courier New"/>
               </a:rPr>
               <a:t>afwDetect.createThreshold</a:t>
             </a:r>
             <a:r>
-              <a:rPr lang="en-US" sz="1800" b="1" dirty="0">
-                <a:latin typeface="Courier New"/>
-                <a:cs typeface="Courier New"/>
-              </a:rPr>
-              <a:t>(5., '</a:t>
-            </a:r>
-            <a:r>
-              <a:rPr lang="en-US" sz="1800" b="1" dirty="0" err="1">
+              <a:rPr lang="en-US" b="1" dirty="0">
+                <a:solidFill>
+                  <a:srgbClr val="666666"/>
+                </a:solidFill>
+                <a:latin typeface="Courier New"/>
+                <a:cs typeface="Courier New"/>
+              </a:rPr>
+              <a:t>(5., </a:t>
+            </a:r>
+            <a:r>
+              <a:rPr lang="en-US" b="1" dirty="0">
+                <a:solidFill>
+                  <a:srgbClr val="BA2121"/>
+                </a:solidFill>
+                <a:latin typeface="Courier New"/>
+                <a:cs typeface="Courier New"/>
+              </a:rPr>
+              <a:t>'</a:t>
+            </a:r>
+            <a:r>
+              <a:rPr lang="en-US" b="1" dirty="0" err="1">
+                <a:solidFill>
+                  <a:srgbClr val="BA2121"/>
+                </a:solidFill>
                 <a:latin typeface="Courier New"/>
                 <a:cs typeface="Courier New"/>
               </a:rPr>
               <a:t>stdev</a:t>
             </a:r>
             <a:r>
-              <a:rPr lang="en-US" sz="1800" b="1" dirty="0">
+              <a:rPr lang="en-US" b="1" dirty="0">
+                <a:solidFill>
+                  <a:srgbClr val="BA2121"/>
+                </a:solidFill>
                 <a:latin typeface="Courier New"/>
                 <a:cs typeface="Courier New"/>
               </a:rPr>
@@ -5146,109 +5678,133 @@
             </a:r>
           </a:p>
           <a:p>
-            <a:pPr marL="0" indent="0">
-              <a:buNone/>
-            </a:pPr>
-            <a:r>
-              <a:rPr lang="en-US" sz="1800" b="1" dirty="0" err="1">
+            <a:r>
+              <a:rPr lang="en-US" b="1" dirty="0" err="1">
                 <a:latin typeface="Courier New"/>
                 <a:cs typeface="Courier New"/>
               </a:rPr>
               <a:t>fs</a:t>
             </a:r>
             <a:r>
-              <a:rPr lang="en-US" sz="1800" b="1" dirty="0">
-                <a:latin typeface="Courier New"/>
-                <a:cs typeface="Courier New"/>
-              </a:rPr>
-              <a:t> = </a:t>
-            </a:r>
-            <a:r>
-              <a:rPr lang="en-US" sz="1800" b="1" dirty="0" err="1">
+              <a:rPr lang="en-US" b="1" dirty="0">
+                <a:latin typeface="Courier New"/>
+                <a:cs typeface="Courier New"/>
+              </a:rPr>
+              <a:t> </a:t>
+            </a:r>
+            <a:r>
+              <a:rPr lang="en-US" b="1" dirty="0">
+                <a:solidFill>
+                  <a:srgbClr val="666666"/>
+                </a:solidFill>
+                <a:latin typeface="Courier New"/>
+                <a:cs typeface="Courier New"/>
+              </a:rPr>
+              <a:t>= </a:t>
+            </a:r>
+            <a:r>
+              <a:rPr lang="en-US" b="1" dirty="0" err="1">
+                <a:solidFill>
+                  <a:srgbClr val="666666"/>
+                </a:solidFill>
                 <a:latin typeface="Courier New"/>
                 <a:cs typeface="Courier New"/>
               </a:rPr>
               <a:t>afwDetect.FootprintSet</a:t>
             </a:r>
             <a:r>
-              <a:rPr lang="en-US" sz="1800" b="1" dirty="0">
+              <a:rPr lang="en-US" b="1" dirty="0">
+                <a:solidFill>
+                  <a:srgbClr val="666666"/>
+                </a:solidFill>
                 <a:latin typeface="Courier New"/>
                 <a:cs typeface="Courier New"/>
               </a:rPr>
               <a:t>(</a:t>
             </a:r>
             <a:r>
-              <a:rPr lang="en-US" sz="1800" b="1" dirty="0" err="1">
+              <a:rPr lang="en-US" b="1" dirty="0" err="1">
+                <a:solidFill>
+                  <a:srgbClr val="666666"/>
+                </a:solidFill>
                 <a:latin typeface="Courier New"/>
                 <a:cs typeface="Courier New"/>
               </a:rPr>
               <a:t>masked_im</a:t>
             </a:r>
             <a:r>
-              <a:rPr lang="en-US" sz="1800" b="1" dirty="0">
+              <a:rPr lang="en-US" b="1" dirty="0">
+                <a:solidFill>
+                  <a:srgbClr val="666666"/>
+                </a:solidFill>
                 <a:latin typeface="Courier New"/>
                 <a:cs typeface="Courier New"/>
               </a:rPr>
               <a:t>, threshold, </a:t>
             </a:r>
-            <a:endParaRPr lang="en-US" sz="1800" b="1" dirty="0" smtClean="0">
-              <a:latin typeface="Courier New"/>
-              <a:cs typeface="Courier New"/>
-            </a:endParaRPr>
-          </a:p>
-          <a:p>
-            <a:pPr marL="0" indent="0">
-              <a:buNone/>
-            </a:pPr>
-            <a:r>
-              <a:rPr lang="en-US" sz="1800" b="1" dirty="0">
-                <a:latin typeface="Courier New"/>
-                <a:cs typeface="Courier New"/>
-              </a:rPr>
-              <a:t> </a:t>
-            </a:r>
-            <a:r>
-              <a:rPr lang="en-US" sz="1800" b="1" dirty="0" smtClean="0">
-                <a:latin typeface="Courier New"/>
-                <a:cs typeface="Courier New"/>
-              </a:rPr>
-              <a:t>                           '</a:t>
-            </a:r>
-            <a:r>
-              <a:rPr lang="en-US" sz="1800" b="1" dirty="0">
-                <a:latin typeface="Courier New"/>
-                <a:cs typeface="Courier New"/>
-              </a:rPr>
-              <a:t>DETECTED')</a:t>
-            </a:r>
-          </a:p>
-          <a:p>
-            <a:pPr marL="0" indent="0">
-              <a:buNone/>
-            </a:pPr>
-            <a:r>
-              <a:rPr lang="en-US" sz="1800" b="1" dirty="0" err="1">
-                <a:latin typeface="Courier New"/>
-                <a:cs typeface="Courier New"/>
-              </a:rPr>
-              <a:t>display.mtv</a:t>
-            </a:r>
-            <a:r>
-              <a:rPr lang="en-US" sz="1800" b="1" dirty="0">
+          </a:p>
+          <a:p>
+            <a:r>
+              <a:rPr lang="fr-FR" b="1" dirty="0">
+                <a:latin typeface="Courier New"/>
+                <a:cs typeface="Courier New"/>
+              </a:rPr>
+              <a:t>                            </a:t>
+            </a:r>
+            <a:r>
+              <a:rPr lang="fr-FR" b="1" dirty="0">
+                <a:solidFill>
+                  <a:srgbClr val="BA2121"/>
+                </a:solidFill>
+                <a:latin typeface="Courier New"/>
+                <a:cs typeface="Courier New"/>
+              </a:rPr>
+              <a:t>'DETECTED')</a:t>
+            </a:r>
+          </a:p>
+          <a:p>
+            <a:r>
+              <a:rPr lang="fr-FR" b="1" dirty="0" err="1">
+                <a:latin typeface="Courier New"/>
+                <a:cs typeface="Courier New"/>
+              </a:rPr>
+              <a:t>display</a:t>
+            </a:r>
+            <a:r>
+              <a:rPr lang="fr-FR" b="1" dirty="0" err="1">
+                <a:solidFill>
+                  <a:srgbClr val="666666"/>
+                </a:solidFill>
+                <a:latin typeface="Courier New"/>
+                <a:cs typeface="Courier New"/>
+              </a:rPr>
+              <a:t>.mtv</a:t>
+            </a:r>
+            <a:r>
+              <a:rPr lang="fr-FR" b="1" dirty="0">
+                <a:solidFill>
+                  <a:srgbClr val="666666"/>
+                </a:solidFill>
                 <a:latin typeface="Courier New"/>
                 <a:cs typeface="Courier New"/>
               </a:rPr>
               <a:t>(</a:t>
             </a:r>
             <a:r>
-              <a:rPr lang="en-US" sz="1800" b="1" dirty="0" err="1">
+              <a:rPr lang="fr-FR" b="1" dirty="0" err="1">
+                <a:solidFill>
+                  <a:srgbClr val="666666"/>
+                </a:solidFill>
                 <a:latin typeface="Courier New"/>
                 <a:cs typeface="Courier New"/>
               </a:rPr>
               <a:t>masked_im</a:t>
             </a:r>
             <a:r>
-              <a:rPr lang="en-US" sz="1800" b="1" dirty="0">
+              <a:rPr lang="fr-FR" b="1" dirty="0">
+                <a:solidFill>
+                  <a:srgbClr val="666666"/>
+                </a:solidFill>
                 <a:latin typeface="Courier New"/>
                 <a:cs typeface="Courier New"/>
               </a:rPr>
@@ -5256,23 +5812,36 @@
             </a:r>
           </a:p>
           <a:p>
-            <a:pPr marL="0" indent="0">
-              <a:buNone/>
-            </a:pPr>
-            <a:r>
-              <a:rPr lang="en-US" sz="1800" b="1" dirty="0" err="1">
-                <a:latin typeface="Courier New"/>
-                <a:cs typeface="Courier New"/>
-              </a:rPr>
-              <a:t>display.incrDefaultFrame</a:t>
-            </a:r>
-            <a:r>
-              <a:rPr lang="en-US" sz="1800" b="1" dirty="0">
+            <a:r>
+              <a:rPr lang="fr-FR" b="1" dirty="0" err="1">
+                <a:latin typeface="Courier New"/>
+                <a:cs typeface="Courier New"/>
+              </a:rPr>
+              <a:t>display</a:t>
+            </a:r>
+            <a:r>
+              <a:rPr lang="fr-FR" b="1" dirty="0" err="1">
+                <a:solidFill>
+                  <a:srgbClr val="666666"/>
+                </a:solidFill>
+                <a:latin typeface="Courier New"/>
+                <a:cs typeface="Courier New"/>
+              </a:rPr>
+              <a:t>.incrDefaultFrame</a:t>
+            </a:r>
+            <a:r>
+              <a:rPr lang="fr-FR" b="1" dirty="0">
+                <a:solidFill>
+                  <a:srgbClr val="666666"/>
+                </a:solidFill>
                 <a:latin typeface="Courier New"/>
                 <a:cs typeface="Courier New"/>
               </a:rPr>
               <a:t>()</a:t>
             </a:r>
+          </a:p>
+          <a:p>
+            <a:endParaRPr lang="en-US" dirty="0"/>
           </a:p>
         </p:txBody>
       </p:sp>
@@ -5321,340 +5890,38 @@
           <a:bodyPr/>
           <a:lstStyle/>
           <a:p>
-            <a:r>
-              <a:rPr lang="en-US" dirty="0" smtClean="0"/>
-              <a:t>Let’s take a look at </a:t>
-            </a:r>
-            <a:r>
-              <a:rPr lang="en-US" dirty="0" err="1" smtClean="0"/>
-              <a:t>afw</a:t>
-            </a:r>
-            <a:endParaRPr lang="en-US" dirty="0"/>
+            <a:endParaRPr lang="en-US"/>
           </a:p>
         </p:txBody>
       </p:sp>
-      <p:sp>
-        <p:nvSpPr>
-          <p:cNvPr id="3" name="Text Placeholder 2"/>
-          <p:cNvSpPr>
-            <a:spLocks noGrp="1"/>
-          </p:cNvSpPr>
-          <p:nvPr>
-            <p:ph type="body" idx="1"/>
-          </p:nvPr>
-        </p:nvSpPr>
-        <p:spPr/>
-        <p:txBody>
-          <a:bodyPr/>
-          <a:lstStyle/>
-          <a:p>
-            <a:pPr marL="0" indent="0">
-              <a:buNone/>
-            </a:pPr>
-            <a:r>
-              <a:rPr lang="en-US" dirty="0" smtClean="0"/>
-              <a:t>Of course everything is detected because the background noise floor is more than 5 sigma from zero.  We need to estimate then subtract the background.</a:t>
-            </a:r>
-          </a:p>
-          <a:p>
-            <a:pPr marL="0" indent="0">
-              <a:buNone/>
-            </a:pPr>
-            <a:endParaRPr lang="en-US" sz="1800" b="1" dirty="0">
-              <a:latin typeface="Courier New"/>
-              <a:cs typeface="Courier New"/>
-            </a:endParaRPr>
-          </a:p>
-          <a:p>
-            <a:pPr marL="0" indent="0">
-              <a:buNone/>
-            </a:pPr>
-            <a:r>
-              <a:rPr lang="en-US" sz="1800" b="1" dirty="0" err="1">
-                <a:latin typeface="Courier New"/>
-                <a:cs typeface="Courier New"/>
-              </a:rPr>
-              <a:t>bctrl</a:t>
-            </a:r>
-            <a:r>
-              <a:rPr lang="en-US" sz="1800" b="1" dirty="0">
-                <a:latin typeface="Courier New"/>
-                <a:cs typeface="Courier New"/>
-              </a:rPr>
-              <a:t> = </a:t>
-            </a:r>
-            <a:r>
-              <a:rPr lang="en-US" sz="1800" b="1" dirty="0" err="1">
-                <a:latin typeface="Courier New"/>
-                <a:cs typeface="Courier New"/>
-              </a:rPr>
-              <a:t>afwMath.BackgroundControl</a:t>
-            </a:r>
-            <a:r>
-              <a:rPr lang="en-US" sz="1800" b="1" dirty="0">
-                <a:latin typeface="Courier New"/>
-                <a:cs typeface="Courier New"/>
-              </a:rPr>
-              <a:t>(11, 11)</a:t>
-            </a:r>
-          </a:p>
-          <a:p>
-            <a:pPr marL="0" indent="0">
-              <a:buNone/>
-            </a:pPr>
-            <a:r>
-              <a:rPr lang="en-US" sz="1800" b="1" dirty="0" err="1">
-                <a:latin typeface="Courier New"/>
-                <a:cs typeface="Courier New"/>
-              </a:rPr>
-              <a:t>bkgd</a:t>
-            </a:r>
-            <a:r>
-              <a:rPr lang="en-US" sz="1800" b="1" dirty="0">
-                <a:latin typeface="Courier New"/>
-                <a:cs typeface="Courier New"/>
-              </a:rPr>
-              <a:t> = </a:t>
-            </a:r>
-            <a:r>
-              <a:rPr lang="en-US" sz="1800" b="1" dirty="0" err="1">
-                <a:latin typeface="Courier New"/>
-                <a:cs typeface="Courier New"/>
-              </a:rPr>
-              <a:t>afwMath.makeBackground</a:t>
-            </a:r>
-            <a:r>
-              <a:rPr lang="en-US" sz="1800" b="1" dirty="0">
-                <a:latin typeface="Courier New"/>
-                <a:cs typeface="Courier New"/>
-              </a:rPr>
-              <a:t>(</a:t>
-            </a:r>
-            <a:r>
-              <a:rPr lang="en-US" sz="1800" b="1" dirty="0" err="1">
-                <a:latin typeface="Courier New"/>
-                <a:cs typeface="Courier New"/>
-              </a:rPr>
-              <a:t>masked_im</a:t>
-            </a:r>
-            <a:r>
-              <a:rPr lang="en-US" sz="1800" b="1" dirty="0">
-                <a:latin typeface="Courier New"/>
-                <a:cs typeface="Courier New"/>
-              </a:rPr>
-              <a:t>, </a:t>
-            </a:r>
-            <a:r>
-              <a:rPr lang="en-US" sz="1800" b="1" dirty="0" err="1">
-                <a:latin typeface="Courier New"/>
-                <a:cs typeface="Courier New"/>
-              </a:rPr>
-              <a:t>bctrl</a:t>
-            </a:r>
-            <a:r>
-              <a:rPr lang="en-US" sz="1800" b="1" dirty="0">
-                <a:latin typeface="Courier New"/>
-                <a:cs typeface="Courier New"/>
-              </a:rPr>
-              <a:t>)</a:t>
-            </a:r>
-          </a:p>
-          <a:p>
-            <a:pPr marL="0" indent="0">
-              <a:buNone/>
-            </a:pPr>
-            <a:r>
-              <a:rPr lang="en-US" sz="1800" b="1" dirty="0" err="1">
-                <a:latin typeface="Courier New"/>
-                <a:cs typeface="Courier New"/>
-              </a:rPr>
-              <a:t>masked_im</a:t>
-            </a:r>
-            <a:r>
-              <a:rPr lang="en-US" sz="1800" b="1" dirty="0">
-                <a:latin typeface="Courier New"/>
-                <a:cs typeface="Courier New"/>
-              </a:rPr>
-              <a:t> -= </a:t>
-            </a:r>
-            <a:r>
-              <a:rPr lang="en-US" sz="1800" b="1" dirty="0" err="1">
-                <a:latin typeface="Courier New"/>
-                <a:cs typeface="Courier New"/>
-              </a:rPr>
-              <a:t>bkgd.getImageF</a:t>
-            </a:r>
-            <a:r>
-              <a:rPr lang="en-US" sz="1800" b="1" dirty="0">
-                <a:latin typeface="Courier New"/>
-                <a:cs typeface="Courier New"/>
-              </a:rPr>
-              <a:t>()</a:t>
-            </a:r>
-          </a:p>
-          <a:p>
-            <a:pPr marL="0" indent="0">
-              <a:buNone/>
-            </a:pPr>
-            <a:endParaRPr lang="en-US" sz="1800" b="1" dirty="0">
-              <a:latin typeface="Courier New"/>
-              <a:cs typeface="Courier New"/>
-            </a:endParaRPr>
-          </a:p>
-          <a:p>
-            <a:pPr marL="0" indent="0">
-              <a:buNone/>
-            </a:pPr>
-            <a:r>
-              <a:rPr lang="en-US" sz="1800" b="1" dirty="0" err="1">
-                <a:latin typeface="Courier New"/>
-                <a:cs typeface="Courier New"/>
-              </a:rPr>
-              <a:t>masked_im.getMask</a:t>
-            </a:r>
-            <a:r>
-              <a:rPr lang="en-US" sz="1800" b="1" dirty="0">
-                <a:latin typeface="Courier New"/>
-                <a:cs typeface="Courier New"/>
-              </a:rPr>
-              <a:t>().set(0) # reset mask</a:t>
-            </a:r>
-          </a:p>
-          <a:p>
-            <a:pPr marL="0" indent="0">
-              <a:buNone/>
-            </a:pPr>
-            <a:r>
-              <a:rPr lang="en-US" sz="1800" b="1" dirty="0" err="1">
-                <a:latin typeface="Courier New"/>
-                <a:cs typeface="Courier New"/>
-              </a:rPr>
-              <a:t>fs</a:t>
-            </a:r>
-            <a:r>
-              <a:rPr lang="en-US" sz="1800" b="1" dirty="0">
-                <a:latin typeface="Courier New"/>
-                <a:cs typeface="Courier New"/>
-              </a:rPr>
-              <a:t> = </a:t>
-            </a:r>
-            <a:r>
-              <a:rPr lang="en-US" sz="1800" b="1" dirty="0" err="1">
-                <a:latin typeface="Courier New"/>
-                <a:cs typeface="Courier New"/>
-              </a:rPr>
-              <a:t>afwDetect.FootprintSet</a:t>
-            </a:r>
-            <a:r>
-              <a:rPr lang="en-US" sz="1800" b="1" dirty="0">
-                <a:latin typeface="Courier New"/>
-                <a:cs typeface="Courier New"/>
-              </a:rPr>
-              <a:t>(</a:t>
-            </a:r>
-            <a:r>
-              <a:rPr lang="en-US" sz="1800" b="1" dirty="0" err="1">
-                <a:latin typeface="Courier New"/>
-                <a:cs typeface="Courier New"/>
-              </a:rPr>
-              <a:t>masked_im</a:t>
-            </a:r>
-            <a:r>
-              <a:rPr lang="en-US" sz="1800" b="1" dirty="0">
-                <a:latin typeface="Courier New"/>
-                <a:cs typeface="Courier New"/>
-              </a:rPr>
-              <a:t>, threshold, </a:t>
-            </a:r>
-            <a:endParaRPr lang="en-US" sz="1800" b="1" dirty="0" smtClean="0">
-              <a:latin typeface="Courier New"/>
-              <a:cs typeface="Courier New"/>
-            </a:endParaRPr>
-          </a:p>
-          <a:p>
-            <a:pPr marL="0" indent="0">
-              <a:buNone/>
-            </a:pPr>
-            <a:r>
-              <a:rPr lang="en-US" sz="1800" b="1" dirty="0">
-                <a:latin typeface="Courier New"/>
-                <a:cs typeface="Courier New"/>
-              </a:rPr>
-              <a:t> </a:t>
-            </a:r>
-            <a:r>
-              <a:rPr lang="en-US" sz="1800" b="1" dirty="0" smtClean="0">
-                <a:latin typeface="Courier New"/>
-                <a:cs typeface="Courier New"/>
-              </a:rPr>
-              <a:t>                           '</a:t>
-            </a:r>
-            <a:r>
-              <a:rPr lang="en-US" sz="1800" b="1" dirty="0">
-                <a:latin typeface="Courier New"/>
-                <a:cs typeface="Courier New"/>
-              </a:rPr>
-              <a:t>DETECTED')</a:t>
-            </a:r>
-          </a:p>
-          <a:p>
-            <a:pPr marL="0" indent="0">
-              <a:buNone/>
-            </a:pPr>
-            <a:r>
-              <a:rPr lang="en-US" sz="1800" b="1" dirty="0" err="1">
-                <a:latin typeface="Courier New"/>
-                <a:cs typeface="Courier New"/>
-              </a:rPr>
-              <a:t>display.mtv</a:t>
-            </a:r>
-            <a:r>
-              <a:rPr lang="en-US" sz="1800" b="1" dirty="0">
-                <a:latin typeface="Courier New"/>
-                <a:cs typeface="Courier New"/>
-              </a:rPr>
-              <a:t>(</a:t>
-            </a:r>
-            <a:r>
-              <a:rPr lang="en-US" sz="1800" b="1" dirty="0" err="1">
-                <a:latin typeface="Courier New"/>
-                <a:cs typeface="Courier New"/>
-              </a:rPr>
-              <a:t>masked_im</a:t>
-            </a:r>
-            <a:r>
-              <a:rPr lang="en-US" sz="1800" b="1" dirty="0">
-                <a:latin typeface="Courier New"/>
-                <a:cs typeface="Courier New"/>
-              </a:rPr>
-              <a:t>)</a:t>
-            </a:r>
-          </a:p>
-          <a:p>
-            <a:pPr marL="0" indent="0">
-              <a:buNone/>
-            </a:pPr>
-            <a:r>
-              <a:rPr lang="en-US" sz="1800" b="1" dirty="0" err="1">
-                <a:latin typeface="Courier New"/>
-                <a:cs typeface="Courier New"/>
-              </a:rPr>
-              <a:t>display.incrDefaultFrame</a:t>
-            </a:r>
-            <a:r>
-              <a:rPr lang="en-US" sz="1800" b="1" dirty="0">
-                <a:latin typeface="Courier New"/>
-                <a:cs typeface="Courier New"/>
-              </a:rPr>
-              <a:t>()</a:t>
-            </a:r>
-          </a:p>
-        </p:txBody>
-      </p:sp>
+      <p:pic>
+        <p:nvPicPr>
+          <p:cNvPr id="4" name="Picture 3"/>
+          <p:cNvPicPr>
+            <a:picLocks noChangeAspect="1"/>
+          </p:cNvPicPr>
+          <p:nvPr/>
+        </p:nvPicPr>
+        <p:blipFill>
+          <a:blip r:embed="rId2"/>
+          <a:stretch>
+            <a:fillRect/>
+          </a:stretch>
+        </p:blipFill>
+        <p:spPr>
+          <a:xfrm>
+            <a:off x="1651000" y="762000"/>
+            <a:ext cx="5829300" cy="5562600"/>
+          </a:xfrm>
+          <a:prstGeom prst="rect">
+            <a:avLst/>
+          </a:prstGeom>
+        </p:spPr>
+      </p:pic>
     </p:spTree>
     <p:extLst>
       <p:ext uri="{BB962C8B-B14F-4D97-AF65-F5344CB8AC3E}">
-        <p14:creationId xmlns:p14="http://schemas.microsoft.com/office/powerpoint/2010/main" val="3585292608"/>
+        <p14:creationId xmlns:p14="http://schemas.microsoft.com/office/powerpoint/2010/main" val="1371342487"/>
       </p:ext>
     </p:extLst>
   </p:cSld>
@@ -5769,24 +6036,6 @@
               <a:t>Utilities for visualizing camera layouts</a:t>
             </a:r>
           </a:p>
-          <a:p>
-            <a:pPr marL="457200" lvl="1" indent="0">
-              <a:buNone/>
-            </a:pPr>
-            <a:r>
-              <a:rPr lang="en-US" dirty="0" smtClean="0"/>
-              <a:t>(image of </a:t>
-            </a:r>
-            <a:r>
-              <a:rPr lang="en-US" dirty="0" err="1" smtClean="0"/>
-              <a:t>focalplane</a:t>
-            </a:r>
-            <a:r>
-              <a:rPr lang="en-US" dirty="0" smtClean="0"/>
-              <a:t> and a chip?)</a:t>
-            </a:r>
-            <a:endParaRPr lang="en-US" dirty="0" smtClean="0"/>
-          </a:p>
         </p:txBody>
       </p:sp>
     </p:spTree>
@@ -5816,7 +6065,7 @@
       </p:grpSpPr>
       <p:sp>
         <p:nvSpPr>
-          <p:cNvPr id="5" name="Title 4"/>
+          <p:cNvPr id="2" name="Title 1"/>
           <p:cNvSpPr>
             <a:spLocks noGrp="1"/>
           </p:cNvSpPr>
@@ -5831,7 +6080,11 @@
           <a:p>
             <a:r>
               <a:rPr lang="en-US" dirty="0" smtClean="0"/>
-              <a:t>TODO</a:t>
+              <a:t>Let’s take a look at </a:t>
+            </a:r>
+            <a:r>
+              <a:rPr lang="en-US" dirty="0" err="1" smtClean="0"/>
+              <a:t>afw</a:t>
             </a:r>
             <a:endParaRPr lang="en-US" dirty="0"/>
           </a:p>
@@ -5839,7 +6092,7 @@
       </p:sp>
       <p:sp>
         <p:nvSpPr>
-          <p:cNvPr id="6" name="Text Placeholder 5"/>
+          <p:cNvPr id="3" name="Text Placeholder 2"/>
           <p:cNvSpPr>
             <a:spLocks noGrp="1"/>
           </p:cNvSpPr>
@@ -5852,29 +6105,443 @@
           <a:bodyPr/>
           <a:lstStyle/>
           <a:p>
-            <a:r>
-              <a:rPr lang="en-US" dirty="0" smtClean="0"/>
-              <a:t>Add images of each of the ds9 frames I display in the code.</a:t>
-            </a:r>
-          </a:p>
-          <a:p>
-            <a:r>
-              <a:rPr lang="en-US" dirty="0" smtClean="0"/>
-              <a:t>Add some more examples of things one can do with </a:t>
-            </a:r>
-            <a:r>
-              <a:rPr lang="en-US" dirty="0" err="1" smtClean="0"/>
-              <a:t>afw</a:t>
-            </a:r>
-            <a:r>
-              <a:rPr lang="en-US" smtClean="0"/>
-              <a:t>.</a:t>
-            </a:r>
+            <a:pPr marL="0" indent="0">
+              <a:buNone/>
+            </a:pPr>
+            <a:r>
+              <a:rPr lang="en-US" dirty="0" smtClean="0"/>
+              <a:t>Of course everything is detected because the background noise floor is more than 5 sigma from zero.  We need to estimate then subtract the background.</a:t>
+            </a:r>
+          </a:p>
+          <a:p>
+            <a:pPr marL="0" indent="0">
+              <a:buNone/>
+            </a:pPr>
+            <a:endParaRPr lang="en-US" sz="1800" b="1" dirty="0" smtClean="0">
+              <a:latin typeface="Courier New"/>
+              <a:cs typeface="Courier New"/>
+            </a:endParaRPr>
+          </a:p>
+        </p:txBody>
+      </p:sp>
+      <p:sp>
+        <p:nvSpPr>
+          <p:cNvPr id="7" name="TextBox 6"/>
+          <p:cNvSpPr txBox="1"/>
+          <p:nvPr/>
+        </p:nvSpPr>
+        <p:spPr>
+          <a:xfrm>
+            <a:off x="304800" y="2514600"/>
+            <a:ext cx="6972244" cy="2862323"/>
+          </a:xfrm>
+          <a:prstGeom prst="rect">
+            <a:avLst/>
+          </a:prstGeom>
+          <a:noFill/>
+        </p:spPr>
+        <p:txBody>
+          <a:bodyPr wrap="none" rtlCol="0">
+            <a:spAutoFit/>
+          </a:bodyPr>
+          <a:lstStyle/>
+          <a:p>
+            <a:r>
+              <a:rPr lang="en-US" b="1" dirty="0" err="1">
+                <a:latin typeface="Courier New"/>
+                <a:cs typeface="Courier New"/>
+              </a:rPr>
+              <a:t>bctrl</a:t>
+            </a:r>
+            <a:r>
+              <a:rPr lang="en-US" b="1" dirty="0">
+                <a:latin typeface="Courier New"/>
+                <a:cs typeface="Courier New"/>
+              </a:rPr>
+              <a:t> </a:t>
+            </a:r>
+            <a:r>
+              <a:rPr lang="en-US" b="1" dirty="0">
+                <a:solidFill>
+                  <a:srgbClr val="666666"/>
+                </a:solidFill>
+                <a:latin typeface="Courier New"/>
+                <a:cs typeface="Courier New"/>
+              </a:rPr>
+              <a:t>= </a:t>
+            </a:r>
+            <a:r>
+              <a:rPr lang="en-US" b="1" dirty="0" err="1">
+                <a:solidFill>
+                  <a:srgbClr val="666666"/>
+                </a:solidFill>
+                <a:latin typeface="Courier New"/>
+                <a:cs typeface="Courier New"/>
+              </a:rPr>
+              <a:t>afwMath.BackgroundControl</a:t>
+            </a:r>
+            <a:r>
+              <a:rPr lang="en-US" b="1" dirty="0">
+                <a:solidFill>
+                  <a:srgbClr val="666666"/>
+                </a:solidFill>
+                <a:latin typeface="Courier New"/>
+                <a:cs typeface="Courier New"/>
+              </a:rPr>
+              <a:t>(11, 11)</a:t>
+            </a:r>
+          </a:p>
+          <a:p>
+            <a:r>
+              <a:rPr lang="en-US" b="1" dirty="0" err="1">
+                <a:latin typeface="Courier New"/>
+                <a:cs typeface="Courier New"/>
+              </a:rPr>
+              <a:t>bkgd</a:t>
+            </a:r>
+            <a:r>
+              <a:rPr lang="en-US" b="1" dirty="0">
+                <a:latin typeface="Courier New"/>
+                <a:cs typeface="Courier New"/>
+              </a:rPr>
+              <a:t> </a:t>
+            </a:r>
+            <a:r>
+              <a:rPr lang="en-US" b="1" dirty="0">
+                <a:solidFill>
+                  <a:srgbClr val="666666"/>
+                </a:solidFill>
+                <a:latin typeface="Courier New"/>
+                <a:cs typeface="Courier New"/>
+              </a:rPr>
+              <a:t>= </a:t>
+            </a:r>
+            <a:r>
+              <a:rPr lang="en-US" b="1" dirty="0" err="1">
+                <a:solidFill>
+                  <a:srgbClr val="666666"/>
+                </a:solidFill>
+                <a:latin typeface="Courier New"/>
+                <a:cs typeface="Courier New"/>
+              </a:rPr>
+              <a:t>afwMath.makeBackground</a:t>
+            </a:r>
+            <a:r>
+              <a:rPr lang="en-US" b="1" dirty="0">
+                <a:solidFill>
+                  <a:srgbClr val="666666"/>
+                </a:solidFill>
+                <a:latin typeface="Courier New"/>
+                <a:cs typeface="Courier New"/>
+              </a:rPr>
+              <a:t>(</a:t>
+            </a:r>
+            <a:r>
+              <a:rPr lang="en-US" b="1" dirty="0" err="1">
+                <a:solidFill>
+                  <a:srgbClr val="666666"/>
+                </a:solidFill>
+                <a:latin typeface="Courier New"/>
+                <a:cs typeface="Courier New"/>
+              </a:rPr>
+              <a:t>masked_im</a:t>
+            </a:r>
+            <a:r>
+              <a:rPr lang="en-US" b="1" dirty="0">
+                <a:solidFill>
+                  <a:srgbClr val="666666"/>
+                </a:solidFill>
+                <a:latin typeface="Courier New"/>
+                <a:cs typeface="Courier New"/>
+              </a:rPr>
+              <a:t>, </a:t>
+            </a:r>
+            <a:r>
+              <a:rPr lang="en-US" b="1" dirty="0" err="1">
+                <a:solidFill>
+                  <a:srgbClr val="666666"/>
+                </a:solidFill>
+                <a:latin typeface="Courier New"/>
+                <a:cs typeface="Courier New"/>
+              </a:rPr>
+              <a:t>bctrl</a:t>
+            </a:r>
+            <a:r>
+              <a:rPr lang="en-US" b="1" dirty="0">
+                <a:solidFill>
+                  <a:srgbClr val="666666"/>
+                </a:solidFill>
+                <a:latin typeface="Courier New"/>
+                <a:cs typeface="Courier New"/>
+              </a:rPr>
+              <a:t>)</a:t>
+            </a:r>
+          </a:p>
+          <a:p>
+            <a:r>
+              <a:rPr lang="en-US" b="1" dirty="0" err="1">
+                <a:latin typeface="Courier New"/>
+                <a:cs typeface="Courier New"/>
+              </a:rPr>
+              <a:t>masked_im</a:t>
+            </a:r>
+            <a:r>
+              <a:rPr lang="en-US" b="1" dirty="0">
+                <a:latin typeface="Courier New"/>
+                <a:cs typeface="Courier New"/>
+              </a:rPr>
+              <a:t> </a:t>
+            </a:r>
+            <a:r>
+              <a:rPr lang="en-US" b="1" dirty="0">
+                <a:solidFill>
+                  <a:srgbClr val="666666"/>
+                </a:solidFill>
+                <a:latin typeface="Courier New"/>
+                <a:cs typeface="Courier New"/>
+              </a:rPr>
+              <a:t>-= </a:t>
+            </a:r>
+            <a:r>
+              <a:rPr lang="en-US" b="1" dirty="0" err="1">
+                <a:solidFill>
+                  <a:srgbClr val="666666"/>
+                </a:solidFill>
+                <a:latin typeface="Courier New"/>
+                <a:cs typeface="Courier New"/>
+              </a:rPr>
+              <a:t>bkgd.getImageF</a:t>
+            </a:r>
+            <a:r>
+              <a:rPr lang="en-US" b="1" dirty="0">
+                <a:solidFill>
+                  <a:srgbClr val="666666"/>
+                </a:solidFill>
+                <a:latin typeface="Courier New"/>
+                <a:cs typeface="Courier New"/>
+              </a:rPr>
+              <a:t>()</a:t>
+            </a:r>
+          </a:p>
+          <a:p>
+            <a:endParaRPr lang="en-US" b="1" dirty="0">
+              <a:latin typeface="Courier New"/>
+              <a:cs typeface="Courier New"/>
+            </a:endParaRPr>
+          </a:p>
+          <a:p>
+            <a:r>
+              <a:rPr lang="en-US" b="1" dirty="0" err="1">
+                <a:latin typeface="Courier New"/>
+                <a:cs typeface="Courier New"/>
+              </a:rPr>
+              <a:t>masked_im</a:t>
+            </a:r>
+            <a:r>
+              <a:rPr lang="en-US" b="1" dirty="0" err="1">
+                <a:solidFill>
+                  <a:srgbClr val="666666"/>
+                </a:solidFill>
+                <a:latin typeface="Courier New"/>
+                <a:cs typeface="Courier New"/>
+              </a:rPr>
+              <a:t>.getMask</a:t>
+            </a:r>
+            <a:r>
+              <a:rPr lang="en-US" b="1" dirty="0">
+                <a:solidFill>
+                  <a:srgbClr val="666666"/>
+                </a:solidFill>
+                <a:latin typeface="Courier New"/>
+                <a:cs typeface="Courier New"/>
+              </a:rPr>
+              <a:t>().set(0) </a:t>
+            </a:r>
+            <a:r>
+              <a:rPr lang="en-US" b="1" i="1" dirty="0">
+                <a:solidFill>
+                  <a:srgbClr val="408080"/>
+                </a:solidFill>
+                <a:latin typeface="Courier New"/>
+                <a:cs typeface="Courier New"/>
+              </a:rPr>
+              <a:t># reset mask</a:t>
+            </a:r>
+          </a:p>
+          <a:p>
+            <a:r>
+              <a:rPr lang="en-US" b="1" dirty="0" err="1">
+                <a:latin typeface="Courier New"/>
+                <a:cs typeface="Courier New"/>
+              </a:rPr>
+              <a:t>fs</a:t>
+            </a:r>
+            <a:r>
+              <a:rPr lang="en-US" b="1" dirty="0">
+                <a:latin typeface="Courier New"/>
+                <a:cs typeface="Courier New"/>
+              </a:rPr>
+              <a:t> </a:t>
+            </a:r>
+            <a:r>
+              <a:rPr lang="en-US" b="1" dirty="0">
+                <a:solidFill>
+                  <a:srgbClr val="666666"/>
+                </a:solidFill>
+                <a:latin typeface="Courier New"/>
+                <a:cs typeface="Courier New"/>
+              </a:rPr>
+              <a:t>= </a:t>
+            </a:r>
+            <a:r>
+              <a:rPr lang="en-US" b="1" dirty="0" err="1">
+                <a:solidFill>
+                  <a:srgbClr val="666666"/>
+                </a:solidFill>
+                <a:latin typeface="Courier New"/>
+                <a:cs typeface="Courier New"/>
+              </a:rPr>
+              <a:t>afwDetect.FootprintSet</a:t>
+            </a:r>
+            <a:r>
+              <a:rPr lang="en-US" b="1" dirty="0">
+                <a:solidFill>
+                  <a:srgbClr val="666666"/>
+                </a:solidFill>
+                <a:latin typeface="Courier New"/>
+                <a:cs typeface="Courier New"/>
+              </a:rPr>
+              <a:t>(</a:t>
+            </a:r>
+            <a:r>
+              <a:rPr lang="en-US" b="1" dirty="0" err="1">
+                <a:solidFill>
+                  <a:srgbClr val="666666"/>
+                </a:solidFill>
+                <a:latin typeface="Courier New"/>
+                <a:cs typeface="Courier New"/>
+              </a:rPr>
+              <a:t>masked_im</a:t>
+            </a:r>
+            <a:r>
+              <a:rPr lang="en-US" b="1" dirty="0">
+                <a:solidFill>
+                  <a:srgbClr val="666666"/>
+                </a:solidFill>
+                <a:latin typeface="Courier New"/>
+                <a:cs typeface="Courier New"/>
+              </a:rPr>
+              <a:t>, threshold, </a:t>
+            </a:r>
+          </a:p>
+          <a:p>
+            <a:r>
+              <a:rPr lang="fr-FR" b="1" dirty="0">
+                <a:latin typeface="Courier New"/>
+                <a:cs typeface="Courier New"/>
+              </a:rPr>
+              <a:t>                            </a:t>
+            </a:r>
+            <a:r>
+              <a:rPr lang="fr-FR" b="1" dirty="0">
+                <a:solidFill>
+                  <a:srgbClr val="BA2121"/>
+                </a:solidFill>
+                <a:latin typeface="Courier New"/>
+                <a:cs typeface="Courier New"/>
+              </a:rPr>
+              <a:t>'DETECTED')</a:t>
+            </a:r>
+          </a:p>
+          <a:p>
+            <a:r>
+              <a:rPr lang="fr-FR" b="1" dirty="0" err="1">
+                <a:latin typeface="Courier New"/>
+                <a:cs typeface="Courier New"/>
+              </a:rPr>
+              <a:t>display</a:t>
+            </a:r>
+            <a:r>
+              <a:rPr lang="fr-FR" b="1" dirty="0" err="1">
+                <a:solidFill>
+                  <a:srgbClr val="666666"/>
+                </a:solidFill>
+                <a:latin typeface="Courier New"/>
+                <a:cs typeface="Courier New"/>
+              </a:rPr>
+              <a:t>.mtv</a:t>
+            </a:r>
+            <a:r>
+              <a:rPr lang="fr-FR" b="1" dirty="0">
+                <a:solidFill>
+                  <a:srgbClr val="666666"/>
+                </a:solidFill>
+                <a:latin typeface="Courier New"/>
+                <a:cs typeface="Courier New"/>
+              </a:rPr>
+              <a:t>(</a:t>
+            </a:r>
+            <a:r>
+              <a:rPr lang="fr-FR" b="1" dirty="0" err="1">
+                <a:solidFill>
+                  <a:srgbClr val="666666"/>
+                </a:solidFill>
+                <a:latin typeface="Courier New"/>
+                <a:cs typeface="Courier New"/>
+              </a:rPr>
+              <a:t>masked_im</a:t>
+            </a:r>
+            <a:r>
+              <a:rPr lang="fr-FR" b="1" dirty="0">
+                <a:solidFill>
+                  <a:srgbClr val="666666"/>
+                </a:solidFill>
+                <a:latin typeface="Courier New"/>
+                <a:cs typeface="Courier New"/>
+              </a:rPr>
+              <a:t>)</a:t>
+            </a:r>
+          </a:p>
+          <a:p>
+            <a:r>
+              <a:rPr lang="fr-FR" b="1" dirty="0" err="1">
+                <a:latin typeface="Courier New"/>
+                <a:cs typeface="Courier New"/>
+              </a:rPr>
+              <a:t>display</a:t>
+            </a:r>
+            <a:r>
+              <a:rPr lang="fr-FR" b="1" dirty="0" err="1">
+                <a:solidFill>
+                  <a:srgbClr val="666666"/>
+                </a:solidFill>
+                <a:latin typeface="Courier New"/>
+                <a:cs typeface="Courier New"/>
+              </a:rPr>
+              <a:t>.incrDefaultFrame</a:t>
+            </a:r>
+            <a:r>
+              <a:rPr lang="fr-FR" b="1" dirty="0">
+                <a:solidFill>
+                  <a:srgbClr val="666666"/>
+                </a:solidFill>
+                <a:latin typeface="Courier New"/>
+                <a:cs typeface="Courier New"/>
+              </a:rPr>
+              <a:t>()</a:t>
+            </a:r>
+          </a:p>
+          <a:p>
             <a:endParaRPr lang="en-US" dirty="0"/>
           </a:p>
         </p:txBody>
       </p:sp>
     </p:spTree>
+    <p:extLst>
+      <p:ext uri="{BB962C8B-B14F-4D97-AF65-F5344CB8AC3E}">
+        <p14:creationId xmlns:p14="http://schemas.microsoft.com/office/powerpoint/2010/main" val="3585292608"/>
+      </p:ext>
+    </p:extLst>
   </p:cSld>
   <p:clrMapOvr>
     <a:masterClrMapping/>
@@ -5901,7 +6568,7 @@
       </p:grpSpPr>
       <p:sp>
         <p:nvSpPr>
-          <p:cNvPr id="4" name="Title 3"/>
+          <p:cNvPr id="2" name="Title 1"/>
           <p:cNvSpPr>
             <a:spLocks noGrp="1"/>
           </p:cNvSpPr>
@@ -5918,14 +6585,68 @@
           </a:p>
         </p:txBody>
       </p:sp>
+      <p:pic>
+        <p:nvPicPr>
+          <p:cNvPr id="4" name="Picture 3"/>
+          <p:cNvPicPr>
+            <a:picLocks noChangeAspect="1"/>
+          </p:cNvPicPr>
+          <p:nvPr/>
+        </p:nvPicPr>
+        <p:blipFill>
+          <a:blip r:embed="rId2"/>
+          <a:stretch>
+            <a:fillRect/>
+          </a:stretch>
+        </p:blipFill>
+        <p:spPr>
+          <a:xfrm>
+            <a:off x="1473200" y="762000"/>
+            <a:ext cx="6197600" cy="5562600"/>
+          </a:xfrm>
+          <a:prstGeom prst="rect">
+            <a:avLst/>
+          </a:prstGeom>
+        </p:spPr>
+      </p:pic>
+    </p:spTree>
+    <p:extLst>
+      <p:ext uri="{BB962C8B-B14F-4D97-AF65-F5344CB8AC3E}">
+        <p14:creationId xmlns:p14="http://schemas.microsoft.com/office/powerpoint/2010/main" val="2121802584"/>
+      </p:ext>
+    </p:extLst>
+  </p:cSld>
+  <p:clrMapOvr>
+    <a:masterClrMapping/>
+  </p:clrMapOvr>
+</p:sld>
+</file>
+
+<file path=ppt/slides/slide22.xml><?xml version="1.0" encoding="utf-8"?>
+<p:sld xmlns:a="http://schemas.openxmlformats.org/drawingml/2006/main" xmlns:r="http://schemas.openxmlformats.org/officeDocument/2006/relationships" xmlns:p="http://schemas.openxmlformats.org/presentationml/2006/main">
+  <p:cSld>
+    <p:spTree>
+      <p:nvGrpSpPr>
+        <p:cNvPr id="1" name=""/>
+        <p:cNvGrpSpPr/>
+        <p:nvPr/>
+      </p:nvGrpSpPr>
+      <p:grpSpPr>
+        <a:xfrm>
+          <a:off x="0" y="0"/>
+          <a:ext cx="0" cy="0"/>
+          <a:chOff x="0" y="0"/>
+          <a:chExt cx="0" cy="0"/>
+        </a:xfrm>
+      </p:grpSpPr>
       <p:sp>
         <p:nvSpPr>
-          <p:cNvPr id="5" name="Content Placeholder 4"/>
+          <p:cNvPr id="2" name="Title 1"/>
           <p:cNvSpPr>
             <a:spLocks noGrp="1"/>
           </p:cNvSpPr>
           <p:nvPr>
-            <p:ph idx="1"/>
+            <p:ph type="title"/>
           </p:nvPr>
         </p:nvSpPr>
         <p:spPr/>
@@ -5933,18 +6654,26 @@
           <a:bodyPr/>
           <a:lstStyle/>
           <a:p>
-            <a:endParaRPr lang="en-US"/>
+            <a:r>
+              <a:rPr lang="en-US" dirty="0" smtClean="0"/>
+              <a:t>Let’s take a look at </a:t>
+            </a:r>
+            <a:r>
+              <a:rPr lang="en-US" dirty="0" err="1" smtClean="0"/>
+              <a:t>afw</a:t>
+            </a:r>
+            <a:endParaRPr lang="en-US" dirty="0"/>
           </a:p>
         </p:txBody>
       </p:sp>
       <p:sp>
         <p:nvSpPr>
-          <p:cNvPr id="6" name="Content Placeholder 5"/>
+          <p:cNvPr id="3" name="Text Placeholder 2"/>
           <p:cNvSpPr>
             <a:spLocks noGrp="1"/>
           </p:cNvSpPr>
           <p:nvPr>
-            <p:ph idx="10"/>
+            <p:ph type="body" idx="1"/>
           </p:nvPr>
         </p:nvSpPr>
         <p:spPr/>
@@ -5952,11 +6681,2005 @@
           <a:bodyPr/>
           <a:lstStyle/>
           <a:p>
-            <a:endParaRPr lang="en-US"/>
+            <a:pPr marL="0" indent="0">
+              <a:buNone/>
+            </a:pPr>
+            <a:r>
+              <a:rPr lang="en-US" dirty="0" smtClean="0"/>
+              <a:t>There are lots of other features of </a:t>
+            </a:r>
+            <a:r>
+              <a:rPr lang="en-US" dirty="0" err="1" smtClean="0"/>
+              <a:t>afw</a:t>
+            </a:r>
+            <a:r>
+              <a:rPr lang="en-US" dirty="0" smtClean="0"/>
+              <a:t>.  Here are a few.</a:t>
+            </a:r>
+          </a:p>
+          <a:p>
+            <a:pPr marL="0" indent="0">
+              <a:buNone/>
+            </a:pPr>
+            <a:endParaRPr lang="en-US" dirty="0" smtClean="0"/>
+          </a:p>
+          <a:p>
+            <a:pPr marL="0" indent="0">
+              <a:buNone/>
+            </a:pPr>
+            <a:endParaRPr lang="en-US" sz="1800" b="1" dirty="0">
+              <a:latin typeface="Courier New"/>
+              <a:cs typeface="Courier New"/>
+            </a:endParaRPr>
+          </a:p>
+        </p:txBody>
+      </p:sp>
+      <p:sp>
+        <p:nvSpPr>
+          <p:cNvPr id="6" name="TextBox 5"/>
+          <p:cNvSpPr txBox="1"/>
+          <p:nvPr/>
+        </p:nvSpPr>
+        <p:spPr>
+          <a:xfrm>
+            <a:off x="304800" y="2362200"/>
+            <a:ext cx="5323581" cy="1477328"/>
+          </a:xfrm>
+          <a:prstGeom prst="rect">
+            <a:avLst/>
+          </a:prstGeom>
+          <a:noFill/>
+        </p:spPr>
+        <p:txBody>
+          <a:bodyPr wrap="none" rtlCol="0">
+            <a:spAutoFit/>
+          </a:bodyPr>
+          <a:lstStyle/>
+          <a:p>
+            <a:r>
+              <a:rPr lang="en-US" b="1" i="1" dirty="0">
+                <a:solidFill>
+                  <a:srgbClr val="408080"/>
+                </a:solidFill>
+                <a:latin typeface="Courier New"/>
+                <a:cs typeface="Courier New"/>
+              </a:rPr>
+              <a:t># </a:t>
+            </a:r>
+            <a:r>
+              <a:rPr lang="en-US" b="1" i="1" dirty="0" err="1">
+                <a:solidFill>
+                  <a:srgbClr val="408080"/>
+                </a:solidFill>
+                <a:latin typeface="Courier New"/>
+                <a:cs typeface="Courier New"/>
+              </a:rPr>
+              <a:t>numpy</a:t>
+            </a:r>
+            <a:r>
+              <a:rPr lang="en-US" b="1" i="1" dirty="0">
+                <a:solidFill>
+                  <a:srgbClr val="408080"/>
+                </a:solidFill>
+                <a:latin typeface="Courier New"/>
+                <a:cs typeface="Courier New"/>
+              </a:rPr>
+              <a:t> arrays from images</a:t>
+            </a:r>
+          </a:p>
+          <a:p>
+            <a:r>
+              <a:rPr lang="en-US" b="1" dirty="0" err="1">
+                <a:latin typeface="Courier New"/>
+                <a:cs typeface="Courier New"/>
+              </a:rPr>
+              <a:t>im</a:t>
+            </a:r>
+            <a:r>
+              <a:rPr lang="en-US" b="1" dirty="0">
+                <a:latin typeface="Courier New"/>
+                <a:cs typeface="Courier New"/>
+              </a:rPr>
+              <a:t>, mask, </a:t>
+            </a:r>
+            <a:r>
+              <a:rPr lang="en-US" b="1" dirty="0" err="1">
+                <a:latin typeface="Courier New"/>
+                <a:cs typeface="Courier New"/>
+              </a:rPr>
+              <a:t>var</a:t>
+            </a:r>
+            <a:r>
+              <a:rPr lang="en-US" b="1" dirty="0">
+                <a:latin typeface="Courier New"/>
+                <a:cs typeface="Courier New"/>
+              </a:rPr>
+              <a:t> </a:t>
+            </a:r>
+            <a:r>
+              <a:rPr lang="en-US" b="1" dirty="0">
+                <a:solidFill>
+                  <a:srgbClr val="666666"/>
+                </a:solidFill>
+                <a:latin typeface="Courier New"/>
+                <a:cs typeface="Courier New"/>
+              </a:rPr>
+              <a:t>= </a:t>
+            </a:r>
+            <a:r>
+              <a:rPr lang="en-US" b="1" dirty="0" err="1">
+                <a:solidFill>
+                  <a:srgbClr val="666666"/>
+                </a:solidFill>
+                <a:latin typeface="Courier New"/>
+                <a:cs typeface="Courier New"/>
+              </a:rPr>
+              <a:t>masked_im.getArrays</a:t>
+            </a:r>
+            <a:r>
+              <a:rPr lang="en-US" b="1" dirty="0">
+                <a:solidFill>
+                  <a:srgbClr val="666666"/>
+                </a:solidFill>
+                <a:latin typeface="Courier New"/>
+                <a:cs typeface="Courier New"/>
+              </a:rPr>
+              <a:t>()</a:t>
+            </a:r>
+          </a:p>
+          <a:p>
+            <a:r>
+              <a:rPr lang="en-US" b="1" dirty="0">
+                <a:solidFill>
+                  <a:srgbClr val="008000"/>
+                </a:solidFill>
+                <a:latin typeface="Courier New"/>
+                <a:cs typeface="Courier New"/>
+              </a:rPr>
+              <a:t>p</a:t>
+            </a:r>
+            <a:r>
+              <a:rPr lang="en-US" b="1" dirty="0" smtClean="0">
+                <a:solidFill>
+                  <a:srgbClr val="008000"/>
+                </a:solidFill>
+                <a:latin typeface="Courier New"/>
+                <a:cs typeface="Courier New"/>
+              </a:rPr>
+              <a:t>rint type</a:t>
+            </a:r>
+            <a:r>
+              <a:rPr lang="en-US" b="1" dirty="0">
+                <a:solidFill>
+                  <a:srgbClr val="008000"/>
+                </a:solidFill>
+                <a:latin typeface="Courier New"/>
+                <a:cs typeface="Courier New"/>
+              </a:rPr>
+              <a:t>(</a:t>
+            </a:r>
+            <a:r>
+              <a:rPr lang="en-US" b="1" dirty="0" err="1">
+                <a:solidFill>
+                  <a:srgbClr val="008000"/>
+                </a:solidFill>
+                <a:latin typeface="Courier New"/>
+                <a:cs typeface="Courier New"/>
+              </a:rPr>
+              <a:t>im</a:t>
+            </a:r>
+            <a:r>
+              <a:rPr lang="en-US" b="1" dirty="0">
+                <a:solidFill>
+                  <a:srgbClr val="008000"/>
+                </a:solidFill>
+                <a:latin typeface="Courier New"/>
+                <a:cs typeface="Courier New"/>
+              </a:rPr>
+              <a:t>)</a:t>
+            </a:r>
+          </a:p>
+          <a:p>
+            <a:r>
+              <a:rPr lang="en-US" b="1" dirty="0">
+                <a:solidFill>
+                  <a:srgbClr val="008000"/>
+                </a:solidFill>
+                <a:latin typeface="Courier New"/>
+                <a:cs typeface="Courier New"/>
+              </a:rPr>
+              <a:t>print</a:t>
+            </a:r>
+            <a:r>
+              <a:rPr lang="en-US" b="1" dirty="0" smtClean="0">
+                <a:latin typeface="Courier New"/>
+                <a:cs typeface="Courier New"/>
+              </a:rPr>
+              <a:t> </a:t>
+            </a:r>
+            <a:r>
+              <a:rPr lang="en-US" b="1" dirty="0" err="1" smtClean="0">
+                <a:latin typeface="Courier New"/>
+                <a:cs typeface="Courier New"/>
+              </a:rPr>
+              <a:t>im</a:t>
+            </a:r>
+            <a:r>
+              <a:rPr lang="en-US" b="1" dirty="0" err="1" smtClean="0">
+                <a:solidFill>
+                  <a:srgbClr val="666666"/>
+                </a:solidFill>
+                <a:latin typeface="Courier New"/>
+                <a:cs typeface="Courier New"/>
+              </a:rPr>
+              <a:t>.dtype</a:t>
+            </a:r>
+            <a:endParaRPr lang="en-US" b="1" dirty="0">
+              <a:solidFill>
+                <a:srgbClr val="666666"/>
+              </a:solidFill>
+              <a:latin typeface="Courier New"/>
+              <a:cs typeface="Courier New"/>
+            </a:endParaRPr>
+          </a:p>
+          <a:p>
+            <a:endParaRPr lang="en-US" dirty="0"/>
           </a:p>
         </p:txBody>
       </p:sp>
     </p:spTree>
+    <p:extLst>
+      <p:ext uri="{BB962C8B-B14F-4D97-AF65-F5344CB8AC3E}">
+        <p14:creationId xmlns:p14="http://schemas.microsoft.com/office/powerpoint/2010/main" val="3105599326"/>
+      </p:ext>
+    </p:extLst>
+  </p:cSld>
+  <p:clrMapOvr>
+    <a:masterClrMapping/>
+  </p:clrMapOvr>
+</p:sld>
+</file>
+
+<file path=ppt/slides/slide23.xml><?xml version="1.0" encoding="utf-8"?>
+<p:sld xmlns:a="http://schemas.openxmlformats.org/drawingml/2006/main" xmlns:r="http://schemas.openxmlformats.org/officeDocument/2006/relationships" xmlns:p="http://schemas.openxmlformats.org/presentationml/2006/main">
+  <p:cSld>
+    <p:spTree>
+      <p:nvGrpSpPr>
+        <p:cNvPr id="1" name=""/>
+        <p:cNvGrpSpPr/>
+        <p:nvPr/>
+      </p:nvGrpSpPr>
+      <p:grpSpPr>
+        <a:xfrm>
+          <a:off x="0" y="0"/>
+          <a:ext cx="0" cy="0"/>
+          <a:chOff x="0" y="0"/>
+          <a:chExt cx="0" cy="0"/>
+        </a:xfrm>
+      </p:grpSpPr>
+      <p:sp>
+        <p:nvSpPr>
+          <p:cNvPr id="2" name="Title 1"/>
+          <p:cNvSpPr>
+            <a:spLocks noGrp="1"/>
+          </p:cNvSpPr>
+          <p:nvPr>
+            <p:ph type="title"/>
+          </p:nvPr>
+        </p:nvSpPr>
+        <p:spPr/>
+        <p:txBody>
+          <a:bodyPr/>
+          <a:lstStyle/>
+          <a:p>
+            <a:r>
+              <a:rPr lang="en-US" dirty="0" smtClean="0"/>
+              <a:t>Let’s take a look at </a:t>
+            </a:r>
+            <a:r>
+              <a:rPr lang="en-US" dirty="0" err="1" smtClean="0"/>
+              <a:t>afw</a:t>
+            </a:r>
+            <a:endParaRPr lang="en-US" dirty="0"/>
+          </a:p>
+        </p:txBody>
+      </p:sp>
+      <p:sp>
+        <p:nvSpPr>
+          <p:cNvPr id="3" name="Text Placeholder 2"/>
+          <p:cNvSpPr>
+            <a:spLocks noGrp="1"/>
+          </p:cNvSpPr>
+          <p:nvPr>
+            <p:ph type="body" idx="1"/>
+          </p:nvPr>
+        </p:nvSpPr>
+        <p:spPr/>
+        <p:txBody>
+          <a:bodyPr/>
+          <a:lstStyle/>
+          <a:p>
+            <a:pPr marL="0" indent="0">
+              <a:buNone/>
+            </a:pPr>
+            <a:r>
+              <a:rPr lang="en-US" dirty="0" smtClean="0"/>
+              <a:t>There are lots of other features of </a:t>
+            </a:r>
+            <a:r>
+              <a:rPr lang="en-US" dirty="0" err="1" smtClean="0"/>
+              <a:t>afw</a:t>
+            </a:r>
+            <a:r>
+              <a:rPr lang="en-US" dirty="0" smtClean="0"/>
+              <a:t>.  Here are a few.</a:t>
+            </a:r>
+          </a:p>
+          <a:p>
+            <a:pPr marL="0" indent="0">
+              <a:buNone/>
+            </a:pPr>
+            <a:endParaRPr lang="en-US" dirty="0"/>
+          </a:p>
+          <a:p>
+            <a:pPr marL="0" indent="0">
+              <a:buNone/>
+            </a:pPr>
+            <a:endParaRPr lang="en-US" dirty="0" smtClean="0"/>
+          </a:p>
+        </p:txBody>
+      </p:sp>
+      <p:sp>
+        <p:nvSpPr>
+          <p:cNvPr id="5" name="TextBox 4"/>
+          <p:cNvSpPr txBox="1"/>
+          <p:nvPr/>
+        </p:nvSpPr>
+        <p:spPr>
+          <a:xfrm>
+            <a:off x="304800" y="1828800"/>
+            <a:ext cx="7124367" cy="3416320"/>
+          </a:xfrm>
+          <a:prstGeom prst="rect">
+            <a:avLst/>
+          </a:prstGeom>
+          <a:noFill/>
+        </p:spPr>
+        <p:txBody>
+          <a:bodyPr wrap="none" rtlCol="0">
+            <a:spAutoFit/>
+          </a:bodyPr>
+          <a:lstStyle/>
+          <a:p>
+            <a:r>
+              <a:rPr lang="en-US" b="1" i="1" dirty="0">
+                <a:solidFill>
+                  <a:srgbClr val="408080"/>
+                </a:solidFill>
+                <a:latin typeface="Courier New"/>
+                <a:cs typeface="Courier New"/>
+              </a:rPr>
+              <a:t># arrays are views</a:t>
+            </a:r>
+          </a:p>
+          <a:p>
+            <a:r>
+              <a:rPr lang="en-US" b="1" dirty="0">
+                <a:latin typeface="Courier New"/>
+                <a:cs typeface="Courier New"/>
+              </a:rPr>
+              <a:t>xy0 </a:t>
+            </a:r>
+            <a:r>
+              <a:rPr lang="en-US" b="1" dirty="0">
+                <a:solidFill>
+                  <a:srgbClr val="666666"/>
+                </a:solidFill>
+                <a:latin typeface="Courier New"/>
+                <a:cs typeface="Courier New"/>
+              </a:rPr>
+              <a:t>= masked_im.getXY0()</a:t>
+            </a:r>
+          </a:p>
+          <a:p>
+            <a:r>
+              <a:rPr lang="en-US" b="1" dirty="0">
+                <a:latin typeface="Courier New"/>
+                <a:cs typeface="Courier New"/>
+              </a:rPr>
+              <a:t>xy0 </a:t>
+            </a:r>
+            <a:r>
+              <a:rPr lang="en-US" b="1" dirty="0">
+                <a:solidFill>
+                  <a:srgbClr val="666666"/>
+                </a:solidFill>
+                <a:latin typeface="Courier New"/>
+                <a:cs typeface="Courier New"/>
+              </a:rPr>
+              <a:t>= masked_im.getXY0()</a:t>
+            </a:r>
+          </a:p>
+          <a:p>
+            <a:r>
+              <a:rPr lang="en-US" b="1" dirty="0">
+                <a:latin typeface="Courier New"/>
+                <a:cs typeface="Courier New"/>
+              </a:rPr>
+              <a:t>xy0</a:t>
+            </a:r>
+            <a:r>
+              <a:rPr lang="en-US" b="1" dirty="0">
+                <a:solidFill>
+                  <a:srgbClr val="666666"/>
+                </a:solidFill>
+                <a:latin typeface="Courier New"/>
+                <a:cs typeface="Courier New"/>
+              </a:rPr>
+              <a:t>.shift(</a:t>
+            </a:r>
+            <a:r>
+              <a:rPr lang="en-US" b="1" dirty="0" err="1">
+                <a:solidFill>
+                  <a:srgbClr val="666666"/>
+                </a:solidFill>
+                <a:latin typeface="Courier New"/>
+                <a:cs typeface="Courier New"/>
+              </a:rPr>
+              <a:t>afwGeom.ExtentI</a:t>
+            </a:r>
+            <a:r>
+              <a:rPr lang="en-US" b="1" dirty="0">
+                <a:solidFill>
+                  <a:srgbClr val="666666"/>
+                </a:solidFill>
+                <a:latin typeface="Courier New"/>
+                <a:cs typeface="Courier New"/>
+              </a:rPr>
+              <a:t>(100, 120))</a:t>
+            </a:r>
+          </a:p>
+          <a:p>
+            <a:r>
+              <a:rPr lang="en-US" b="1" dirty="0">
+                <a:latin typeface="Courier New"/>
+                <a:cs typeface="Courier New"/>
+              </a:rPr>
+              <a:t>box </a:t>
+            </a:r>
+            <a:r>
+              <a:rPr lang="en-US" b="1" dirty="0">
+                <a:solidFill>
+                  <a:srgbClr val="666666"/>
+                </a:solidFill>
+                <a:latin typeface="Courier New"/>
+                <a:cs typeface="Courier New"/>
+              </a:rPr>
+              <a:t>= </a:t>
+            </a:r>
+            <a:r>
+              <a:rPr lang="en-US" b="1" dirty="0" err="1">
+                <a:solidFill>
+                  <a:srgbClr val="666666"/>
+                </a:solidFill>
+                <a:latin typeface="Courier New"/>
+                <a:cs typeface="Courier New"/>
+              </a:rPr>
+              <a:t>afwGeom.BoxI</a:t>
+            </a:r>
+            <a:r>
+              <a:rPr lang="en-US" b="1" dirty="0">
+                <a:solidFill>
+                  <a:srgbClr val="666666"/>
+                </a:solidFill>
+                <a:latin typeface="Courier New"/>
+                <a:cs typeface="Courier New"/>
+              </a:rPr>
+              <a:t>(xy0, </a:t>
+            </a:r>
+            <a:r>
+              <a:rPr lang="en-US" b="1" dirty="0" err="1">
+                <a:solidFill>
+                  <a:srgbClr val="666666"/>
+                </a:solidFill>
+                <a:latin typeface="Courier New"/>
+                <a:cs typeface="Courier New"/>
+              </a:rPr>
+              <a:t>afwGeom.ExtentI</a:t>
+            </a:r>
+            <a:r>
+              <a:rPr lang="en-US" b="1" dirty="0">
+                <a:solidFill>
+                  <a:srgbClr val="666666"/>
+                </a:solidFill>
+                <a:latin typeface="Courier New"/>
+                <a:cs typeface="Courier New"/>
+              </a:rPr>
+              <a:t>(100, 100))</a:t>
+            </a:r>
+          </a:p>
+          <a:p>
+            <a:endParaRPr lang="en-US" b="1" dirty="0">
+              <a:latin typeface="Courier New"/>
+              <a:cs typeface="Courier New"/>
+            </a:endParaRPr>
+          </a:p>
+          <a:p>
+            <a:r>
+              <a:rPr lang="en-US" b="1" dirty="0" err="1">
+                <a:latin typeface="Courier New"/>
+                <a:cs typeface="Courier New"/>
+              </a:rPr>
+              <a:t>subim</a:t>
+            </a:r>
+            <a:r>
+              <a:rPr lang="en-US" b="1" dirty="0">
+                <a:latin typeface="Courier New"/>
+                <a:cs typeface="Courier New"/>
+              </a:rPr>
+              <a:t> </a:t>
+            </a:r>
+            <a:r>
+              <a:rPr lang="en-US" b="1" dirty="0">
+                <a:solidFill>
+                  <a:srgbClr val="666666"/>
+                </a:solidFill>
+                <a:latin typeface="Courier New"/>
+                <a:cs typeface="Courier New"/>
+              </a:rPr>
+              <a:t>= </a:t>
+            </a:r>
+            <a:r>
+              <a:rPr lang="en-US" b="1" dirty="0" err="1">
+                <a:solidFill>
+                  <a:srgbClr val="666666"/>
+                </a:solidFill>
+                <a:latin typeface="Courier New"/>
+                <a:cs typeface="Courier New"/>
+              </a:rPr>
+              <a:t>afwImage.ImageF</a:t>
+            </a:r>
+            <a:r>
+              <a:rPr lang="en-US" b="1" dirty="0">
+                <a:solidFill>
+                  <a:srgbClr val="666666"/>
+                </a:solidFill>
+                <a:latin typeface="Courier New"/>
+                <a:cs typeface="Courier New"/>
+              </a:rPr>
+              <a:t>(</a:t>
+            </a:r>
+            <a:r>
+              <a:rPr lang="en-US" b="1" dirty="0" err="1">
+                <a:solidFill>
+                  <a:srgbClr val="666666"/>
+                </a:solidFill>
+                <a:latin typeface="Courier New"/>
+                <a:cs typeface="Courier New"/>
+              </a:rPr>
+              <a:t>masked_im.getImage</a:t>
+            </a:r>
+            <a:r>
+              <a:rPr lang="en-US" b="1" dirty="0">
+                <a:solidFill>
+                  <a:srgbClr val="666666"/>
+                </a:solidFill>
+                <a:latin typeface="Courier New"/>
+                <a:cs typeface="Courier New"/>
+              </a:rPr>
+              <a:t>(), box)</a:t>
+            </a:r>
+          </a:p>
+          <a:p>
+            <a:r>
+              <a:rPr lang="en-US" b="1" dirty="0" err="1">
+                <a:latin typeface="Courier New"/>
+                <a:cs typeface="Courier New"/>
+              </a:rPr>
+              <a:t>sub_arr</a:t>
+            </a:r>
+            <a:r>
+              <a:rPr lang="en-US" b="1" dirty="0">
+                <a:latin typeface="Courier New"/>
+                <a:cs typeface="Courier New"/>
+              </a:rPr>
+              <a:t> </a:t>
+            </a:r>
+            <a:r>
+              <a:rPr lang="en-US" b="1" dirty="0">
+                <a:solidFill>
+                  <a:srgbClr val="666666"/>
+                </a:solidFill>
+                <a:latin typeface="Courier New"/>
+                <a:cs typeface="Courier New"/>
+              </a:rPr>
+              <a:t>= </a:t>
+            </a:r>
+            <a:r>
+              <a:rPr lang="en-US" b="1" dirty="0" err="1">
+                <a:solidFill>
+                  <a:srgbClr val="666666"/>
+                </a:solidFill>
+                <a:latin typeface="Courier New"/>
+                <a:cs typeface="Courier New"/>
+              </a:rPr>
+              <a:t>subim.getArray</a:t>
+            </a:r>
+            <a:r>
+              <a:rPr lang="en-US" b="1" dirty="0">
+                <a:solidFill>
+                  <a:srgbClr val="666666"/>
+                </a:solidFill>
+                <a:latin typeface="Courier New"/>
+                <a:cs typeface="Courier New"/>
+              </a:rPr>
+              <a:t>()</a:t>
+            </a:r>
+          </a:p>
+          <a:p>
+            <a:r>
+              <a:rPr lang="en-US" b="1" dirty="0" err="1">
+                <a:latin typeface="Courier New"/>
+                <a:cs typeface="Courier New"/>
+              </a:rPr>
+              <a:t>sub_arr</a:t>
+            </a:r>
+            <a:r>
+              <a:rPr lang="en-US" b="1" dirty="0">
+                <a:latin typeface="Courier New"/>
+                <a:cs typeface="Courier New"/>
+              </a:rPr>
+              <a:t>[:][:] </a:t>
+            </a:r>
+            <a:r>
+              <a:rPr lang="en-US" b="1" dirty="0">
+                <a:solidFill>
+                  <a:srgbClr val="666666"/>
+                </a:solidFill>
+                <a:latin typeface="Courier New"/>
+                <a:cs typeface="Courier New"/>
+              </a:rPr>
+              <a:t>= </a:t>
+            </a:r>
+            <a:r>
+              <a:rPr lang="en-US" b="1" dirty="0" err="1">
+                <a:solidFill>
+                  <a:srgbClr val="666666"/>
+                </a:solidFill>
+                <a:latin typeface="Courier New"/>
+                <a:cs typeface="Courier New"/>
+              </a:rPr>
+              <a:t>im.max</a:t>
+            </a:r>
+            <a:r>
+              <a:rPr lang="en-US" b="1" dirty="0">
+                <a:solidFill>
+                  <a:srgbClr val="666666"/>
+                </a:solidFill>
+                <a:latin typeface="Courier New"/>
+                <a:cs typeface="Courier New"/>
+              </a:rPr>
+              <a:t>()</a:t>
+            </a:r>
+          </a:p>
+          <a:p>
+            <a:endParaRPr lang="en-US" b="1" dirty="0">
+              <a:latin typeface="Courier New"/>
+              <a:cs typeface="Courier New"/>
+            </a:endParaRPr>
+          </a:p>
+          <a:p>
+            <a:r>
+              <a:rPr lang="en-US" b="1" dirty="0" err="1">
+                <a:latin typeface="Courier New"/>
+                <a:cs typeface="Courier New"/>
+              </a:rPr>
+              <a:t>display</a:t>
+            </a:r>
+            <a:r>
+              <a:rPr lang="en-US" b="1" dirty="0" err="1">
+                <a:solidFill>
+                  <a:srgbClr val="666666"/>
+                </a:solidFill>
+                <a:latin typeface="Courier New"/>
+                <a:cs typeface="Courier New"/>
+              </a:rPr>
+              <a:t>.mtv</a:t>
+            </a:r>
+            <a:r>
+              <a:rPr lang="en-US" b="1" dirty="0">
+                <a:solidFill>
+                  <a:srgbClr val="666666"/>
+                </a:solidFill>
+                <a:latin typeface="Courier New"/>
+                <a:cs typeface="Courier New"/>
+              </a:rPr>
+              <a:t>(</a:t>
+            </a:r>
+            <a:r>
+              <a:rPr lang="en-US" b="1" dirty="0" err="1">
+                <a:solidFill>
+                  <a:srgbClr val="666666"/>
+                </a:solidFill>
+                <a:latin typeface="Courier New"/>
+                <a:cs typeface="Courier New"/>
+              </a:rPr>
+              <a:t>masked_im</a:t>
+            </a:r>
+            <a:r>
+              <a:rPr lang="en-US" b="1" dirty="0">
+                <a:solidFill>
+                  <a:srgbClr val="666666"/>
+                </a:solidFill>
+                <a:latin typeface="Courier New"/>
+                <a:cs typeface="Courier New"/>
+              </a:rPr>
+              <a:t>)</a:t>
+            </a:r>
+          </a:p>
+          <a:p>
+            <a:endParaRPr lang="en-US" dirty="0"/>
+          </a:p>
+        </p:txBody>
+      </p:sp>
+    </p:spTree>
+    <p:extLst>
+      <p:ext uri="{BB962C8B-B14F-4D97-AF65-F5344CB8AC3E}">
+        <p14:creationId xmlns:p14="http://schemas.microsoft.com/office/powerpoint/2010/main" val="3358462705"/>
+      </p:ext>
+    </p:extLst>
+  </p:cSld>
+  <p:clrMapOvr>
+    <a:masterClrMapping/>
+  </p:clrMapOvr>
+</p:sld>
+</file>
+
+<file path=ppt/slides/slide24.xml><?xml version="1.0" encoding="utf-8"?>
+<p:sld xmlns:a="http://schemas.openxmlformats.org/drawingml/2006/main" xmlns:r="http://schemas.openxmlformats.org/officeDocument/2006/relationships" xmlns:p="http://schemas.openxmlformats.org/presentationml/2006/main">
+  <p:cSld>
+    <p:spTree>
+      <p:nvGrpSpPr>
+        <p:cNvPr id="1" name=""/>
+        <p:cNvGrpSpPr/>
+        <p:nvPr/>
+      </p:nvGrpSpPr>
+      <p:grpSpPr>
+        <a:xfrm>
+          <a:off x="0" y="0"/>
+          <a:ext cx="0" cy="0"/>
+          <a:chOff x="0" y="0"/>
+          <a:chExt cx="0" cy="0"/>
+        </a:xfrm>
+      </p:grpSpPr>
+      <p:sp>
+        <p:nvSpPr>
+          <p:cNvPr id="2" name="Title 1"/>
+          <p:cNvSpPr>
+            <a:spLocks noGrp="1"/>
+          </p:cNvSpPr>
+          <p:nvPr>
+            <p:ph type="title"/>
+          </p:nvPr>
+        </p:nvSpPr>
+        <p:spPr/>
+        <p:txBody>
+          <a:bodyPr/>
+          <a:lstStyle/>
+          <a:p>
+            <a:endParaRPr lang="en-US"/>
+          </a:p>
+        </p:txBody>
+      </p:sp>
+      <p:pic>
+        <p:nvPicPr>
+          <p:cNvPr id="4" name="Picture 3"/>
+          <p:cNvPicPr>
+            <a:picLocks noChangeAspect="1"/>
+          </p:cNvPicPr>
+          <p:nvPr/>
+        </p:nvPicPr>
+        <p:blipFill>
+          <a:blip r:embed="rId2"/>
+          <a:stretch>
+            <a:fillRect/>
+          </a:stretch>
+        </p:blipFill>
+        <p:spPr>
+          <a:xfrm>
+            <a:off x="1447800" y="800100"/>
+            <a:ext cx="6235700" cy="5600700"/>
+          </a:xfrm>
+          <a:prstGeom prst="rect">
+            <a:avLst/>
+          </a:prstGeom>
+        </p:spPr>
+      </p:pic>
+    </p:spTree>
+    <p:extLst>
+      <p:ext uri="{BB962C8B-B14F-4D97-AF65-F5344CB8AC3E}">
+        <p14:creationId xmlns:p14="http://schemas.microsoft.com/office/powerpoint/2010/main" val="1260940658"/>
+      </p:ext>
+    </p:extLst>
+  </p:cSld>
+  <p:clrMapOvr>
+    <a:masterClrMapping/>
+  </p:clrMapOvr>
+</p:sld>
+</file>
+
+<file path=ppt/slides/slide25.xml><?xml version="1.0" encoding="utf-8"?>
+<p:sld xmlns:a="http://schemas.openxmlformats.org/drawingml/2006/main" xmlns:r="http://schemas.openxmlformats.org/officeDocument/2006/relationships" xmlns:p="http://schemas.openxmlformats.org/presentationml/2006/main">
+  <p:cSld>
+    <p:spTree>
+      <p:nvGrpSpPr>
+        <p:cNvPr id="1" name=""/>
+        <p:cNvGrpSpPr/>
+        <p:nvPr/>
+      </p:nvGrpSpPr>
+      <p:grpSpPr>
+        <a:xfrm>
+          <a:off x="0" y="0"/>
+          <a:ext cx="0" cy="0"/>
+          <a:chOff x="0" y="0"/>
+          <a:chExt cx="0" cy="0"/>
+        </a:xfrm>
+      </p:grpSpPr>
+      <p:sp>
+        <p:nvSpPr>
+          <p:cNvPr id="2" name="Title 1"/>
+          <p:cNvSpPr>
+            <a:spLocks noGrp="1"/>
+          </p:cNvSpPr>
+          <p:nvPr>
+            <p:ph type="title"/>
+          </p:nvPr>
+        </p:nvSpPr>
+        <p:spPr/>
+        <p:txBody>
+          <a:bodyPr/>
+          <a:lstStyle/>
+          <a:p>
+            <a:r>
+              <a:rPr lang="en-US" dirty="0" smtClean="0"/>
+              <a:t>Let’s take a look at </a:t>
+            </a:r>
+            <a:r>
+              <a:rPr lang="en-US" dirty="0" err="1" smtClean="0"/>
+              <a:t>afw</a:t>
+            </a:r>
+            <a:endParaRPr lang="en-US" dirty="0"/>
+          </a:p>
+        </p:txBody>
+      </p:sp>
+      <p:sp>
+        <p:nvSpPr>
+          <p:cNvPr id="3" name="Text Placeholder 2"/>
+          <p:cNvSpPr>
+            <a:spLocks noGrp="1"/>
+          </p:cNvSpPr>
+          <p:nvPr>
+            <p:ph type="body" idx="1"/>
+          </p:nvPr>
+        </p:nvSpPr>
+        <p:spPr>
+          <a:xfrm>
+            <a:off x="304800" y="914401"/>
+            <a:ext cx="8610600" cy="5181600"/>
+          </a:xfrm>
+        </p:spPr>
+        <p:txBody>
+          <a:bodyPr/>
+          <a:lstStyle/>
+          <a:p>
+            <a:pPr marL="0" indent="0">
+              <a:buNone/>
+            </a:pPr>
+            <a:r>
+              <a:rPr lang="en-US" dirty="0" smtClean="0"/>
+              <a:t>There are lots of other features of </a:t>
+            </a:r>
+            <a:r>
+              <a:rPr lang="en-US" dirty="0" err="1" smtClean="0"/>
+              <a:t>afw</a:t>
+            </a:r>
+            <a:r>
+              <a:rPr lang="en-US" dirty="0" smtClean="0"/>
+              <a:t>.  Here are a few.</a:t>
+            </a:r>
+          </a:p>
+          <a:p>
+            <a:pPr marL="0" indent="0">
+              <a:buNone/>
+            </a:pPr>
+            <a:endParaRPr lang="en-US" sz="1600" b="1" dirty="0" smtClean="0">
+              <a:latin typeface="Courier New"/>
+              <a:cs typeface="Courier New"/>
+            </a:endParaRPr>
+          </a:p>
+        </p:txBody>
+      </p:sp>
+      <p:sp>
+        <p:nvSpPr>
+          <p:cNvPr id="4" name="TextBox 3"/>
+          <p:cNvSpPr txBox="1"/>
+          <p:nvPr/>
+        </p:nvSpPr>
+        <p:spPr>
+          <a:xfrm>
+            <a:off x="304800" y="1676400"/>
+            <a:ext cx="8786631" cy="4247317"/>
+          </a:xfrm>
+          <a:prstGeom prst="rect">
+            <a:avLst/>
+          </a:prstGeom>
+          <a:noFill/>
+        </p:spPr>
+        <p:txBody>
+          <a:bodyPr wrap="none" rtlCol="0">
+            <a:spAutoFit/>
+          </a:bodyPr>
+          <a:lstStyle/>
+          <a:p>
+            <a:r>
+              <a:rPr lang="en-US" b="1" i="1" dirty="0">
+                <a:solidFill>
+                  <a:srgbClr val="408080"/>
+                </a:solidFill>
+                <a:latin typeface="Courier New"/>
+                <a:cs typeface="Courier New"/>
+              </a:rPr>
+              <a:t># The &gt;&gt;= operator</a:t>
+            </a:r>
+          </a:p>
+          <a:p>
+            <a:r>
+              <a:rPr lang="en-US" b="1" dirty="0" err="1">
+                <a:latin typeface="Courier New"/>
+                <a:cs typeface="Courier New"/>
+              </a:rPr>
+              <a:t>left_box</a:t>
+            </a:r>
+            <a:r>
+              <a:rPr lang="en-US" b="1" dirty="0">
+                <a:latin typeface="Courier New"/>
+                <a:cs typeface="Courier New"/>
+              </a:rPr>
+              <a:t> </a:t>
+            </a:r>
+            <a:r>
+              <a:rPr lang="en-US" b="1" dirty="0">
+                <a:solidFill>
+                  <a:srgbClr val="666666"/>
+                </a:solidFill>
+                <a:latin typeface="Courier New"/>
+                <a:cs typeface="Courier New"/>
+              </a:rPr>
+              <a:t>= </a:t>
+            </a:r>
+            <a:r>
+              <a:rPr lang="en-US" b="1" dirty="0" err="1">
+                <a:solidFill>
+                  <a:srgbClr val="666666"/>
+                </a:solidFill>
+                <a:latin typeface="Courier New"/>
+                <a:cs typeface="Courier New"/>
+              </a:rPr>
+              <a:t>afwGeom.BoxI</a:t>
+            </a:r>
+            <a:r>
+              <a:rPr lang="en-US" b="1" dirty="0">
+                <a:solidFill>
+                  <a:srgbClr val="666666"/>
+                </a:solidFill>
+                <a:latin typeface="Courier New"/>
+                <a:cs typeface="Courier New"/>
+              </a:rPr>
+              <a:t>(</a:t>
+            </a:r>
+            <a:r>
+              <a:rPr lang="en-US" b="1" dirty="0" err="1">
+                <a:solidFill>
+                  <a:srgbClr val="666666"/>
+                </a:solidFill>
+                <a:latin typeface="Courier New"/>
+                <a:cs typeface="Courier New"/>
+              </a:rPr>
+              <a:t>afwGeom.PointI</a:t>
+            </a:r>
+            <a:r>
+              <a:rPr lang="en-US" b="1" dirty="0">
+                <a:solidFill>
+                  <a:srgbClr val="666666"/>
+                </a:solidFill>
+                <a:latin typeface="Courier New"/>
+                <a:cs typeface="Courier New"/>
+              </a:rPr>
+              <a:t>(0,0), </a:t>
+            </a:r>
+          </a:p>
+          <a:p>
+            <a:r>
+              <a:rPr lang="nl-NL" b="1" dirty="0">
+                <a:latin typeface="Courier New"/>
+                <a:cs typeface="Courier New"/>
+              </a:rPr>
+              <a:t>                        </a:t>
+            </a:r>
+            <a:r>
+              <a:rPr lang="nl-NL" b="1" dirty="0" err="1">
+                <a:latin typeface="Courier New"/>
+                <a:cs typeface="Courier New"/>
+              </a:rPr>
+              <a:t>afwGeom</a:t>
+            </a:r>
+            <a:r>
+              <a:rPr lang="nl-NL" b="1" dirty="0" err="1">
+                <a:solidFill>
+                  <a:srgbClr val="666666"/>
+                </a:solidFill>
+                <a:latin typeface="Courier New"/>
+                <a:cs typeface="Courier New"/>
+              </a:rPr>
+              <a:t>.ExtentI</a:t>
+            </a:r>
+            <a:r>
+              <a:rPr lang="nl-NL" b="1" dirty="0">
+                <a:solidFill>
+                  <a:srgbClr val="666666"/>
+                </a:solidFill>
+                <a:latin typeface="Courier New"/>
+                <a:cs typeface="Courier New"/>
+              </a:rPr>
+              <a:t>(1000, 2048))</a:t>
+            </a:r>
+          </a:p>
+          <a:p>
+            <a:r>
+              <a:rPr lang="nl-NL" b="1" dirty="0" err="1">
+                <a:latin typeface="Courier New"/>
+                <a:cs typeface="Courier New"/>
+              </a:rPr>
+              <a:t>right_box</a:t>
+            </a:r>
+            <a:r>
+              <a:rPr lang="nl-NL" b="1" dirty="0">
+                <a:latin typeface="Courier New"/>
+                <a:cs typeface="Courier New"/>
+              </a:rPr>
+              <a:t> </a:t>
+            </a:r>
+            <a:r>
+              <a:rPr lang="nl-NL" b="1" dirty="0">
+                <a:solidFill>
+                  <a:srgbClr val="666666"/>
+                </a:solidFill>
+                <a:latin typeface="Courier New"/>
+                <a:cs typeface="Courier New"/>
+              </a:rPr>
+              <a:t>= </a:t>
+            </a:r>
+            <a:r>
+              <a:rPr lang="nl-NL" b="1" dirty="0" err="1">
+                <a:solidFill>
+                  <a:srgbClr val="666666"/>
+                </a:solidFill>
+                <a:latin typeface="Courier New"/>
+                <a:cs typeface="Courier New"/>
+              </a:rPr>
+              <a:t>afwGeom.BoxI</a:t>
+            </a:r>
+            <a:r>
+              <a:rPr lang="nl-NL" b="1" dirty="0">
+                <a:solidFill>
+                  <a:srgbClr val="666666"/>
+                </a:solidFill>
+                <a:latin typeface="Courier New"/>
+                <a:cs typeface="Courier New"/>
+              </a:rPr>
+              <a:t>(</a:t>
+            </a:r>
+            <a:r>
+              <a:rPr lang="nl-NL" b="1" dirty="0" err="1">
+                <a:solidFill>
+                  <a:srgbClr val="666666"/>
+                </a:solidFill>
+                <a:latin typeface="Courier New"/>
+                <a:cs typeface="Courier New"/>
+              </a:rPr>
+              <a:t>afwGeom.PointI</a:t>
+            </a:r>
+            <a:r>
+              <a:rPr lang="nl-NL" b="1" dirty="0">
+                <a:solidFill>
+                  <a:srgbClr val="666666"/>
+                </a:solidFill>
+                <a:latin typeface="Courier New"/>
+                <a:cs typeface="Courier New"/>
+              </a:rPr>
+              <a:t>(1000, 0), </a:t>
+            </a:r>
+          </a:p>
+          <a:p>
+            <a:r>
+              <a:rPr lang="nl-NL" b="1" dirty="0">
+                <a:latin typeface="Courier New"/>
+                <a:cs typeface="Courier New"/>
+              </a:rPr>
+              <a:t>                         </a:t>
+            </a:r>
+            <a:r>
+              <a:rPr lang="nl-NL" b="1" dirty="0" err="1">
+                <a:latin typeface="Courier New"/>
+                <a:cs typeface="Courier New"/>
+              </a:rPr>
+              <a:t>afwGeom</a:t>
+            </a:r>
+            <a:r>
+              <a:rPr lang="nl-NL" b="1" dirty="0" err="1">
+                <a:solidFill>
+                  <a:srgbClr val="666666"/>
+                </a:solidFill>
+                <a:latin typeface="Courier New"/>
+                <a:cs typeface="Courier New"/>
+              </a:rPr>
+              <a:t>.ExtentI</a:t>
+            </a:r>
+            <a:r>
+              <a:rPr lang="nl-NL" b="1" dirty="0">
+                <a:solidFill>
+                  <a:srgbClr val="666666"/>
+                </a:solidFill>
+                <a:latin typeface="Courier New"/>
+                <a:cs typeface="Courier New"/>
+              </a:rPr>
+              <a:t>(1000, 2048))</a:t>
+            </a:r>
+          </a:p>
+          <a:p>
+            <a:r>
+              <a:rPr lang="nl-NL" b="1" dirty="0" err="1">
+                <a:latin typeface="Courier New"/>
+                <a:cs typeface="Courier New"/>
+              </a:rPr>
+              <a:t>im</a:t>
+            </a:r>
+            <a:r>
+              <a:rPr lang="nl-NL" b="1" dirty="0">
+                <a:latin typeface="Courier New"/>
+                <a:cs typeface="Courier New"/>
+              </a:rPr>
+              <a:t> </a:t>
+            </a:r>
+            <a:r>
+              <a:rPr lang="nl-NL" b="1" dirty="0">
+                <a:solidFill>
+                  <a:srgbClr val="666666"/>
+                </a:solidFill>
+                <a:latin typeface="Courier New"/>
+                <a:cs typeface="Courier New"/>
+              </a:rPr>
+              <a:t>= </a:t>
+            </a:r>
+            <a:r>
+              <a:rPr lang="nl-NL" b="1" dirty="0" err="1">
+                <a:solidFill>
+                  <a:srgbClr val="666666"/>
+                </a:solidFill>
+                <a:latin typeface="Courier New"/>
+                <a:cs typeface="Courier New"/>
+              </a:rPr>
+              <a:t>masked_im.getImage</a:t>
+            </a:r>
+            <a:r>
+              <a:rPr lang="nl-NL" b="1" dirty="0">
+                <a:solidFill>
+                  <a:srgbClr val="666666"/>
+                </a:solidFill>
+                <a:latin typeface="Courier New"/>
+                <a:cs typeface="Courier New"/>
+              </a:rPr>
+              <a:t>()</a:t>
+            </a:r>
+          </a:p>
+          <a:p>
+            <a:r>
+              <a:rPr lang="nl-NL" b="1" dirty="0" err="1">
+                <a:latin typeface="Courier New"/>
+                <a:cs typeface="Courier New"/>
+              </a:rPr>
+              <a:t>new_im</a:t>
+            </a:r>
+            <a:r>
+              <a:rPr lang="nl-NL" b="1" dirty="0">
+                <a:latin typeface="Courier New"/>
+                <a:cs typeface="Courier New"/>
+              </a:rPr>
+              <a:t> </a:t>
+            </a:r>
+            <a:r>
+              <a:rPr lang="nl-NL" b="1" dirty="0">
+                <a:solidFill>
+                  <a:srgbClr val="666666"/>
+                </a:solidFill>
+                <a:latin typeface="Courier New"/>
+                <a:cs typeface="Courier New"/>
+              </a:rPr>
+              <a:t>= </a:t>
+            </a:r>
+            <a:r>
+              <a:rPr lang="nl-NL" b="1" dirty="0" err="1">
+                <a:solidFill>
+                  <a:srgbClr val="666666"/>
+                </a:solidFill>
+                <a:latin typeface="Courier New"/>
+                <a:cs typeface="Courier New"/>
+              </a:rPr>
+              <a:t>afwImage.ImageF</a:t>
+            </a:r>
+            <a:r>
+              <a:rPr lang="nl-NL" b="1" dirty="0">
+                <a:solidFill>
+                  <a:srgbClr val="666666"/>
+                </a:solidFill>
+                <a:latin typeface="Courier New"/>
+                <a:cs typeface="Courier New"/>
+              </a:rPr>
+              <a:t>(</a:t>
+            </a:r>
+            <a:r>
+              <a:rPr lang="nl-NL" b="1" dirty="0" err="1">
+                <a:solidFill>
+                  <a:srgbClr val="666666"/>
+                </a:solidFill>
+                <a:latin typeface="Courier New"/>
+                <a:cs typeface="Courier New"/>
+              </a:rPr>
+              <a:t>masked_im.getBBox</a:t>
+            </a:r>
+            <a:r>
+              <a:rPr lang="nl-NL" b="1" dirty="0">
+                <a:solidFill>
+                  <a:srgbClr val="666666"/>
+                </a:solidFill>
+                <a:latin typeface="Courier New"/>
+                <a:cs typeface="Courier New"/>
+              </a:rPr>
+              <a:t>())</a:t>
+            </a:r>
+          </a:p>
+          <a:p>
+            <a:r>
+              <a:rPr lang="nl-NL" b="1" dirty="0" err="1">
+                <a:latin typeface="Courier New"/>
+                <a:cs typeface="Courier New"/>
+              </a:rPr>
+              <a:t>left_subim</a:t>
+            </a:r>
+            <a:r>
+              <a:rPr lang="nl-NL" b="1" dirty="0">
+                <a:latin typeface="Courier New"/>
+                <a:cs typeface="Courier New"/>
+              </a:rPr>
+              <a:t> </a:t>
+            </a:r>
+            <a:r>
+              <a:rPr lang="nl-NL" b="1" dirty="0">
+                <a:solidFill>
+                  <a:srgbClr val="666666"/>
+                </a:solidFill>
+                <a:latin typeface="Courier New"/>
+                <a:cs typeface="Courier New"/>
+              </a:rPr>
+              <a:t>= </a:t>
+            </a:r>
+            <a:r>
+              <a:rPr lang="nl-NL" b="1" dirty="0" err="1">
+                <a:solidFill>
+                  <a:srgbClr val="666666"/>
+                </a:solidFill>
+                <a:latin typeface="Courier New"/>
+                <a:cs typeface="Courier New"/>
+              </a:rPr>
+              <a:t>afwImage.ImageF</a:t>
+            </a:r>
+            <a:r>
+              <a:rPr lang="nl-NL" b="1" dirty="0">
+                <a:solidFill>
+                  <a:srgbClr val="666666"/>
+                </a:solidFill>
+                <a:latin typeface="Courier New"/>
+                <a:cs typeface="Courier New"/>
+              </a:rPr>
+              <a:t>(</a:t>
+            </a:r>
+            <a:r>
+              <a:rPr lang="nl-NL" b="1" dirty="0" err="1">
+                <a:solidFill>
+                  <a:srgbClr val="666666"/>
+                </a:solidFill>
+                <a:latin typeface="Courier New"/>
+                <a:cs typeface="Courier New"/>
+              </a:rPr>
+              <a:t>im</a:t>
+            </a:r>
+            <a:r>
+              <a:rPr lang="nl-NL" b="1" dirty="0">
+                <a:solidFill>
+                  <a:srgbClr val="666666"/>
+                </a:solidFill>
+                <a:latin typeface="Courier New"/>
+                <a:cs typeface="Courier New"/>
+              </a:rPr>
+              <a:t>, </a:t>
+            </a:r>
+            <a:r>
+              <a:rPr lang="nl-NL" b="1" dirty="0" err="1">
+                <a:solidFill>
+                  <a:srgbClr val="666666"/>
+                </a:solidFill>
+                <a:latin typeface="Courier New"/>
+                <a:cs typeface="Courier New"/>
+              </a:rPr>
+              <a:t>left_box</a:t>
+            </a:r>
+            <a:r>
+              <a:rPr lang="nl-NL" b="1" dirty="0">
+                <a:solidFill>
+                  <a:srgbClr val="666666"/>
+                </a:solidFill>
+                <a:latin typeface="Courier New"/>
+                <a:cs typeface="Courier New"/>
+              </a:rPr>
+              <a:t>, </a:t>
+            </a:r>
+            <a:r>
+              <a:rPr lang="nl-NL" b="1" dirty="0" err="1">
+                <a:solidFill>
+                  <a:srgbClr val="666666"/>
+                </a:solidFill>
+                <a:latin typeface="Courier New"/>
+                <a:cs typeface="Courier New"/>
+              </a:rPr>
+              <a:t>afwImage.LOCAL</a:t>
+            </a:r>
+            <a:r>
+              <a:rPr lang="nl-NL" b="1" dirty="0">
+                <a:solidFill>
+                  <a:srgbClr val="666666"/>
+                </a:solidFill>
+                <a:latin typeface="Courier New"/>
+                <a:cs typeface="Courier New"/>
+              </a:rPr>
+              <a:t>)</a:t>
+            </a:r>
+          </a:p>
+          <a:p>
+            <a:r>
+              <a:rPr lang="nl-NL" b="1" dirty="0" err="1">
+                <a:latin typeface="Courier New"/>
+                <a:cs typeface="Courier New"/>
+              </a:rPr>
+              <a:t>right_subim</a:t>
+            </a:r>
+            <a:r>
+              <a:rPr lang="nl-NL" b="1" dirty="0">
+                <a:latin typeface="Courier New"/>
+                <a:cs typeface="Courier New"/>
+              </a:rPr>
+              <a:t> </a:t>
+            </a:r>
+            <a:r>
+              <a:rPr lang="nl-NL" b="1" dirty="0">
+                <a:solidFill>
+                  <a:srgbClr val="666666"/>
+                </a:solidFill>
+                <a:latin typeface="Courier New"/>
+                <a:cs typeface="Courier New"/>
+              </a:rPr>
+              <a:t>= </a:t>
+            </a:r>
+            <a:r>
+              <a:rPr lang="nl-NL" b="1" dirty="0" err="1">
+                <a:solidFill>
+                  <a:srgbClr val="666666"/>
+                </a:solidFill>
+                <a:latin typeface="Courier New"/>
+                <a:cs typeface="Courier New"/>
+              </a:rPr>
+              <a:t>afwImage.ImageF</a:t>
+            </a:r>
+            <a:r>
+              <a:rPr lang="nl-NL" b="1" dirty="0">
+                <a:solidFill>
+                  <a:srgbClr val="666666"/>
+                </a:solidFill>
+                <a:latin typeface="Courier New"/>
+                <a:cs typeface="Courier New"/>
+              </a:rPr>
+              <a:t>(</a:t>
+            </a:r>
+            <a:r>
+              <a:rPr lang="nl-NL" b="1" dirty="0" err="1">
+                <a:solidFill>
+                  <a:srgbClr val="666666"/>
+                </a:solidFill>
+                <a:latin typeface="Courier New"/>
+                <a:cs typeface="Courier New"/>
+              </a:rPr>
+              <a:t>im</a:t>
+            </a:r>
+            <a:r>
+              <a:rPr lang="nl-NL" b="1" dirty="0">
+                <a:solidFill>
+                  <a:srgbClr val="666666"/>
+                </a:solidFill>
+                <a:latin typeface="Courier New"/>
+                <a:cs typeface="Courier New"/>
+              </a:rPr>
+              <a:t>, </a:t>
+            </a:r>
+            <a:r>
+              <a:rPr lang="nl-NL" b="1" dirty="0" err="1">
+                <a:solidFill>
+                  <a:srgbClr val="666666"/>
+                </a:solidFill>
+                <a:latin typeface="Courier New"/>
+                <a:cs typeface="Courier New"/>
+              </a:rPr>
+              <a:t>right_box</a:t>
+            </a:r>
+            <a:r>
+              <a:rPr lang="nl-NL" b="1" dirty="0">
+                <a:solidFill>
+                  <a:srgbClr val="666666"/>
+                </a:solidFill>
+                <a:latin typeface="Courier New"/>
+                <a:cs typeface="Courier New"/>
+              </a:rPr>
+              <a:t>, </a:t>
+            </a:r>
+            <a:r>
+              <a:rPr lang="nl-NL" b="1" dirty="0" err="1">
+                <a:solidFill>
+                  <a:srgbClr val="666666"/>
+                </a:solidFill>
+                <a:latin typeface="Courier New"/>
+                <a:cs typeface="Courier New"/>
+              </a:rPr>
+              <a:t>afwImage.LOCAL</a:t>
+            </a:r>
+            <a:r>
+              <a:rPr lang="nl-NL" b="1" dirty="0">
+                <a:solidFill>
+                  <a:srgbClr val="666666"/>
+                </a:solidFill>
+                <a:latin typeface="Courier New"/>
+                <a:cs typeface="Courier New"/>
+              </a:rPr>
+              <a:t>)</a:t>
+            </a:r>
+          </a:p>
+          <a:p>
+            <a:r>
+              <a:rPr lang="nl-NL" b="1" dirty="0" err="1">
+                <a:latin typeface="Courier New"/>
+                <a:cs typeface="Courier New"/>
+              </a:rPr>
+              <a:t>left_subim</a:t>
+            </a:r>
+            <a:r>
+              <a:rPr lang="nl-NL" b="1" dirty="0">
+                <a:latin typeface="Courier New"/>
+                <a:cs typeface="Courier New"/>
+              </a:rPr>
+              <a:t> </a:t>
+            </a:r>
+            <a:r>
+              <a:rPr lang="nl-NL" b="1" dirty="0">
+                <a:solidFill>
+                  <a:srgbClr val="666666"/>
+                </a:solidFill>
+                <a:latin typeface="Courier New"/>
+                <a:cs typeface="Courier New"/>
+              </a:rPr>
+              <a:t>*= -1</a:t>
+            </a:r>
+          </a:p>
+          <a:p>
+            <a:endParaRPr lang="nl-NL" b="1" dirty="0">
+              <a:latin typeface="Courier New"/>
+              <a:cs typeface="Courier New"/>
+            </a:endParaRPr>
+          </a:p>
+          <a:p>
+            <a:r>
+              <a:rPr lang="nl-NL" b="1" dirty="0" err="1">
+                <a:latin typeface="Courier New"/>
+                <a:cs typeface="Courier New"/>
+              </a:rPr>
+              <a:t>new_subim</a:t>
+            </a:r>
+            <a:r>
+              <a:rPr lang="nl-NL" b="1" dirty="0">
+                <a:latin typeface="Courier New"/>
+                <a:cs typeface="Courier New"/>
+              </a:rPr>
+              <a:t> </a:t>
+            </a:r>
+            <a:r>
+              <a:rPr lang="nl-NL" b="1" dirty="0">
+                <a:solidFill>
+                  <a:srgbClr val="666666"/>
+                </a:solidFill>
+                <a:latin typeface="Courier New"/>
+                <a:cs typeface="Courier New"/>
+              </a:rPr>
+              <a:t>= </a:t>
+            </a:r>
+            <a:r>
+              <a:rPr lang="nl-NL" b="1" dirty="0" err="1">
+                <a:solidFill>
+                  <a:srgbClr val="666666"/>
+                </a:solidFill>
+                <a:latin typeface="Courier New"/>
+                <a:cs typeface="Courier New"/>
+              </a:rPr>
+              <a:t>afwImage.ImageF</a:t>
+            </a:r>
+            <a:r>
+              <a:rPr lang="nl-NL" b="1" dirty="0">
+                <a:solidFill>
+                  <a:srgbClr val="666666"/>
+                </a:solidFill>
+                <a:latin typeface="Courier New"/>
+                <a:cs typeface="Courier New"/>
+              </a:rPr>
+              <a:t>(</a:t>
+            </a:r>
+            <a:r>
+              <a:rPr lang="nl-NL" b="1" dirty="0" err="1">
+                <a:solidFill>
+                  <a:srgbClr val="666666"/>
+                </a:solidFill>
+                <a:latin typeface="Courier New"/>
+                <a:cs typeface="Courier New"/>
+              </a:rPr>
+              <a:t>new_im</a:t>
+            </a:r>
+            <a:r>
+              <a:rPr lang="nl-NL" b="1" dirty="0">
+                <a:solidFill>
+                  <a:srgbClr val="666666"/>
+                </a:solidFill>
+                <a:latin typeface="Courier New"/>
+                <a:cs typeface="Courier New"/>
+              </a:rPr>
+              <a:t>, </a:t>
+            </a:r>
+            <a:r>
+              <a:rPr lang="nl-NL" b="1" dirty="0" err="1">
+                <a:solidFill>
+                  <a:srgbClr val="666666"/>
+                </a:solidFill>
+                <a:latin typeface="Courier New"/>
+                <a:cs typeface="Courier New"/>
+              </a:rPr>
+              <a:t>left_box</a:t>
+            </a:r>
+            <a:r>
+              <a:rPr lang="nl-NL" b="1" dirty="0">
+                <a:solidFill>
+                  <a:srgbClr val="666666"/>
+                </a:solidFill>
+                <a:latin typeface="Courier New"/>
+                <a:cs typeface="Courier New"/>
+              </a:rPr>
+              <a:t>, </a:t>
+            </a:r>
+            <a:r>
+              <a:rPr lang="nl-NL" b="1" dirty="0" err="1">
+                <a:solidFill>
+                  <a:srgbClr val="666666"/>
+                </a:solidFill>
+                <a:latin typeface="Courier New"/>
+                <a:cs typeface="Courier New"/>
+              </a:rPr>
+              <a:t>afwImage.LOCAL</a:t>
+            </a:r>
+            <a:r>
+              <a:rPr lang="nl-NL" b="1" dirty="0">
+                <a:solidFill>
+                  <a:srgbClr val="666666"/>
+                </a:solidFill>
+                <a:latin typeface="Courier New"/>
+                <a:cs typeface="Courier New"/>
+              </a:rPr>
+              <a:t>)</a:t>
+            </a:r>
+          </a:p>
+          <a:p>
+            <a:r>
+              <a:rPr lang="nl-NL" b="1" dirty="0" err="1">
+                <a:latin typeface="Courier New"/>
+                <a:cs typeface="Courier New"/>
+              </a:rPr>
+              <a:t>new_subim</a:t>
+            </a:r>
+            <a:r>
+              <a:rPr lang="nl-NL" b="1" dirty="0">
+                <a:latin typeface="Courier New"/>
+                <a:cs typeface="Courier New"/>
+              </a:rPr>
+              <a:t> </a:t>
+            </a:r>
+            <a:r>
+              <a:rPr lang="nl-NL" b="1" dirty="0">
+                <a:solidFill>
+                  <a:srgbClr val="666666"/>
+                </a:solidFill>
+                <a:latin typeface="Courier New"/>
+                <a:cs typeface="Courier New"/>
+              </a:rPr>
+              <a:t>&lt;&lt;= </a:t>
+            </a:r>
+            <a:r>
+              <a:rPr lang="nl-NL" b="1" dirty="0" err="1">
+                <a:solidFill>
+                  <a:srgbClr val="666666"/>
+                </a:solidFill>
+                <a:latin typeface="Courier New"/>
+                <a:cs typeface="Courier New"/>
+              </a:rPr>
+              <a:t>left_subim</a:t>
+            </a:r>
+            <a:endParaRPr lang="nl-NL" b="1" dirty="0">
+              <a:solidFill>
+                <a:srgbClr val="666666"/>
+              </a:solidFill>
+              <a:latin typeface="Courier New"/>
+              <a:cs typeface="Courier New"/>
+            </a:endParaRPr>
+          </a:p>
+          <a:p>
+            <a:r>
+              <a:rPr lang="nl-NL" b="1" dirty="0" err="1">
+                <a:latin typeface="Courier New"/>
+                <a:cs typeface="Courier New"/>
+              </a:rPr>
+              <a:t>new_subim</a:t>
+            </a:r>
+            <a:r>
+              <a:rPr lang="nl-NL" b="1" dirty="0">
+                <a:latin typeface="Courier New"/>
+                <a:cs typeface="Courier New"/>
+              </a:rPr>
+              <a:t> </a:t>
+            </a:r>
+            <a:r>
+              <a:rPr lang="nl-NL" b="1" dirty="0">
+                <a:solidFill>
+                  <a:srgbClr val="666666"/>
+                </a:solidFill>
+                <a:latin typeface="Courier New"/>
+                <a:cs typeface="Courier New"/>
+              </a:rPr>
+              <a:t>= </a:t>
+            </a:r>
+            <a:r>
+              <a:rPr lang="nl-NL" b="1" dirty="0" err="1">
+                <a:solidFill>
+                  <a:srgbClr val="666666"/>
+                </a:solidFill>
+                <a:latin typeface="Courier New"/>
+                <a:cs typeface="Courier New"/>
+              </a:rPr>
+              <a:t>afwImage.ImageF</a:t>
+            </a:r>
+            <a:r>
+              <a:rPr lang="nl-NL" b="1" dirty="0">
+                <a:solidFill>
+                  <a:srgbClr val="666666"/>
+                </a:solidFill>
+                <a:latin typeface="Courier New"/>
+                <a:cs typeface="Courier New"/>
+              </a:rPr>
+              <a:t>(</a:t>
+            </a:r>
+            <a:r>
+              <a:rPr lang="nl-NL" b="1" dirty="0" err="1">
+                <a:solidFill>
+                  <a:srgbClr val="666666"/>
+                </a:solidFill>
+                <a:latin typeface="Courier New"/>
+                <a:cs typeface="Courier New"/>
+              </a:rPr>
+              <a:t>new_im</a:t>
+            </a:r>
+            <a:r>
+              <a:rPr lang="nl-NL" b="1" dirty="0">
+                <a:solidFill>
+                  <a:srgbClr val="666666"/>
+                </a:solidFill>
+                <a:latin typeface="Courier New"/>
+                <a:cs typeface="Courier New"/>
+              </a:rPr>
+              <a:t>, </a:t>
+            </a:r>
+            <a:r>
+              <a:rPr lang="nl-NL" b="1" dirty="0" err="1">
+                <a:solidFill>
+                  <a:srgbClr val="666666"/>
+                </a:solidFill>
+                <a:latin typeface="Courier New"/>
+                <a:cs typeface="Courier New"/>
+              </a:rPr>
+              <a:t>right_box</a:t>
+            </a:r>
+            <a:r>
+              <a:rPr lang="nl-NL" b="1" dirty="0">
+                <a:solidFill>
+                  <a:srgbClr val="666666"/>
+                </a:solidFill>
+                <a:latin typeface="Courier New"/>
+                <a:cs typeface="Courier New"/>
+              </a:rPr>
+              <a:t>, </a:t>
+            </a:r>
+            <a:r>
+              <a:rPr lang="nl-NL" b="1" dirty="0" err="1">
+                <a:solidFill>
+                  <a:srgbClr val="666666"/>
+                </a:solidFill>
+                <a:latin typeface="Courier New"/>
+                <a:cs typeface="Courier New"/>
+              </a:rPr>
+              <a:t>afwImage.LOCAL</a:t>
+            </a:r>
+            <a:r>
+              <a:rPr lang="nl-NL" b="1" dirty="0">
+                <a:solidFill>
+                  <a:srgbClr val="666666"/>
+                </a:solidFill>
+                <a:latin typeface="Courier New"/>
+                <a:cs typeface="Courier New"/>
+              </a:rPr>
+              <a:t>)</a:t>
+            </a:r>
+          </a:p>
+          <a:p>
+            <a:r>
+              <a:rPr lang="nl-NL" b="1" dirty="0" err="1">
+                <a:latin typeface="Courier New"/>
+                <a:cs typeface="Courier New"/>
+              </a:rPr>
+              <a:t>new_subim</a:t>
+            </a:r>
+            <a:r>
+              <a:rPr lang="nl-NL" b="1" dirty="0">
+                <a:latin typeface="Courier New"/>
+                <a:cs typeface="Courier New"/>
+              </a:rPr>
+              <a:t> </a:t>
+            </a:r>
+            <a:r>
+              <a:rPr lang="nl-NL" b="1" dirty="0">
+                <a:solidFill>
+                  <a:srgbClr val="666666"/>
+                </a:solidFill>
+                <a:latin typeface="Courier New"/>
+                <a:cs typeface="Courier New"/>
+              </a:rPr>
+              <a:t>&lt;&lt;= </a:t>
+            </a:r>
+            <a:r>
+              <a:rPr lang="nl-NL" b="1" dirty="0" err="1">
+                <a:solidFill>
+                  <a:srgbClr val="666666"/>
+                </a:solidFill>
+                <a:latin typeface="Courier New"/>
+                <a:cs typeface="Courier New"/>
+              </a:rPr>
+              <a:t>right_subim</a:t>
+            </a:r>
+            <a:endParaRPr lang="nl-NL" b="1" dirty="0">
+              <a:solidFill>
+                <a:srgbClr val="666666"/>
+              </a:solidFill>
+              <a:latin typeface="Courier New"/>
+              <a:cs typeface="Courier New"/>
+            </a:endParaRPr>
+          </a:p>
+        </p:txBody>
+      </p:sp>
+    </p:spTree>
+    <p:extLst>
+      <p:ext uri="{BB962C8B-B14F-4D97-AF65-F5344CB8AC3E}">
+        <p14:creationId xmlns:p14="http://schemas.microsoft.com/office/powerpoint/2010/main" val="2758269814"/>
+      </p:ext>
+    </p:extLst>
+  </p:cSld>
+  <p:clrMapOvr>
+    <a:masterClrMapping/>
+  </p:clrMapOvr>
+</p:sld>
+</file>
+
+<file path=ppt/slides/slide26.xml><?xml version="1.0" encoding="utf-8"?>
+<p:sld xmlns:a="http://schemas.openxmlformats.org/drawingml/2006/main" xmlns:r="http://schemas.openxmlformats.org/officeDocument/2006/relationships" xmlns:p="http://schemas.openxmlformats.org/presentationml/2006/main">
+  <p:cSld>
+    <p:spTree>
+      <p:nvGrpSpPr>
+        <p:cNvPr id="1" name=""/>
+        <p:cNvGrpSpPr/>
+        <p:nvPr/>
+      </p:nvGrpSpPr>
+      <p:grpSpPr>
+        <a:xfrm>
+          <a:off x="0" y="0"/>
+          <a:ext cx="0" cy="0"/>
+          <a:chOff x="0" y="0"/>
+          <a:chExt cx="0" cy="0"/>
+        </a:xfrm>
+      </p:grpSpPr>
+      <p:sp>
+        <p:nvSpPr>
+          <p:cNvPr id="2" name="Title 1"/>
+          <p:cNvSpPr>
+            <a:spLocks noGrp="1"/>
+          </p:cNvSpPr>
+          <p:nvPr>
+            <p:ph type="title"/>
+          </p:nvPr>
+        </p:nvSpPr>
+        <p:spPr/>
+        <p:txBody>
+          <a:bodyPr/>
+          <a:lstStyle/>
+          <a:p>
+            <a:endParaRPr lang="en-US"/>
+          </a:p>
+        </p:txBody>
+      </p:sp>
+      <p:pic>
+        <p:nvPicPr>
+          <p:cNvPr id="4" name="Picture 3"/>
+          <p:cNvPicPr>
+            <a:picLocks noChangeAspect="1"/>
+          </p:cNvPicPr>
+          <p:nvPr/>
+        </p:nvPicPr>
+        <p:blipFill>
+          <a:blip r:embed="rId2"/>
+          <a:stretch>
+            <a:fillRect/>
+          </a:stretch>
+        </p:blipFill>
+        <p:spPr>
+          <a:xfrm>
+            <a:off x="114300" y="647700"/>
+            <a:ext cx="8902700" cy="5562600"/>
+          </a:xfrm>
+          <a:prstGeom prst="rect">
+            <a:avLst/>
+          </a:prstGeom>
+        </p:spPr>
+      </p:pic>
+    </p:spTree>
+    <p:extLst>
+      <p:ext uri="{BB962C8B-B14F-4D97-AF65-F5344CB8AC3E}">
+        <p14:creationId xmlns:p14="http://schemas.microsoft.com/office/powerpoint/2010/main" val="3283722045"/>
+      </p:ext>
+    </p:extLst>
+  </p:cSld>
+  <p:clrMapOvr>
+    <a:masterClrMapping/>
+  </p:clrMapOvr>
+</p:sld>
+</file>
+
+<file path=ppt/slides/slide27.xml><?xml version="1.0" encoding="utf-8"?>
+<p:sld xmlns:a="http://schemas.openxmlformats.org/drawingml/2006/main" xmlns:r="http://schemas.openxmlformats.org/officeDocument/2006/relationships" xmlns:p="http://schemas.openxmlformats.org/presentationml/2006/main">
+  <p:cSld>
+    <p:spTree>
+      <p:nvGrpSpPr>
+        <p:cNvPr id="1" name=""/>
+        <p:cNvGrpSpPr/>
+        <p:nvPr/>
+      </p:nvGrpSpPr>
+      <p:grpSpPr>
+        <a:xfrm>
+          <a:off x="0" y="0"/>
+          <a:ext cx="0" cy="0"/>
+          <a:chOff x="0" y="0"/>
+          <a:chExt cx="0" cy="0"/>
+        </a:xfrm>
+      </p:grpSpPr>
+      <p:sp>
+        <p:nvSpPr>
+          <p:cNvPr id="2" name="Title 1"/>
+          <p:cNvSpPr>
+            <a:spLocks noGrp="1"/>
+          </p:cNvSpPr>
+          <p:nvPr>
+            <p:ph type="title"/>
+          </p:nvPr>
+        </p:nvSpPr>
+        <p:spPr/>
+        <p:txBody>
+          <a:bodyPr/>
+          <a:lstStyle/>
+          <a:p>
+            <a:r>
+              <a:rPr lang="en-US" dirty="0" smtClean="0"/>
+              <a:t>Understanding </a:t>
+            </a:r>
+            <a:r>
+              <a:rPr lang="en-US" dirty="0" err="1" smtClean="0"/>
+              <a:t>afw</a:t>
+            </a:r>
+            <a:endParaRPr lang="en-US" dirty="0"/>
+          </a:p>
+        </p:txBody>
+      </p:sp>
+      <p:sp>
+        <p:nvSpPr>
+          <p:cNvPr id="3" name="Text Placeholder 2"/>
+          <p:cNvSpPr>
+            <a:spLocks noGrp="1"/>
+          </p:cNvSpPr>
+          <p:nvPr>
+            <p:ph type="body" idx="1"/>
+          </p:nvPr>
+        </p:nvSpPr>
+        <p:spPr/>
+        <p:txBody>
+          <a:bodyPr/>
+          <a:lstStyle/>
+          <a:p>
+            <a:r>
+              <a:rPr lang="en-US" dirty="0" smtClean="0"/>
+              <a:t>The original intent was to keep the C++ environment rich.</a:t>
+            </a:r>
+          </a:p>
+          <a:p>
+            <a:pPr lvl="1"/>
+            <a:r>
+              <a:rPr lang="en-US" dirty="0" smtClean="0"/>
+              <a:t>This leads to classes (not just functions) defined in C++</a:t>
+            </a:r>
+          </a:p>
+          <a:p>
+            <a:r>
+              <a:rPr lang="en-US" dirty="0" smtClean="0"/>
+              <a:t>There is a strong effort to expose as much C++ in Python as possible.</a:t>
+            </a:r>
+          </a:p>
+          <a:p>
+            <a:pPr lvl="1"/>
+            <a:r>
+              <a:rPr lang="en-US" dirty="0" smtClean="0"/>
+              <a:t>This can lead to more than one way to do things.</a:t>
+            </a:r>
+          </a:p>
+          <a:p>
+            <a:pPr lvl="1"/>
+            <a:endParaRPr lang="en-US" dirty="0"/>
+          </a:p>
+          <a:p>
+            <a:r>
+              <a:rPr lang="en-US" dirty="0" smtClean="0"/>
+              <a:t>Takeaway: The Python/C++ line is hard to draw.  We should continue to be observant and strive to make the stack as generally useful/useable as possible.</a:t>
+            </a:r>
+          </a:p>
+        </p:txBody>
+      </p:sp>
+    </p:spTree>
+    <p:extLst>
+      <p:ext uri="{BB962C8B-B14F-4D97-AF65-F5344CB8AC3E}">
+        <p14:creationId xmlns:p14="http://schemas.microsoft.com/office/powerpoint/2010/main" val="3949679305"/>
+      </p:ext>
+    </p:extLst>
   </p:cSld>
   <p:clrMapOvr>
     <a:masterClrMapping/>
@@ -6212,8 +8935,12 @@
           <a:p>
             <a:pPr lvl="2"/>
             <a:r>
-              <a:rPr lang="en-US" dirty="0" smtClean="0"/>
-              <a:t>Bitmask, value, sigma, sigma per pixel</a:t>
+              <a:rPr lang="en-US" dirty="0"/>
+              <a:t>b</a:t>
+            </a:r>
+            <a:r>
+              <a:rPr lang="en-US" dirty="0" smtClean="0"/>
+              <a:t>itmask, value, sigma, sigma per pixel</a:t>
             </a:r>
           </a:p>
           <a:p>
@@ -6531,10 +9258,7 @@
               <a:rPr lang="en-US" dirty="0" err="1" smtClean="0"/>
               <a:t>Wcs</a:t>
             </a:r>
-            <a:r>
-              <a:rPr lang="en-US" dirty="0" smtClean="0"/>
-              <a:t> (for some reason)</a:t>
-            </a:r>
+            <a:endParaRPr lang="en-US" dirty="0" smtClean="0"/>
           </a:p>
           <a:p>
             <a:pPr lvl="1"/>
